--- a/QuickMPay.pptx
+++ b/QuickMPay.pptx
@@ -3,16 +3,17 @@
 <p:presentation xmlns:a="http://schemas.openxmlformats.org/drawingml/2006/main" xmlns:p="http://schemas.openxmlformats.org/presentationml/2006/main" xmlns:r="http://schemas.openxmlformats.org/officeDocument/2006/relationships">
   <p:sldMasterIdLst>
     <p:sldMasterId id="2147483648" r:id="rId2"/>
+    <p:sldMasterId id="2147483661" r:id="rId3"/>
   </p:sldMasterIdLst>
   <p:sldIdLst>
-    <p:sldId id="256" r:id="rId3"/>
-    <p:sldId id="257" r:id="rId4"/>
-    <p:sldId id="258" r:id="rId5"/>
-    <p:sldId id="259" r:id="rId6"/>
-    <p:sldId id="260" r:id="rId7"/>
-    <p:sldId id="261" r:id="rId8"/>
-    <p:sldId id="262" r:id="rId9"/>
-    <p:sldId id="263" r:id="rId10"/>
+    <p:sldId id="256" r:id="rId4"/>
+    <p:sldId id="257" r:id="rId5"/>
+    <p:sldId id="258" r:id="rId6"/>
+    <p:sldId id="259" r:id="rId7"/>
+    <p:sldId id="260" r:id="rId8"/>
+    <p:sldId id="261" r:id="rId9"/>
+    <p:sldId id="262" r:id="rId10"/>
+    <p:sldId id="263" r:id="rId11"/>
   </p:sldIdLst>
   <p:sldSz cx="10080625" cy="7559675"/>
   <p:notesSz cx="7559675" cy="10691812"/>
@@ -60,7 +61,7 @@
       </p:grpSpPr>
       <p:sp>
         <p:nvSpPr>
-          <p:cNvPr id="26" name="PlaceHolder 1"/>
+          <p:cNvPr id="23" name="PlaceHolder 1"/>
           <p:cNvSpPr>
             <a:spLocks noGrp="1"/>
           </p:cNvSpPr>
@@ -71,7 +72,7 @@
         <p:spPr>
           <a:xfrm>
             <a:off x="504000" y="301320"/>
-            <a:ext cx="9071640" cy="1262160"/>
+            <a:ext cx="9072000" cy="1261800"/>
           </a:xfrm>
           <a:prstGeom prst="rect">
             <a:avLst/>
@@ -87,7 +88,7 @@
       </p:sp>
       <p:sp>
         <p:nvSpPr>
-          <p:cNvPr id="27" name="PlaceHolder 2"/>
+          <p:cNvPr id="24" name="PlaceHolder 2"/>
           <p:cNvSpPr>
             <a:spLocks noGrp="1"/>
           </p:cNvSpPr>
@@ -97,8 +98,8 @@
         </p:nvSpPr>
         <p:spPr>
           <a:xfrm>
-            <a:off x="504000" y="1769040"/>
-            <a:ext cx="9071640" cy="2091240"/>
+            <a:off x="504000" y="1768680"/>
+            <a:ext cx="9072000" cy="2090880"/>
           </a:xfrm>
           <a:prstGeom prst="rect">
             <a:avLst/>
@@ -113,7 +114,7 @@
       </p:sp>
       <p:sp>
         <p:nvSpPr>
-          <p:cNvPr id="28" name="PlaceHolder 3"/>
+          <p:cNvPr id="25" name="PlaceHolder 3"/>
           <p:cNvSpPr>
             <a:spLocks noGrp="1"/>
           </p:cNvSpPr>
@@ -123,8 +124,8 @@
         </p:nvSpPr>
         <p:spPr>
           <a:xfrm>
-            <a:off x="504000" y="4059360"/>
-            <a:ext cx="9071640" cy="2091240"/>
+            <a:off x="504000" y="4058640"/>
+            <a:ext cx="9072000" cy="2090880"/>
           </a:xfrm>
           <a:prstGeom prst="rect">
             <a:avLst/>
@@ -161,7 +162,7 @@
       </p:grpSpPr>
       <p:sp>
         <p:nvSpPr>
-          <p:cNvPr id="29" name="PlaceHolder 1"/>
+          <p:cNvPr id="26" name="PlaceHolder 1"/>
           <p:cNvSpPr>
             <a:spLocks noGrp="1"/>
           </p:cNvSpPr>
@@ -172,7 +173,7 @@
         <p:spPr>
           <a:xfrm>
             <a:off x="504000" y="301320"/>
-            <a:ext cx="9071640" cy="1262160"/>
+            <a:ext cx="9072000" cy="1261800"/>
           </a:xfrm>
           <a:prstGeom prst="rect">
             <a:avLst/>
@@ -188,7 +189,7 @@
       </p:sp>
       <p:sp>
         <p:nvSpPr>
-          <p:cNvPr id="30" name="PlaceHolder 2"/>
+          <p:cNvPr id="27" name="PlaceHolder 2"/>
           <p:cNvSpPr>
             <a:spLocks noGrp="1"/>
           </p:cNvSpPr>
@@ -198,8 +199,8 @@
         </p:nvSpPr>
         <p:spPr>
           <a:xfrm>
-            <a:off x="504000" y="1769040"/>
-            <a:ext cx="4426920" cy="2091240"/>
+            <a:off x="504000" y="1768680"/>
+            <a:ext cx="4426920" cy="2090880"/>
           </a:xfrm>
           <a:prstGeom prst="rect">
             <a:avLst/>
@@ -214,7 +215,7 @@
       </p:sp>
       <p:sp>
         <p:nvSpPr>
-          <p:cNvPr id="31" name="PlaceHolder 3"/>
+          <p:cNvPr id="28" name="PlaceHolder 3"/>
           <p:cNvSpPr>
             <a:spLocks noGrp="1"/>
           </p:cNvSpPr>
@@ -224,8 +225,8 @@
         </p:nvSpPr>
         <p:spPr>
           <a:xfrm>
-            <a:off x="5152680" y="1769040"/>
-            <a:ext cx="4426920" cy="2091240"/>
+            <a:off x="5152680" y="1768680"/>
+            <a:ext cx="4426920" cy="2090880"/>
           </a:xfrm>
           <a:prstGeom prst="rect">
             <a:avLst/>
@@ -240,7 +241,7 @@
       </p:sp>
       <p:sp>
         <p:nvSpPr>
-          <p:cNvPr id="32" name="PlaceHolder 4"/>
+          <p:cNvPr id="29" name="PlaceHolder 4"/>
           <p:cNvSpPr>
             <a:spLocks noGrp="1"/>
           </p:cNvSpPr>
@@ -250,8 +251,8 @@
         </p:nvSpPr>
         <p:spPr>
           <a:xfrm>
-            <a:off x="5152680" y="4059360"/>
-            <a:ext cx="4426920" cy="2091240"/>
+            <a:off x="5152680" y="4058640"/>
+            <a:ext cx="4426920" cy="2090880"/>
           </a:xfrm>
           <a:prstGeom prst="rect">
             <a:avLst/>
@@ -266,7 +267,7 @@
       </p:sp>
       <p:sp>
         <p:nvSpPr>
-          <p:cNvPr id="33" name="PlaceHolder 5"/>
+          <p:cNvPr id="30" name="PlaceHolder 5"/>
           <p:cNvSpPr>
             <a:spLocks noGrp="1"/>
           </p:cNvSpPr>
@@ -276,8 +277,8 @@
         </p:nvSpPr>
         <p:spPr>
           <a:xfrm>
-            <a:off x="504000" y="4059360"/>
-            <a:ext cx="4426920" cy="2091240"/>
+            <a:off x="504000" y="4058640"/>
+            <a:ext cx="4426920" cy="2090880"/>
           </a:xfrm>
           <a:prstGeom prst="rect">
             <a:avLst/>
@@ -314,7 +315,7 @@
       </p:grpSpPr>
       <p:sp>
         <p:nvSpPr>
-          <p:cNvPr id="34" name="PlaceHolder 1"/>
+          <p:cNvPr id="31" name="PlaceHolder 1"/>
           <p:cNvSpPr>
             <a:spLocks noGrp="1"/>
           </p:cNvSpPr>
@@ -325,7 +326,7 @@
         <p:spPr>
           <a:xfrm>
             <a:off x="504000" y="301320"/>
-            <a:ext cx="9071640" cy="1262160"/>
+            <a:ext cx="9072000" cy="1261800"/>
           </a:xfrm>
           <a:prstGeom prst="rect">
             <a:avLst/>
@@ -341,7 +342,7 @@
       </p:sp>
       <p:sp>
         <p:nvSpPr>
-          <p:cNvPr id="35" name="PlaceHolder 2"/>
+          <p:cNvPr id="32" name="PlaceHolder 2"/>
           <p:cNvSpPr>
             <a:spLocks noGrp="1"/>
           </p:cNvSpPr>
@@ -351,8 +352,8 @@
         </p:nvSpPr>
         <p:spPr>
           <a:xfrm>
-            <a:off x="504000" y="1769040"/>
-            <a:ext cx="9071640" cy="4384440"/>
+            <a:off x="504000" y="1768680"/>
+            <a:ext cx="9072000" cy="4384080"/>
           </a:xfrm>
           <a:prstGeom prst="rect">
             <a:avLst/>
@@ -367,7 +368,7 @@
       </p:sp>
       <p:sp>
         <p:nvSpPr>
-          <p:cNvPr id="36" name="PlaceHolder 3"/>
+          <p:cNvPr id="33" name="PlaceHolder 3"/>
           <p:cNvSpPr>
             <a:spLocks noGrp="1"/>
           </p:cNvSpPr>
@@ -377,8 +378,8 @@
         </p:nvSpPr>
         <p:spPr>
           <a:xfrm>
-            <a:off x="504000" y="1769040"/>
-            <a:ext cx="9071640" cy="4384440"/>
+            <a:off x="504000" y="1768680"/>
+            <a:ext cx="9072000" cy="4384080"/>
           </a:xfrm>
           <a:prstGeom prst="rect">
             <a:avLst/>
@@ -393,7 +394,7 @@
       </p:sp>
       <p:pic>
         <p:nvPicPr>
-          <p:cNvPr id="37" name="" descr=""/>
+          <p:cNvPr id="34" name="" descr=""/>
           <p:cNvPicPr/>
           <p:nvPr/>
         </p:nvPicPr>
@@ -403,8 +404,8 @@
         </p:blipFill>
         <p:spPr>
           <a:xfrm>
-            <a:off x="2291040" y="1768680"/>
-            <a:ext cx="5497200" cy="4384440"/>
+            <a:off x="2291400" y="1768680"/>
+            <a:ext cx="5496840" cy="4384080"/>
           </a:xfrm>
           <a:prstGeom prst="rect">
             <a:avLst/>
@@ -416,7 +417,7 @@
       </p:pic>
       <p:pic>
         <p:nvPicPr>
-          <p:cNvPr id="38" name="" descr=""/>
+          <p:cNvPr id="35" name="" descr=""/>
           <p:cNvPicPr/>
           <p:nvPr/>
         </p:nvPicPr>
@@ -426,8 +427,8 @@
         </p:blipFill>
         <p:spPr>
           <a:xfrm>
-            <a:off x="2291040" y="1768680"/>
-            <a:ext cx="5497200" cy="4384440"/>
+            <a:off x="2291400" y="1768680"/>
+            <a:ext cx="5496840" cy="4384080"/>
           </a:xfrm>
           <a:prstGeom prst="rect">
             <a:avLst/>
@@ -437,6 +438,505 @@
           </a:ln>
         </p:spPr>
       </p:pic>
+    </p:spTree>
+  </p:cSld>
+</p:sldLayout>
+</file>
+
+<file path=ppt/slideLayouts/slideLayout13.xml><?xml version="1.0" encoding="utf-8"?>
+<p:sldLayout xmlns:a="http://schemas.openxmlformats.org/drawingml/2006/main" xmlns:p="http://schemas.openxmlformats.org/presentationml/2006/main" xmlns:r="http://schemas.openxmlformats.org/officeDocument/2006/relationships" type="blank" preserve="1">
+  <p:cSld name="Blank Slide">
+    <p:spTree>
+      <p:nvGrpSpPr>
+        <p:cNvPr id="1" name=""/>
+        <p:cNvGrpSpPr/>
+        <p:nvPr/>
+      </p:nvGrpSpPr>
+      <p:grpSpPr>
+        <a:xfrm>
+          <a:off x="0" y="0"/>
+          <a:ext cx="0" cy="0"/>
+          <a:chOff x="0" y="0"/>
+          <a:chExt cx="0" cy="0"/>
+        </a:xfrm>
+      </p:grpSpPr>
+    </p:spTree>
+  </p:cSld>
+</p:sldLayout>
+</file>
+
+<file path=ppt/slideLayouts/slideLayout14.xml><?xml version="1.0" encoding="utf-8"?>
+<p:sldLayout xmlns:a="http://schemas.openxmlformats.org/drawingml/2006/main" xmlns:p="http://schemas.openxmlformats.org/presentationml/2006/main" xmlns:r="http://schemas.openxmlformats.org/officeDocument/2006/relationships" type="tx" preserve="1">
+  <p:cSld name="Title Slide">
+    <p:spTree>
+      <p:nvGrpSpPr>
+        <p:cNvPr id="1" name=""/>
+        <p:cNvGrpSpPr/>
+        <p:nvPr/>
+      </p:nvGrpSpPr>
+      <p:grpSpPr>
+        <a:xfrm>
+          <a:off x="0" y="0"/>
+          <a:ext cx="0" cy="0"/>
+          <a:chOff x="0" y="0"/>
+          <a:chExt cx="0" cy="0"/>
+        </a:xfrm>
+      </p:grpSpPr>
+      <p:sp>
+        <p:nvSpPr>
+          <p:cNvPr id="38" name="PlaceHolder 1"/>
+          <p:cNvSpPr>
+            <a:spLocks noGrp="1"/>
+          </p:cNvSpPr>
+          <p:nvPr>
+            <p:ph type="title"/>
+          </p:nvPr>
+        </p:nvSpPr>
+        <p:spPr>
+          <a:xfrm>
+            <a:off x="504000" y="301320"/>
+            <a:ext cx="9072000" cy="1261800"/>
+          </a:xfrm>
+          <a:prstGeom prst="rect">
+            <a:avLst/>
+          </a:prstGeom>
+        </p:spPr>
+        <p:txBody>
+          <a:bodyPr lIns="0" rIns="0" tIns="0" bIns="0" anchor="ctr"/>
+          <a:p>
+            <a:pPr algn="ctr"/>
+            <a:endParaRPr/>
+          </a:p>
+        </p:txBody>
+      </p:sp>
+      <p:sp>
+        <p:nvSpPr>
+          <p:cNvPr id="39" name="PlaceHolder 2"/>
+          <p:cNvSpPr>
+            <a:spLocks noGrp="1"/>
+          </p:cNvSpPr>
+          <p:nvPr>
+            <p:ph type="subTitle"/>
+          </p:nvPr>
+        </p:nvSpPr>
+        <p:spPr>
+          <a:xfrm>
+            <a:off x="504000" y="1768680"/>
+            <a:ext cx="9072000" cy="4384080"/>
+          </a:xfrm>
+          <a:prstGeom prst="rect">
+            <a:avLst/>
+          </a:prstGeom>
+        </p:spPr>
+        <p:txBody>
+          <a:bodyPr lIns="0" rIns="0" tIns="0" bIns="0" anchor="ctr"/>
+          <a:p>
+            <a:pPr algn="ctr"/>
+            <a:endParaRPr/>
+          </a:p>
+        </p:txBody>
+      </p:sp>
+    </p:spTree>
+  </p:cSld>
+</p:sldLayout>
+</file>
+
+<file path=ppt/slideLayouts/slideLayout15.xml><?xml version="1.0" encoding="utf-8"?>
+<p:sldLayout xmlns:a="http://schemas.openxmlformats.org/drawingml/2006/main" xmlns:p="http://schemas.openxmlformats.org/presentationml/2006/main" xmlns:r="http://schemas.openxmlformats.org/officeDocument/2006/relationships" type="obj" preserve="1">
+  <p:cSld name="Title, Content">
+    <p:spTree>
+      <p:nvGrpSpPr>
+        <p:cNvPr id="1" name=""/>
+        <p:cNvGrpSpPr/>
+        <p:nvPr/>
+      </p:nvGrpSpPr>
+      <p:grpSpPr>
+        <a:xfrm>
+          <a:off x="0" y="0"/>
+          <a:ext cx="0" cy="0"/>
+          <a:chOff x="0" y="0"/>
+          <a:chExt cx="0" cy="0"/>
+        </a:xfrm>
+      </p:grpSpPr>
+      <p:sp>
+        <p:nvSpPr>
+          <p:cNvPr id="40" name="PlaceHolder 1"/>
+          <p:cNvSpPr>
+            <a:spLocks noGrp="1"/>
+          </p:cNvSpPr>
+          <p:nvPr>
+            <p:ph type="title"/>
+          </p:nvPr>
+        </p:nvSpPr>
+        <p:spPr>
+          <a:xfrm>
+            <a:off x="504000" y="301320"/>
+            <a:ext cx="9072000" cy="1261800"/>
+          </a:xfrm>
+          <a:prstGeom prst="rect">
+            <a:avLst/>
+          </a:prstGeom>
+        </p:spPr>
+        <p:txBody>
+          <a:bodyPr lIns="0" rIns="0" tIns="0" bIns="0" anchor="ctr"/>
+          <a:p>
+            <a:pPr algn="ctr"/>
+            <a:endParaRPr/>
+          </a:p>
+        </p:txBody>
+      </p:sp>
+      <p:sp>
+        <p:nvSpPr>
+          <p:cNvPr id="41" name="PlaceHolder 2"/>
+          <p:cNvSpPr>
+            <a:spLocks noGrp="1"/>
+          </p:cNvSpPr>
+          <p:nvPr>
+            <p:ph type="body"/>
+          </p:nvPr>
+        </p:nvSpPr>
+        <p:spPr>
+          <a:xfrm>
+            <a:off x="504000" y="1768680"/>
+            <a:ext cx="9072000" cy="4384080"/>
+          </a:xfrm>
+          <a:prstGeom prst="rect">
+            <a:avLst/>
+          </a:prstGeom>
+        </p:spPr>
+        <p:txBody>
+          <a:bodyPr lIns="0" rIns="0" tIns="0" bIns="0"/>
+          <a:p>
+            <a:endParaRPr/>
+          </a:p>
+        </p:txBody>
+      </p:sp>
+    </p:spTree>
+  </p:cSld>
+</p:sldLayout>
+</file>
+
+<file path=ppt/slideLayouts/slideLayout16.xml><?xml version="1.0" encoding="utf-8"?>
+<p:sldLayout xmlns:a="http://schemas.openxmlformats.org/drawingml/2006/main" xmlns:p="http://schemas.openxmlformats.org/presentationml/2006/main" xmlns:r="http://schemas.openxmlformats.org/officeDocument/2006/relationships" type="twoObj" preserve="1">
+  <p:cSld name="Title, 2 Content">
+    <p:spTree>
+      <p:nvGrpSpPr>
+        <p:cNvPr id="1" name=""/>
+        <p:cNvGrpSpPr/>
+        <p:nvPr/>
+      </p:nvGrpSpPr>
+      <p:grpSpPr>
+        <a:xfrm>
+          <a:off x="0" y="0"/>
+          <a:ext cx="0" cy="0"/>
+          <a:chOff x="0" y="0"/>
+          <a:chExt cx="0" cy="0"/>
+        </a:xfrm>
+      </p:grpSpPr>
+      <p:sp>
+        <p:nvSpPr>
+          <p:cNvPr id="42" name="PlaceHolder 1"/>
+          <p:cNvSpPr>
+            <a:spLocks noGrp="1"/>
+          </p:cNvSpPr>
+          <p:nvPr>
+            <p:ph type="title"/>
+          </p:nvPr>
+        </p:nvSpPr>
+        <p:spPr>
+          <a:xfrm>
+            <a:off x="504000" y="301320"/>
+            <a:ext cx="9072000" cy="1261800"/>
+          </a:xfrm>
+          <a:prstGeom prst="rect">
+            <a:avLst/>
+          </a:prstGeom>
+        </p:spPr>
+        <p:txBody>
+          <a:bodyPr lIns="0" rIns="0" tIns="0" bIns="0" anchor="ctr"/>
+          <a:p>
+            <a:pPr algn="ctr"/>
+            <a:endParaRPr/>
+          </a:p>
+        </p:txBody>
+      </p:sp>
+      <p:sp>
+        <p:nvSpPr>
+          <p:cNvPr id="43" name="PlaceHolder 2"/>
+          <p:cNvSpPr>
+            <a:spLocks noGrp="1"/>
+          </p:cNvSpPr>
+          <p:nvPr>
+            <p:ph type="body"/>
+          </p:nvPr>
+        </p:nvSpPr>
+        <p:spPr>
+          <a:xfrm>
+            <a:off x="504000" y="1768680"/>
+            <a:ext cx="4426920" cy="4384080"/>
+          </a:xfrm>
+          <a:prstGeom prst="rect">
+            <a:avLst/>
+          </a:prstGeom>
+        </p:spPr>
+        <p:txBody>
+          <a:bodyPr lIns="0" rIns="0" tIns="0" bIns="0"/>
+          <a:p>
+            <a:endParaRPr/>
+          </a:p>
+        </p:txBody>
+      </p:sp>
+      <p:sp>
+        <p:nvSpPr>
+          <p:cNvPr id="44" name="PlaceHolder 3"/>
+          <p:cNvSpPr>
+            <a:spLocks noGrp="1"/>
+          </p:cNvSpPr>
+          <p:nvPr>
+            <p:ph type="body"/>
+          </p:nvPr>
+        </p:nvSpPr>
+        <p:spPr>
+          <a:xfrm>
+            <a:off x="5152680" y="1768680"/>
+            <a:ext cx="4426920" cy="4384080"/>
+          </a:xfrm>
+          <a:prstGeom prst="rect">
+            <a:avLst/>
+          </a:prstGeom>
+        </p:spPr>
+        <p:txBody>
+          <a:bodyPr lIns="0" rIns="0" tIns="0" bIns="0"/>
+          <a:p>
+            <a:endParaRPr/>
+          </a:p>
+        </p:txBody>
+      </p:sp>
+    </p:spTree>
+  </p:cSld>
+</p:sldLayout>
+</file>
+
+<file path=ppt/slideLayouts/slideLayout17.xml><?xml version="1.0" encoding="utf-8"?>
+<p:sldLayout xmlns:a="http://schemas.openxmlformats.org/drawingml/2006/main" xmlns:p="http://schemas.openxmlformats.org/presentationml/2006/main" xmlns:r="http://schemas.openxmlformats.org/officeDocument/2006/relationships" type="titleOnly" preserve="1">
+  <p:cSld name="Title Only">
+    <p:spTree>
+      <p:nvGrpSpPr>
+        <p:cNvPr id="1" name=""/>
+        <p:cNvGrpSpPr/>
+        <p:nvPr/>
+      </p:nvGrpSpPr>
+      <p:grpSpPr>
+        <a:xfrm>
+          <a:off x="0" y="0"/>
+          <a:ext cx="0" cy="0"/>
+          <a:chOff x="0" y="0"/>
+          <a:chExt cx="0" cy="0"/>
+        </a:xfrm>
+      </p:grpSpPr>
+      <p:sp>
+        <p:nvSpPr>
+          <p:cNvPr id="45" name="PlaceHolder 1"/>
+          <p:cNvSpPr>
+            <a:spLocks noGrp="1"/>
+          </p:cNvSpPr>
+          <p:nvPr>
+            <p:ph type="title"/>
+          </p:nvPr>
+        </p:nvSpPr>
+        <p:spPr>
+          <a:xfrm>
+            <a:off x="504000" y="301320"/>
+            <a:ext cx="9072000" cy="1261800"/>
+          </a:xfrm>
+          <a:prstGeom prst="rect">
+            <a:avLst/>
+          </a:prstGeom>
+        </p:spPr>
+        <p:txBody>
+          <a:bodyPr lIns="0" rIns="0" tIns="0" bIns="0" anchor="ctr"/>
+          <a:p>
+            <a:pPr algn="ctr"/>
+            <a:endParaRPr/>
+          </a:p>
+        </p:txBody>
+      </p:sp>
+    </p:spTree>
+  </p:cSld>
+</p:sldLayout>
+</file>
+
+<file path=ppt/slideLayouts/slideLayout18.xml><?xml version="1.0" encoding="utf-8"?>
+<p:sldLayout xmlns:a="http://schemas.openxmlformats.org/drawingml/2006/main" xmlns:p="http://schemas.openxmlformats.org/presentationml/2006/main" xmlns:r="http://schemas.openxmlformats.org/officeDocument/2006/relationships" type="objOnly" preserve="1">
+  <p:cSld name="Centered Text">
+    <p:spTree>
+      <p:nvGrpSpPr>
+        <p:cNvPr id="1" name=""/>
+        <p:cNvGrpSpPr/>
+        <p:nvPr/>
+      </p:nvGrpSpPr>
+      <p:grpSpPr>
+        <a:xfrm>
+          <a:off x="0" y="0"/>
+          <a:ext cx="0" cy="0"/>
+          <a:chOff x="0" y="0"/>
+          <a:chExt cx="0" cy="0"/>
+        </a:xfrm>
+      </p:grpSpPr>
+      <p:sp>
+        <p:nvSpPr>
+          <p:cNvPr id="46" name="PlaceHolder 1"/>
+          <p:cNvSpPr>
+            <a:spLocks noGrp="1"/>
+          </p:cNvSpPr>
+          <p:nvPr>
+            <p:ph type="subTitle"/>
+          </p:nvPr>
+        </p:nvSpPr>
+        <p:spPr>
+          <a:xfrm>
+            <a:off x="504000" y="301320"/>
+            <a:ext cx="9072000" cy="5850360"/>
+          </a:xfrm>
+          <a:prstGeom prst="rect">
+            <a:avLst/>
+          </a:prstGeom>
+        </p:spPr>
+        <p:txBody>
+          <a:bodyPr lIns="0" rIns="0" tIns="0" bIns="0" anchor="ctr"/>
+          <a:p>
+            <a:pPr algn="ctr"/>
+            <a:endParaRPr/>
+          </a:p>
+        </p:txBody>
+      </p:sp>
+    </p:spTree>
+  </p:cSld>
+</p:sldLayout>
+</file>
+
+<file path=ppt/slideLayouts/slideLayout19.xml><?xml version="1.0" encoding="utf-8"?>
+<p:sldLayout xmlns:a="http://schemas.openxmlformats.org/drawingml/2006/main" xmlns:p="http://schemas.openxmlformats.org/presentationml/2006/main" xmlns:r="http://schemas.openxmlformats.org/officeDocument/2006/relationships" type="twoObjAndObj" preserve="1">
+  <p:cSld name="Title, 2 Content and Content">
+    <p:spTree>
+      <p:nvGrpSpPr>
+        <p:cNvPr id="1" name=""/>
+        <p:cNvGrpSpPr/>
+        <p:nvPr/>
+      </p:nvGrpSpPr>
+      <p:grpSpPr>
+        <a:xfrm>
+          <a:off x="0" y="0"/>
+          <a:ext cx="0" cy="0"/>
+          <a:chOff x="0" y="0"/>
+          <a:chExt cx="0" cy="0"/>
+        </a:xfrm>
+      </p:grpSpPr>
+      <p:sp>
+        <p:nvSpPr>
+          <p:cNvPr id="47" name="PlaceHolder 1"/>
+          <p:cNvSpPr>
+            <a:spLocks noGrp="1"/>
+          </p:cNvSpPr>
+          <p:nvPr>
+            <p:ph type="title"/>
+          </p:nvPr>
+        </p:nvSpPr>
+        <p:spPr>
+          <a:xfrm>
+            <a:off x="504000" y="301320"/>
+            <a:ext cx="9072000" cy="1261800"/>
+          </a:xfrm>
+          <a:prstGeom prst="rect">
+            <a:avLst/>
+          </a:prstGeom>
+        </p:spPr>
+        <p:txBody>
+          <a:bodyPr lIns="0" rIns="0" tIns="0" bIns="0" anchor="ctr"/>
+          <a:p>
+            <a:pPr algn="ctr"/>
+            <a:endParaRPr/>
+          </a:p>
+        </p:txBody>
+      </p:sp>
+      <p:sp>
+        <p:nvSpPr>
+          <p:cNvPr id="48" name="PlaceHolder 2"/>
+          <p:cNvSpPr>
+            <a:spLocks noGrp="1"/>
+          </p:cNvSpPr>
+          <p:nvPr>
+            <p:ph type="body"/>
+          </p:nvPr>
+        </p:nvSpPr>
+        <p:spPr>
+          <a:xfrm>
+            <a:off x="504000" y="1768680"/>
+            <a:ext cx="4426920" cy="2090880"/>
+          </a:xfrm>
+          <a:prstGeom prst="rect">
+            <a:avLst/>
+          </a:prstGeom>
+        </p:spPr>
+        <p:txBody>
+          <a:bodyPr lIns="0" rIns="0" tIns="0" bIns="0"/>
+          <a:p>
+            <a:endParaRPr/>
+          </a:p>
+        </p:txBody>
+      </p:sp>
+      <p:sp>
+        <p:nvSpPr>
+          <p:cNvPr id="49" name="PlaceHolder 3"/>
+          <p:cNvSpPr>
+            <a:spLocks noGrp="1"/>
+          </p:cNvSpPr>
+          <p:nvPr>
+            <p:ph type="body"/>
+          </p:nvPr>
+        </p:nvSpPr>
+        <p:spPr>
+          <a:xfrm>
+            <a:off x="504000" y="4058640"/>
+            <a:ext cx="4426920" cy="2090880"/>
+          </a:xfrm>
+          <a:prstGeom prst="rect">
+            <a:avLst/>
+          </a:prstGeom>
+        </p:spPr>
+        <p:txBody>
+          <a:bodyPr lIns="0" rIns="0" tIns="0" bIns="0"/>
+          <a:p>
+            <a:endParaRPr/>
+          </a:p>
+        </p:txBody>
+      </p:sp>
+      <p:sp>
+        <p:nvSpPr>
+          <p:cNvPr id="50" name="PlaceHolder 4"/>
+          <p:cNvSpPr>
+            <a:spLocks noGrp="1"/>
+          </p:cNvSpPr>
+          <p:nvPr>
+            <p:ph type="body"/>
+          </p:nvPr>
+        </p:nvSpPr>
+        <p:spPr>
+          <a:xfrm>
+            <a:off x="5152680" y="1768680"/>
+            <a:ext cx="4426920" cy="4384080"/>
+          </a:xfrm>
+          <a:prstGeom prst="rect">
+            <a:avLst/>
+          </a:prstGeom>
+        </p:spPr>
+        <p:txBody>
+          <a:bodyPr lIns="0" rIns="0" tIns="0" bIns="0"/>
+          <a:p>
+            <a:endParaRPr/>
+          </a:p>
+        </p:txBody>
+      </p:sp>
     </p:spTree>
   </p:cSld>
 </p:sldLayout>
@@ -461,7 +961,7 @@
       </p:grpSpPr>
       <p:sp>
         <p:nvSpPr>
-          <p:cNvPr id="5" name="PlaceHolder 1"/>
+          <p:cNvPr id="2" name="PlaceHolder 1"/>
           <p:cNvSpPr>
             <a:spLocks noGrp="1"/>
           </p:cNvSpPr>
@@ -472,7 +972,7 @@
         <p:spPr>
           <a:xfrm>
             <a:off x="504000" y="301320"/>
-            <a:ext cx="9071640" cy="1262160"/>
+            <a:ext cx="9072000" cy="1261800"/>
           </a:xfrm>
           <a:prstGeom prst="rect">
             <a:avLst/>
@@ -488,7 +988,7 @@
       </p:sp>
       <p:sp>
         <p:nvSpPr>
-          <p:cNvPr id="6" name="PlaceHolder 2"/>
+          <p:cNvPr id="3" name="PlaceHolder 2"/>
           <p:cNvSpPr>
             <a:spLocks noGrp="1"/>
           </p:cNvSpPr>
@@ -498,8 +998,8 @@
         </p:nvSpPr>
         <p:spPr>
           <a:xfrm>
-            <a:off x="504000" y="1769040"/>
-            <a:ext cx="9071640" cy="4384440"/>
+            <a:off x="504000" y="1768680"/>
+            <a:ext cx="9072000" cy="4384080"/>
           </a:xfrm>
           <a:prstGeom prst="rect">
             <a:avLst/>
@@ -513,6 +1013,661 @@
           </a:p>
         </p:txBody>
       </p:sp>
+    </p:spTree>
+  </p:cSld>
+</p:sldLayout>
+</file>
+
+<file path=ppt/slideLayouts/slideLayout20.xml><?xml version="1.0" encoding="utf-8"?>
+<p:sldLayout xmlns:a="http://schemas.openxmlformats.org/drawingml/2006/main" xmlns:p="http://schemas.openxmlformats.org/presentationml/2006/main" xmlns:r="http://schemas.openxmlformats.org/officeDocument/2006/relationships" type="objAndTwoObj" preserve="1">
+  <p:cSld name="Title Content and 2 Content">
+    <p:spTree>
+      <p:nvGrpSpPr>
+        <p:cNvPr id="1" name=""/>
+        <p:cNvGrpSpPr/>
+        <p:nvPr/>
+      </p:nvGrpSpPr>
+      <p:grpSpPr>
+        <a:xfrm>
+          <a:off x="0" y="0"/>
+          <a:ext cx="0" cy="0"/>
+          <a:chOff x="0" y="0"/>
+          <a:chExt cx="0" cy="0"/>
+        </a:xfrm>
+      </p:grpSpPr>
+      <p:sp>
+        <p:nvSpPr>
+          <p:cNvPr id="51" name="PlaceHolder 1"/>
+          <p:cNvSpPr>
+            <a:spLocks noGrp="1"/>
+          </p:cNvSpPr>
+          <p:nvPr>
+            <p:ph type="title"/>
+          </p:nvPr>
+        </p:nvSpPr>
+        <p:spPr>
+          <a:xfrm>
+            <a:off x="504000" y="301320"/>
+            <a:ext cx="9072000" cy="1261800"/>
+          </a:xfrm>
+          <a:prstGeom prst="rect">
+            <a:avLst/>
+          </a:prstGeom>
+        </p:spPr>
+        <p:txBody>
+          <a:bodyPr lIns="0" rIns="0" tIns="0" bIns="0" anchor="ctr"/>
+          <a:p>
+            <a:pPr algn="ctr"/>
+            <a:endParaRPr/>
+          </a:p>
+        </p:txBody>
+      </p:sp>
+      <p:sp>
+        <p:nvSpPr>
+          <p:cNvPr id="52" name="PlaceHolder 2"/>
+          <p:cNvSpPr>
+            <a:spLocks noGrp="1"/>
+          </p:cNvSpPr>
+          <p:nvPr>
+            <p:ph type="body"/>
+          </p:nvPr>
+        </p:nvSpPr>
+        <p:spPr>
+          <a:xfrm>
+            <a:off x="504000" y="1768680"/>
+            <a:ext cx="4426920" cy="4384080"/>
+          </a:xfrm>
+          <a:prstGeom prst="rect">
+            <a:avLst/>
+          </a:prstGeom>
+        </p:spPr>
+        <p:txBody>
+          <a:bodyPr lIns="0" rIns="0" tIns="0" bIns="0"/>
+          <a:p>
+            <a:endParaRPr/>
+          </a:p>
+        </p:txBody>
+      </p:sp>
+      <p:sp>
+        <p:nvSpPr>
+          <p:cNvPr id="53" name="PlaceHolder 3"/>
+          <p:cNvSpPr>
+            <a:spLocks noGrp="1"/>
+          </p:cNvSpPr>
+          <p:nvPr>
+            <p:ph type="body"/>
+          </p:nvPr>
+        </p:nvSpPr>
+        <p:spPr>
+          <a:xfrm>
+            <a:off x="5152680" y="1768680"/>
+            <a:ext cx="4426920" cy="2090880"/>
+          </a:xfrm>
+          <a:prstGeom prst="rect">
+            <a:avLst/>
+          </a:prstGeom>
+        </p:spPr>
+        <p:txBody>
+          <a:bodyPr lIns="0" rIns="0" tIns="0" bIns="0"/>
+          <a:p>
+            <a:endParaRPr/>
+          </a:p>
+        </p:txBody>
+      </p:sp>
+      <p:sp>
+        <p:nvSpPr>
+          <p:cNvPr id="54" name="PlaceHolder 4"/>
+          <p:cNvSpPr>
+            <a:spLocks noGrp="1"/>
+          </p:cNvSpPr>
+          <p:nvPr>
+            <p:ph type="body"/>
+          </p:nvPr>
+        </p:nvSpPr>
+        <p:spPr>
+          <a:xfrm>
+            <a:off x="5152680" y="4058640"/>
+            <a:ext cx="4426920" cy="2090880"/>
+          </a:xfrm>
+          <a:prstGeom prst="rect">
+            <a:avLst/>
+          </a:prstGeom>
+        </p:spPr>
+        <p:txBody>
+          <a:bodyPr lIns="0" rIns="0" tIns="0" bIns="0"/>
+          <a:p>
+            <a:endParaRPr/>
+          </a:p>
+        </p:txBody>
+      </p:sp>
+    </p:spTree>
+  </p:cSld>
+</p:sldLayout>
+</file>
+
+<file path=ppt/slideLayouts/slideLayout21.xml><?xml version="1.0" encoding="utf-8"?>
+<p:sldLayout xmlns:a="http://schemas.openxmlformats.org/drawingml/2006/main" xmlns:p="http://schemas.openxmlformats.org/presentationml/2006/main" xmlns:r="http://schemas.openxmlformats.org/officeDocument/2006/relationships" type="twoObjOverTx" preserve="1">
+  <p:cSld name="Title, 2 Content over Content">
+    <p:spTree>
+      <p:nvGrpSpPr>
+        <p:cNvPr id="1" name=""/>
+        <p:cNvGrpSpPr/>
+        <p:nvPr/>
+      </p:nvGrpSpPr>
+      <p:grpSpPr>
+        <a:xfrm>
+          <a:off x="0" y="0"/>
+          <a:ext cx="0" cy="0"/>
+          <a:chOff x="0" y="0"/>
+          <a:chExt cx="0" cy="0"/>
+        </a:xfrm>
+      </p:grpSpPr>
+      <p:sp>
+        <p:nvSpPr>
+          <p:cNvPr id="55" name="PlaceHolder 1"/>
+          <p:cNvSpPr>
+            <a:spLocks noGrp="1"/>
+          </p:cNvSpPr>
+          <p:nvPr>
+            <p:ph type="title"/>
+          </p:nvPr>
+        </p:nvSpPr>
+        <p:spPr>
+          <a:xfrm>
+            <a:off x="504000" y="301320"/>
+            <a:ext cx="9072000" cy="1261800"/>
+          </a:xfrm>
+          <a:prstGeom prst="rect">
+            <a:avLst/>
+          </a:prstGeom>
+        </p:spPr>
+        <p:txBody>
+          <a:bodyPr lIns="0" rIns="0" tIns="0" bIns="0" anchor="ctr"/>
+          <a:p>
+            <a:pPr algn="ctr"/>
+            <a:endParaRPr/>
+          </a:p>
+        </p:txBody>
+      </p:sp>
+      <p:sp>
+        <p:nvSpPr>
+          <p:cNvPr id="56" name="PlaceHolder 2"/>
+          <p:cNvSpPr>
+            <a:spLocks noGrp="1"/>
+          </p:cNvSpPr>
+          <p:nvPr>
+            <p:ph type="body"/>
+          </p:nvPr>
+        </p:nvSpPr>
+        <p:spPr>
+          <a:xfrm>
+            <a:off x="504000" y="1768680"/>
+            <a:ext cx="4426920" cy="2090880"/>
+          </a:xfrm>
+          <a:prstGeom prst="rect">
+            <a:avLst/>
+          </a:prstGeom>
+        </p:spPr>
+        <p:txBody>
+          <a:bodyPr lIns="0" rIns="0" tIns="0" bIns="0"/>
+          <a:p>
+            <a:endParaRPr/>
+          </a:p>
+        </p:txBody>
+      </p:sp>
+      <p:sp>
+        <p:nvSpPr>
+          <p:cNvPr id="57" name="PlaceHolder 3"/>
+          <p:cNvSpPr>
+            <a:spLocks noGrp="1"/>
+          </p:cNvSpPr>
+          <p:nvPr>
+            <p:ph type="body"/>
+          </p:nvPr>
+        </p:nvSpPr>
+        <p:spPr>
+          <a:xfrm>
+            <a:off x="5152680" y="1768680"/>
+            <a:ext cx="4426920" cy="2090880"/>
+          </a:xfrm>
+          <a:prstGeom prst="rect">
+            <a:avLst/>
+          </a:prstGeom>
+        </p:spPr>
+        <p:txBody>
+          <a:bodyPr lIns="0" rIns="0" tIns="0" bIns="0"/>
+          <a:p>
+            <a:endParaRPr/>
+          </a:p>
+        </p:txBody>
+      </p:sp>
+      <p:sp>
+        <p:nvSpPr>
+          <p:cNvPr id="58" name="PlaceHolder 4"/>
+          <p:cNvSpPr>
+            <a:spLocks noGrp="1"/>
+          </p:cNvSpPr>
+          <p:nvPr>
+            <p:ph type="body"/>
+          </p:nvPr>
+        </p:nvSpPr>
+        <p:spPr>
+          <a:xfrm>
+            <a:off x="504000" y="4058640"/>
+            <a:ext cx="9072000" cy="2090880"/>
+          </a:xfrm>
+          <a:prstGeom prst="rect">
+            <a:avLst/>
+          </a:prstGeom>
+        </p:spPr>
+        <p:txBody>
+          <a:bodyPr lIns="0" rIns="0" tIns="0" bIns="0"/>
+          <a:p>
+            <a:endParaRPr/>
+          </a:p>
+        </p:txBody>
+      </p:sp>
+    </p:spTree>
+  </p:cSld>
+</p:sldLayout>
+</file>
+
+<file path=ppt/slideLayouts/slideLayout22.xml><?xml version="1.0" encoding="utf-8"?>
+<p:sldLayout xmlns:a="http://schemas.openxmlformats.org/drawingml/2006/main" xmlns:p="http://schemas.openxmlformats.org/presentationml/2006/main" xmlns:r="http://schemas.openxmlformats.org/officeDocument/2006/relationships" type="objOverTx" preserve="1">
+  <p:cSld name="Title, Content over Content">
+    <p:spTree>
+      <p:nvGrpSpPr>
+        <p:cNvPr id="1" name=""/>
+        <p:cNvGrpSpPr/>
+        <p:nvPr/>
+      </p:nvGrpSpPr>
+      <p:grpSpPr>
+        <a:xfrm>
+          <a:off x="0" y="0"/>
+          <a:ext cx="0" cy="0"/>
+          <a:chOff x="0" y="0"/>
+          <a:chExt cx="0" cy="0"/>
+        </a:xfrm>
+      </p:grpSpPr>
+      <p:sp>
+        <p:nvSpPr>
+          <p:cNvPr id="59" name="PlaceHolder 1"/>
+          <p:cNvSpPr>
+            <a:spLocks noGrp="1"/>
+          </p:cNvSpPr>
+          <p:nvPr>
+            <p:ph type="title"/>
+          </p:nvPr>
+        </p:nvSpPr>
+        <p:spPr>
+          <a:xfrm>
+            <a:off x="504000" y="301320"/>
+            <a:ext cx="9072000" cy="1261800"/>
+          </a:xfrm>
+          <a:prstGeom prst="rect">
+            <a:avLst/>
+          </a:prstGeom>
+        </p:spPr>
+        <p:txBody>
+          <a:bodyPr lIns="0" rIns="0" tIns="0" bIns="0" anchor="ctr"/>
+          <a:p>
+            <a:pPr algn="ctr"/>
+            <a:endParaRPr/>
+          </a:p>
+        </p:txBody>
+      </p:sp>
+      <p:sp>
+        <p:nvSpPr>
+          <p:cNvPr id="60" name="PlaceHolder 2"/>
+          <p:cNvSpPr>
+            <a:spLocks noGrp="1"/>
+          </p:cNvSpPr>
+          <p:nvPr>
+            <p:ph type="body"/>
+          </p:nvPr>
+        </p:nvSpPr>
+        <p:spPr>
+          <a:xfrm>
+            <a:off x="504000" y="1768680"/>
+            <a:ext cx="9072000" cy="2090880"/>
+          </a:xfrm>
+          <a:prstGeom prst="rect">
+            <a:avLst/>
+          </a:prstGeom>
+        </p:spPr>
+        <p:txBody>
+          <a:bodyPr lIns="0" rIns="0" tIns="0" bIns="0"/>
+          <a:p>
+            <a:endParaRPr/>
+          </a:p>
+        </p:txBody>
+      </p:sp>
+      <p:sp>
+        <p:nvSpPr>
+          <p:cNvPr id="61" name="PlaceHolder 3"/>
+          <p:cNvSpPr>
+            <a:spLocks noGrp="1"/>
+          </p:cNvSpPr>
+          <p:nvPr>
+            <p:ph type="body"/>
+          </p:nvPr>
+        </p:nvSpPr>
+        <p:spPr>
+          <a:xfrm>
+            <a:off x="504000" y="4058640"/>
+            <a:ext cx="9072000" cy="2090880"/>
+          </a:xfrm>
+          <a:prstGeom prst="rect">
+            <a:avLst/>
+          </a:prstGeom>
+        </p:spPr>
+        <p:txBody>
+          <a:bodyPr lIns="0" rIns="0" tIns="0" bIns="0"/>
+          <a:p>
+            <a:endParaRPr/>
+          </a:p>
+        </p:txBody>
+      </p:sp>
+    </p:spTree>
+  </p:cSld>
+</p:sldLayout>
+</file>
+
+<file path=ppt/slideLayouts/slideLayout23.xml><?xml version="1.0" encoding="utf-8"?>
+<p:sldLayout xmlns:a="http://schemas.openxmlformats.org/drawingml/2006/main" xmlns:p="http://schemas.openxmlformats.org/presentationml/2006/main" xmlns:r="http://schemas.openxmlformats.org/officeDocument/2006/relationships" type="fourObj" preserve="1">
+  <p:cSld name="Title, 4 Content">
+    <p:spTree>
+      <p:nvGrpSpPr>
+        <p:cNvPr id="1" name=""/>
+        <p:cNvGrpSpPr/>
+        <p:nvPr/>
+      </p:nvGrpSpPr>
+      <p:grpSpPr>
+        <a:xfrm>
+          <a:off x="0" y="0"/>
+          <a:ext cx="0" cy="0"/>
+          <a:chOff x="0" y="0"/>
+          <a:chExt cx="0" cy="0"/>
+        </a:xfrm>
+      </p:grpSpPr>
+      <p:sp>
+        <p:nvSpPr>
+          <p:cNvPr id="62" name="PlaceHolder 1"/>
+          <p:cNvSpPr>
+            <a:spLocks noGrp="1"/>
+          </p:cNvSpPr>
+          <p:nvPr>
+            <p:ph type="title"/>
+          </p:nvPr>
+        </p:nvSpPr>
+        <p:spPr>
+          <a:xfrm>
+            <a:off x="504000" y="301320"/>
+            <a:ext cx="9072000" cy="1261800"/>
+          </a:xfrm>
+          <a:prstGeom prst="rect">
+            <a:avLst/>
+          </a:prstGeom>
+        </p:spPr>
+        <p:txBody>
+          <a:bodyPr lIns="0" rIns="0" tIns="0" bIns="0" anchor="ctr"/>
+          <a:p>
+            <a:pPr algn="ctr"/>
+            <a:endParaRPr/>
+          </a:p>
+        </p:txBody>
+      </p:sp>
+      <p:sp>
+        <p:nvSpPr>
+          <p:cNvPr id="63" name="PlaceHolder 2"/>
+          <p:cNvSpPr>
+            <a:spLocks noGrp="1"/>
+          </p:cNvSpPr>
+          <p:nvPr>
+            <p:ph type="body"/>
+          </p:nvPr>
+        </p:nvSpPr>
+        <p:spPr>
+          <a:xfrm>
+            <a:off x="504000" y="1768680"/>
+            <a:ext cx="4426920" cy="2090880"/>
+          </a:xfrm>
+          <a:prstGeom prst="rect">
+            <a:avLst/>
+          </a:prstGeom>
+        </p:spPr>
+        <p:txBody>
+          <a:bodyPr lIns="0" rIns="0" tIns="0" bIns="0"/>
+          <a:p>
+            <a:endParaRPr/>
+          </a:p>
+        </p:txBody>
+      </p:sp>
+      <p:sp>
+        <p:nvSpPr>
+          <p:cNvPr id="64" name="PlaceHolder 3"/>
+          <p:cNvSpPr>
+            <a:spLocks noGrp="1"/>
+          </p:cNvSpPr>
+          <p:nvPr>
+            <p:ph type="body"/>
+          </p:nvPr>
+        </p:nvSpPr>
+        <p:spPr>
+          <a:xfrm>
+            <a:off x="5152680" y="1768680"/>
+            <a:ext cx="4426920" cy="2090880"/>
+          </a:xfrm>
+          <a:prstGeom prst="rect">
+            <a:avLst/>
+          </a:prstGeom>
+        </p:spPr>
+        <p:txBody>
+          <a:bodyPr lIns="0" rIns="0" tIns="0" bIns="0"/>
+          <a:p>
+            <a:endParaRPr/>
+          </a:p>
+        </p:txBody>
+      </p:sp>
+      <p:sp>
+        <p:nvSpPr>
+          <p:cNvPr id="65" name="PlaceHolder 4"/>
+          <p:cNvSpPr>
+            <a:spLocks noGrp="1"/>
+          </p:cNvSpPr>
+          <p:nvPr>
+            <p:ph type="body"/>
+          </p:nvPr>
+        </p:nvSpPr>
+        <p:spPr>
+          <a:xfrm>
+            <a:off x="5152680" y="4058640"/>
+            <a:ext cx="4426920" cy="2090880"/>
+          </a:xfrm>
+          <a:prstGeom prst="rect">
+            <a:avLst/>
+          </a:prstGeom>
+        </p:spPr>
+        <p:txBody>
+          <a:bodyPr lIns="0" rIns="0" tIns="0" bIns="0"/>
+          <a:p>
+            <a:endParaRPr/>
+          </a:p>
+        </p:txBody>
+      </p:sp>
+      <p:sp>
+        <p:nvSpPr>
+          <p:cNvPr id="66" name="PlaceHolder 5"/>
+          <p:cNvSpPr>
+            <a:spLocks noGrp="1"/>
+          </p:cNvSpPr>
+          <p:nvPr>
+            <p:ph type="body"/>
+          </p:nvPr>
+        </p:nvSpPr>
+        <p:spPr>
+          <a:xfrm>
+            <a:off x="504000" y="4058640"/>
+            <a:ext cx="4426920" cy="2090880"/>
+          </a:xfrm>
+          <a:prstGeom prst="rect">
+            <a:avLst/>
+          </a:prstGeom>
+        </p:spPr>
+        <p:txBody>
+          <a:bodyPr lIns="0" rIns="0" tIns="0" bIns="0"/>
+          <a:p>
+            <a:endParaRPr/>
+          </a:p>
+        </p:txBody>
+      </p:sp>
+    </p:spTree>
+  </p:cSld>
+</p:sldLayout>
+</file>
+
+<file path=ppt/slideLayouts/slideLayout24.xml><?xml version="1.0" encoding="utf-8"?>
+<p:sldLayout xmlns:a="http://schemas.openxmlformats.org/drawingml/2006/main" xmlns:p="http://schemas.openxmlformats.org/presentationml/2006/main" xmlns:r="http://schemas.openxmlformats.org/officeDocument/2006/relationships" type="blank" preserve="1">
+  <p:cSld name="Title, 6 Content">
+    <p:spTree>
+      <p:nvGrpSpPr>
+        <p:cNvPr id="1" name=""/>
+        <p:cNvGrpSpPr/>
+        <p:nvPr/>
+      </p:nvGrpSpPr>
+      <p:grpSpPr>
+        <a:xfrm>
+          <a:off x="0" y="0"/>
+          <a:ext cx="0" cy="0"/>
+          <a:chOff x="0" y="0"/>
+          <a:chExt cx="0" cy="0"/>
+        </a:xfrm>
+      </p:grpSpPr>
+      <p:sp>
+        <p:nvSpPr>
+          <p:cNvPr id="67" name="PlaceHolder 1"/>
+          <p:cNvSpPr>
+            <a:spLocks noGrp="1"/>
+          </p:cNvSpPr>
+          <p:nvPr>
+            <p:ph type="title"/>
+          </p:nvPr>
+        </p:nvSpPr>
+        <p:spPr>
+          <a:xfrm>
+            <a:off x="504000" y="301320"/>
+            <a:ext cx="9072000" cy="1261800"/>
+          </a:xfrm>
+          <a:prstGeom prst="rect">
+            <a:avLst/>
+          </a:prstGeom>
+        </p:spPr>
+        <p:txBody>
+          <a:bodyPr lIns="0" rIns="0" tIns="0" bIns="0" anchor="ctr"/>
+          <a:p>
+            <a:pPr algn="ctr"/>
+            <a:endParaRPr/>
+          </a:p>
+        </p:txBody>
+      </p:sp>
+      <p:sp>
+        <p:nvSpPr>
+          <p:cNvPr id="68" name="PlaceHolder 2"/>
+          <p:cNvSpPr>
+            <a:spLocks noGrp="1"/>
+          </p:cNvSpPr>
+          <p:nvPr>
+            <p:ph type="body"/>
+          </p:nvPr>
+        </p:nvSpPr>
+        <p:spPr>
+          <a:xfrm>
+            <a:off x="504000" y="1768680"/>
+            <a:ext cx="9072000" cy="4384080"/>
+          </a:xfrm>
+          <a:prstGeom prst="rect">
+            <a:avLst/>
+          </a:prstGeom>
+        </p:spPr>
+        <p:txBody>
+          <a:bodyPr lIns="0" rIns="0" tIns="0" bIns="0"/>
+          <a:p>
+            <a:endParaRPr/>
+          </a:p>
+        </p:txBody>
+      </p:sp>
+      <p:sp>
+        <p:nvSpPr>
+          <p:cNvPr id="69" name="PlaceHolder 3"/>
+          <p:cNvSpPr>
+            <a:spLocks noGrp="1"/>
+          </p:cNvSpPr>
+          <p:nvPr>
+            <p:ph type="body"/>
+          </p:nvPr>
+        </p:nvSpPr>
+        <p:spPr>
+          <a:xfrm>
+            <a:off x="504000" y="1768680"/>
+            <a:ext cx="9072000" cy="4384080"/>
+          </a:xfrm>
+          <a:prstGeom prst="rect">
+            <a:avLst/>
+          </a:prstGeom>
+        </p:spPr>
+        <p:txBody>
+          <a:bodyPr lIns="0" rIns="0" tIns="0" bIns="0"/>
+          <a:p>
+            <a:endParaRPr/>
+          </a:p>
+        </p:txBody>
+      </p:sp>
+      <p:pic>
+        <p:nvPicPr>
+          <p:cNvPr id="70" name="" descr=""/>
+          <p:cNvPicPr/>
+          <p:nvPr/>
+        </p:nvPicPr>
+        <p:blipFill>
+          <a:blip r:embed="rId2"/>
+          <a:stretch/>
+        </p:blipFill>
+        <p:spPr>
+          <a:xfrm>
+            <a:off x="2291400" y="1768680"/>
+            <a:ext cx="5496840" cy="4384080"/>
+          </a:xfrm>
+          <a:prstGeom prst="rect">
+            <a:avLst/>
+          </a:prstGeom>
+          <a:ln>
+            <a:noFill/>
+          </a:ln>
+        </p:spPr>
+      </p:pic>
+      <p:pic>
+        <p:nvPicPr>
+          <p:cNvPr id="71" name="" descr=""/>
+          <p:cNvPicPr/>
+          <p:nvPr/>
+        </p:nvPicPr>
+        <p:blipFill>
+          <a:blip r:embed="rId3"/>
+          <a:stretch/>
+        </p:blipFill>
+        <p:spPr>
+          <a:xfrm>
+            <a:off x="2291400" y="1768680"/>
+            <a:ext cx="5496840" cy="4384080"/>
+          </a:xfrm>
+          <a:prstGeom prst="rect">
+            <a:avLst/>
+          </a:prstGeom>
+          <a:ln>
+            <a:noFill/>
+          </a:ln>
+        </p:spPr>
+      </p:pic>
     </p:spTree>
   </p:cSld>
 </p:sldLayout>
@@ -537,7 +1692,7 @@
       </p:grpSpPr>
       <p:sp>
         <p:nvSpPr>
-          <p:cNvPr id="7" name="PlaceHolder 1"/>
+          <p:cNvPr id="4" name="PlaceHolder 1"/>
           <p:cNvSpPr>
             <a:spLocks noGrp="1"/>
           </p:cNvSpPr>
@@ -548,7 +1703,7 @@
         <p:spPr>
           <a:xfrm>
             <a:off x="504000" y="301320"/>
-            <a:ext cx="9071640" cy="1262160"/>
+            <a:ext cx="9072000" cy="1261800"/>
           </a:xfrm>
           <a:prstGeom prst="rect">
             <a:avLst/>
@@ -564,7 +1719,7 @@
       </p:sp>
       <p:sp>
         <p:nvSpPr>
-          <p:cNvPr id="8" name="PlaceHolder 2"/>
+          <p:cNvPr id="5" name="PlaceHolder 2"/>
           <p:cNvSpPr>
             <a:spLocks noGrp="1"/>
           </p:cNvSpPr>
@@ -574,8 +1729,8 @@
         </p:nvSpPr>
         <p:spPr>
           <a:xfrm>
-            <a:off x="504000" y="1769040"/>
-            <a:ext cx="9071640" cy="4384440"/>
+            <a:off x="504000" y="1768680"/>
+            <a:ext cx="9072000" cy="4384080"/>
           </a:xfrm>
           <a:prstGeom prst="rect">
             <a:avLst/>
@@ -612,7 +1767,7 @@
       </p:grpSpPr>
       <p:sp>
         <p:nvSpPr>
-          <p:cNvPr id="9" name="PlaceHolder 1"/>
+          <p:cNvPr id="6" name="PlaceHolder 1"/>
           <p:cNvSpPr>
             <a:spLocks noGrp="1"/>
           </p:cNvSpPr>
@@ -623,7 +1778,7 @@
         <p:spPr>
           <a:xfrm>
             <a:off x="504000" y="301320"/>
-            <a:ext cx="9071640" cy="1262160"/>
+            <a:ext cx="9072000" cy="1261800"/>
           </a:xfrm>
           <a:prstGeom prst="rect">
             <a:avLst/>
@@ -639,7 +1794,7 @@
       </p:sp>
       <p:sp>
         <p:nvSpPr>
-          <p:cNvPr id="10" name="PlaceHolder 2"/>
+          <p:cNvPr id="7" name="PlaceHolder 2"/>
           <p:cNvSpPr>
             <a:spLocks noGrp="1"/>
           </p:cNvSpPr>
@@ -649,8 +1804,8 @@
         </p:nvSpPr>
         <p:spPr>
           <a:xfrm>
-            <a:off x="504000" y="1769040"/>
-            <a:ext cx="4426920" cy="4384440"/>
+            <a:off x="504000" y="1768680"/>
+            <a:ext cx="4426920" cy="4384080"/>
           </a:xfrm>
           <a:prstGeom prst="rect">
             <a:avLst/>
@@ -665,7 +1820,7 @@
       </p:sp>
       <p:sp>
         <p:nvSpPr>
-          <p:cNvPr id="11" name="PlaceHolder 3"/>
+          <p:cNvPr id="8" name="PlaceHolder 3"/>
           <p:cNvSpPr>
             <a:spLocks noGrp="1"/>
           </p:cNvSpPr>
@@ -675,8 +1830,8 @@
         </p:nvSpPr>
         <p:spPr>
           <a:xfrm>
-            <a:off x="5152680" y="1769040"/>
-            <a:ext cx="4426920" cy="4384440"/>
+            <a:off x="5152680" y="1768680"/>
+            <a:ext cx="4426920" cy="4384080"/>
           </a:xfrm>
           <a:prstGeom prst="rect">
             <a:avLst/>
@@ -713,7 +1868,7 @@
       </p:grpSpPr>
       <p:sp>
         <p:nvSpPr>
-          <p:cNvPr id="12" name="PlaceHolder 1"/>
+          <p:cNvPr id="9" name="PlaceHolder 1"/>
           <p:cNvSpPr>
             <a:spLocks noGrp="1"/>
           </p:cNvSpPr>
@@ -724,7 +1879,7 @@
         <p:spPr>
           <a:xfrm>
             <a:off x="504000" y="301320"/>
-            <a:ext cx="9071640" cy="1262160"/>
+            <a:ext cx="9072000" cy="1261800"/>
           </a:xfrm>
           <a:prstGeom prst="rect">
             <a:avLst/>
@@ -762,7 +1917,7 @@
       </p:grpSpPr>
       <p:sp>
         <p:nvSpPr>
-          <p:cNvPr id="13" name="PlaceHolder 1"/>
+          <p:cNvPr id="10" name="PlaceHolder 1"/>
           <p:cNvSpPr>
             <a:spLocks noGrp="1"/>
           </p:cNvSpPr>
@@ -773,7 +1928,7 @@
         <p:spPr>
           <a:xfrm>
             <a:off x="504000" y="301320"/>
-            <a:ext cx="9071640" cy="5851800"/>
+            <a:ext cx="9072000" cy="5850360"/>
           </a:xfrm>
           <a:prstGeom prst="rect">
             <a:avLst/>
@@ -811,7 +1966,7 @@
       </p:grpSpPr>
       <p:sp>
         <p:nvSpPr>
-          <p:cNvPr id="14" name="PlaceHolder 1"/>
+          <p:cNvPr id="11" name="PlaceHolder 1"/>
           <p:cNvSpPr>
             <a:spLocks noGrp="1"/>
           </p:cNvSpPr>
@@ -822,7 +1977,7 @@
         <p:spPr>
           <a:xfrm>
             <a:off x="504000" y="301320"/>
-            <a:ext cx="9071640" cy="1262160"/>
+            <a:ext cx="9072000" cy="1261800"/>
           </a:xfrm>
           <a:prstGeom prst="rect">
             <a:avLst/>
@@ -838,7 +1993,7 @@
       </p:sp>
       <p:sp>
         <p:nvSpPr>
-          <p:cNvPr id="15" name="PlaceHolder 2"/>
+          <p:cNvPr id="12" name="PlaceHolder 2"/>
           <p:cNvSpPr>
             <a:spLocks noGrp="1"/>
           </p:cNvSpPr>
@@ -848,8 +2003,8 @@
         </p:nvSpPr>
         <p:spPr>
           <a:xfrm>
-            <a:off x="504000" y="1769040"/>
-            <a:ext cx="4426920" cy="2091240"/>
+            <a:off x="504000" y="1768680"/>
+            <a:ext cx="4426920" cy="2090880"/>
           </a:xfrm>
           <a:prstGeom prst="rect">
             <a:avLst/>
@@ -864,7 +2019,7 @@
       </p:sp>
       <p:sp>
         <p:nvSpPr>
-          <p:cNvPr id="16" name="PlaceHolder 3"/>
+          <p:cNvPr id="13" name="PlaceHolder 3"/>
           <p:cNvSpPr>
             <a:spLocks noGrp="1"/>
           </p:cNvSpPr>
@@ -874,8 +2029,8 @@
         </p:nvSpPr>
         <p:spPr>
           <a:xfrm>
-            <a:off x="504000" y="4059360"/>
-            <a:ext cx="4426920" cy="2091240"/>
+            <a:off x="504000" y="4058640"/>
+            <a:ext cx="4426920" cy="2090880"/>
           </a:xfrm>
           <a:prstGeom prst="rect">
             <a:avLst/>
@@ -890,7 +2045,7 @@
       </p:sp>
       <p:sp>
         <p:nvSpPr>
-          <p:cNvPr id="17" name="PlaceHolder 4"/>
+          <p:cNvPr id="14" name="PlaceHolder 4"/>
           <p:cNvSpPr>
             <a:spLocks noGrp="1"/>
           </p:cNvSpPr>
@@ -900,8 +2055,8 @@
         </p:nvSpPr>
         <p:spPr>
           <a:xfrm>
-            <a:off x="5152680" y="1769040"/>
-            <a:ext cx="4426920" cy="4384440"/>
+            <a:off x="5152680" y="1768680"/>
+            <a:ext cx="4426920" cy="4384080"/>
           </a:xfrm>
           <a:prstGeom prst="rect">
             <a:avLst/>
@@ -938,7 +2093,7 @@
       </p:grpSpPr>
       <p:sp>
         <p:nvSpPr>
-          <p:cNvPr id="18" name="PlaceHolder 1"/>
+          <p:cNvPr id="15" name="PlaceHolder 1"/>
           <p:cNvSpPr>
             <a:spLocks noGrp="1"/>
           </p:cNvSpPr>
@@ -949,7 +2104,7 @@
         <p:spPr>
           <a:xfrm>
             <a:off x="504000" y="301320"/>
-            <a:ext cx="9071640" cy="1262160"/>
+            <a:ext cx="9072000" cy="1261800"/>
           </a:xfrm>
           <a:prstGeom prst="rect">
             <a:avLst/>
@@ -965,7 +2120,7 @@
       </p:sp>
       <p:sp>
         <p:nvSpPr>
-          <p:cNvPr id="19" name="PlaceHolder 2"/>
+          <p:cNvPr id="16" name="PlaceHolder 2"/>
           <p:cNvSpPr>
             <a:spLocks noGrp="1"/>
           </p:cNvSpPr>
@@ -975,8 +2130,8 @@
         </p:nvSpPr>
         <p:spPr>
           <a:xfrm>
-            <a:off x="504000" y="1769040"/>
-            <a:ext cx="4426920" cy="4384440"/>
+            <a:off x="504000" y="1768680"/>
+            <a:ext cx="4426920" cy="4384080"/>
           </a:xfrm>
           <a:prstGeom prst="rect">
             <a:avLst/>
@@ -991,7 +2146,7 @@
       </p:sp>
       <p:sp>
         <p:nvSpPr>
-          <p:cNvPr id="20" name="PlaceHolder 3"/>
+          <p:cNvPr id="17" name="PlaceHolder 3"/>
           <p:cNvSpPr>
             <a:spLocks noGrp="1"/>
           </p:cNvSpPr>
@@ -1001,8 +2156,8 @@
         </p:nvSpPr>
         <p:spPr>
           <a:xfrm>
-            <a:off x="5152680" y="1769040"/>
-            <a:ext cx="4426920" cy="2091240"/>
+            <a:off x="5152680" y="1768680"/>
+            <a:ext cx="4426920" cy="2090880"/>
           </a:xfrm>
           <a:prstGeom prst="rect">
             <a:avLst/>
@@ -1017,7 +2172,7 @@
       </p:sp>
       <p:sp>
         <p:nvSpPr>
-          <p:cNvPr id="21" name="PlaceHolder 4"/>
+          <p:cNvPr id="18" name="PlaceHolder 4"/>
           <p:cNvSpPr>
             <a:spLocks noGrp="1"/>
           </p:cNvSpPr>
@@ -1027,8 +2182,8 @@
         </p:nvSpPr>
         <p:spPr>
           <a:xfrm>
-            <a:off x="5152680" y="4059360"/>
-            <a:ext cx="4426920" cy="2091240"/>
+            <a:off x="5152680" y="4058640"/>
+            <a:ext cx="4426920" cy="2090880"/>
           </a:xfrm>
           <a:prstGeom prst="rect">
             <a:avLst/>
@@ -1065,7 +2220,7 @@
       </p:grpSpPr>
       <p:sp>
         <p:nvSpPr>
-          <p:cNvPr id="22" name="PlaceHolder 1"/>
+          <p:cNvPr id="19" name="PlaceHolder 1"/>
           <p:cNvSpPr>
             <a:spLocks noGrp="1"/>
           </p:cNvSpPr>
@@ -1076,7 +2231,7 @@
         <p:spPr>
           <a:xfrm>
             <a:off x="504000" y="301320"/>
-            <a:ext cx="9071640" cy="1262160"/>
+            <a:ext cx="9072000" cy="1261800"/>
           </a:xfrm>
           <a:prstGeom prst="rect">
             <a:avLst/>
@@ -1092,7 +2247,7 @@
       </p:sp>
       <p:sp>
         <p:nvSpPr>
-          <p:cNvPr id="23" name="PlaceHolder 2"/>
+          <p:cNvPr id="20" name="PlaceHolder 2"/>
           <p:cNvSpPr>
             <a:spLocks noGrp="1"/>
           </p:cNvSpPr>
@@ -1102,8 +2257,8 @@
         </p:nvSpPr>
         <p:spPr>
           <a:xfrm>
-            <a:off x="504000" y="1769040"/>
-            <a:ext cx="4426920" cy="2091240"/>
+            <a:off x="504000" y="1768680"/>
+            <a:ext cx="4426920" cy="2090880"/>
           </a:xfrm>
           <a:prstGeom prst="rect">
             <a:avLst/>
@@ -1118,7 +2273,7 @@
       </p:sp>
       <p:sp>
         <p:nvSpPr>
-          <p:cNvPr id="24" name="PlaceHolder 3"/>
+          <p:cNvPr id="21" name="PlaceHolder 3"/>
           <p:cNvSpPr>
             <a:spLocks noGrp="1"/>
           </p:cNvSpPr>
@@ -1128,8 +2283,8 @@
         </p:nvSpPr>
         <p:spPr>
           <a:xfrm>
-            <a:off x="5152680" y="1769040"/>
-            <a:ext cx="4426920" cy="2091240"/>
+            <a:off x="5152680" y="1768680"/>
+            <a:ext cx="4426920" cy="2090880"/>
           </a:xfrm>
           <a:prstGeom prst="rect">
             <a:avLst/>
@@ -1144,7 +2299,7 @@
       </p:sp>
       <p:sp>
         <p:nvSpPr>
-          <p:cNvPr id="25" name="PlaceHolder 4"/>
+          <p:cNvPr id="22" name="PlaceHolder 4"/>
           <p:cNvSpPr>
             <a:spLocks noGrp="1"/>
           </p:cNvSpPr>
@@ -1154,8 +2309,8 @@
         </p:nvSpPr>
         <p:spPr>
           <a:xfrm>
-            <a:off x="504000" y="4059360"/>
-            <a:ext cx="9071640" cy="2091240"/>
+            <a:off x="504000" y="4058640"/>
+            <a:ext cx="9072000" cy="2090880"/>
           </a:xfrm>
           <a:prstGeom prst="rect">
             <a:avLst/>
@@ -1203,7 +2358,7 @@
         <p:spPr>
           <a:xfrm>
             <a:off x="504000" y="301320"/>
-            <a:ext cx="9071640" cy="1262160"/>
+            <a:ext cx="9070920" cy="1261440"/>
           </a:xfrm>
           <a:prstGeom prst="rect">
             <a:avLst/>
@@ -1213,12 +2368,6 @@
           <a:bodyPr lIns="0" rIns="0" tIns="0" bIns="0" anchor="ctr"/>
           <a:p>
             <a:pPr algn="ctr"/>
-            <a:r>
-              <a:rPr lang="en-US" sz="4400">
-                <a:latin typeface="Arial"/>
-              </a:rPr>
-              <a:t>Click to edit the title text format</a:t>
-            </a:r>
             <a:endParaRPr/>
           </a:p>
         </p:txBody>
@@ -1236,7 +2385,7 @@
         <p:spPr>
           <a:xfrm>
             <a:off x="504000" y="1769040"/>
-            <a:ext cx="9071640" cy="4384440"/>
+            <a:ext cx="9070920" cy="4383720"/>
           </a:xfrm>
           <a:prstGeom prst="rect">
             <a:avLst/>
@@ -1251,7 +2400,7 @@
               <a:buChar char=""/>
             </a:pPr>
             <a:r>
-              <a:rPr lang="en-US" sz="3200">
+              <a:rPr lang="en-US">
                 <a:latin typeface="Arial"/>
               </a:rPr>
               <a:t>Click to edit the outline text format</a:t>
@@ -1265,7 +2414,7 @@
               <a:buChar char=""/>
             </a:pPr>
             <a:r>
-              <a:rPr lang="en-US" sz="2800">
+              <a:rPr lang="en-US">
                 <a:latin typeface="Arial"/>
               </a:rPr>
               <a:t>Second Outline Level</a:t>
@@ -1279,7 +2428,7 @@
               <a:buChar char=""/>
             </a:pPr>
             <a:r>
-              <a:rPr lang="en-US" sz="2400">
+              <a:rPr lang="en-US">
                 <a:latin typeface="Arial"/>
               </a:rPr>
               <a:t>Third Outline Level</a:t>
@@ -1293,7 +2442,7 @@
               <a:buChar char=""/>
             </a:pPr>
             <a:r>
-              <a:rPr lang="en-US" sz="2000">
+              <a:rPr lang="en-US">
                 <a:latin typeface="Arial"/>
               </a:rPr>
               <a:t>Fourth Outline Level</a:t>
@@ -1307,7 +2456,7 @@
               <a:buChar char=""/>
             </a:pPr>
             <a:r>
-              <a:rPr lang="en-US" sz="2000">
+              <a:rPr lang="en-US">
                 <a:latin typeface="Arial"/>
               </a:rPr>
               <a:t>Fifth Outline Level</a:t>
@@ -1321,7 +2470,7 @@
               <a:buChar char=""/>
             </a:pPr>
             <a:r>
-              <a:rPr lang="en-US" sz="2000">
+              <a:rPr lang="en-US">
                 <a:latin typeface="Arial"/>
               </a:rPr>
               <a:t>Sixth Outline Level</a:t>
@@ -1335,109 +2484,11 @@
               <a:buChar char=""/>
             </a:pPr>
             <a:r>
-              <a:rPr lang="en-US" sz="2000">
+              <a:rPr lang="en-US">
                 <a:latin typeface="Arial"/>
               </a:rPr>
               <a:t>Seventh Outline Level</a:t>
             </a:r>
-            <a:endParaRPr/>
-          </a:p>
-        </p:txBody>
-      </p:sp>
-      <p:sp>
-        <p:nvSpPr>
-          <p:cNvPr id="2" name="PlaceHolder 3"/>
-          <p:cNvSpPr>
-            <a:spLocks noGrp="1"/>
-          </p:cNvSpPr>
-          <p:nvPr>
-            <p:ph type="dt"/>
-          </p:nvPr>
-        </p:nvSpPr>
-        <p:spPr>
-          <a:xfrm>
-            <a:off x="504000" y="6887160"/>
-            <a:ext cx="2348280" cy="521280"/>
-          </a:xfrm>
-          <a:prstGeom prst="rect">
-            <a:avLst/>
-          </a:prstGeom>
-        </p:spPr>
-        <p:txBody>
-          <a:bodyPr lIns="0" rIns="0" tIns="0" bIns="0"/>
-          <a:p>
-            <a:r>
-              <a:rPr lang="en-US" sz="1400">
-                <a:latin typeface="Times New Roman"/>
-              </a:rPr>
-              <a:t>&lt;date/time&gt;</a:t>
-            </a:r>
-            <a:endParaRPr/>
-          </a:p>
-        </p:txBody>
-      </p:sp>
-      <p:sp>
-        <p:nvSpPr>
-          <p:cNvPr id="3" name="PlaceHolder 4"/>
-          <p:cNvSpPr>
-            <a:spLocks noGrp="1"/>
-          </p:cNvSpPr>
-          <p:nvPr>
-            <p:ph type="ftr"/>
-          </p:nvPr>
-        </p:nvSpPr>
-        <p:spPr>
-          <a:xfrm>
-            <a:off x="3447360" y="6887160"/>
-            <a:ext cx="3195000" cy="521280"/>
-          </a:xfrm>
-          <a:prstGeom prst="rect">
-            <a:avLst/>
-          </a:prstGeom>
-        </p:spPr>
-        <p:txBody>
-          <a:bodyPr lIns="0" rIns="0" tIns="0" bIns="0"/>
-          <a:p>
-            <a:pPr algn="ctr"/>
-            <a:r>
-              <a:rPr lang="en-US" sz="1400">
-                <a:latin typeface="Times New Roman"/>
-              </a:rPr>
-              <a:t>&lt;footer&gt;</a:t>
-            </a:r>
-            <a:endParaRPr/>
-          </a:p>
-        </p:txBody>
-      </p:sp>
-      <p:sp>
-        <p:nvSpPr>
-          <p:cNvPr id="4" name="PlaceHolder 5"/>
-          <p:cNvSpPr>
-            <a:spLocks noGrp="1"/>
-          </p:cNvSpPr>
-          <p:nvPr>
-            <p:ph type="sldNum"/>
-          </p:nvPr>
-        </p:nvSpPr>
-        <p:spPr>
-          <a:xfrm>
-            <a:off x="7227360" y="6887160"/>
-            <a:ext cx="2348280" cy="521280"/>
-          </a:xfrm>
-          <a:prstGeom prst="rect">
-            <a:avLst/>
-          </a:prstGeom>
-        </p:spPr>
-        <p:txBody>
-          <a:bodyPr lIns="0" rIns="0" tIns="0" bIns="0"/>
-          <a:p>
-            <a:pPr algn="r"/>
-            <a:fld id="{1193604E-D004-4805-9779-C98426BB031F}" type="slidenum">
-              <a:rPr lang="en-US" sz="1400">
-                <a:latin typeface="Times New Roman"/>
-              </a:rPr>
-              <a:t>&lt;number&gt;</a:t>
-            </a:fld>
             <a:endParaRPr/>
           </a:p>
         </p:txBody>
@@ -1458,6 +2509,197 @@
     <p:sldLayoutId id="2147483658" r:id="rId11"/>
     <p:sldLayoutId id="2147483659" r:id="rId12"/>
     <p:sldLayoutId id="2147483660" r:id="rId13"/>
+  </p:sldLayoutIdLst>
+</p:sldMaster>
+</file>
+
+<file path=ppt/slideMasters/slideMaster2.xml><?xml version="1.0" encoding="utf-8"?>
+<p:sldMaster xmlns:a="http://schemas.openxmlformats.org/drawingml/2006/main" xmlns:p="http://schemas.openxmlformats.org/presentationml/2006/main" xmlns:r="http://schemas.openxmlformats.org/officeDocument/2006/relationships">
+  <p:cSld>
+    <p:spTree>
+      <p:nvGrpSpPr>
+        <p:cNvPr id="1" name=""/>
+        <p:cNvGrpSpPr/>
+        <p:nvPr/>
+      </p:nvGrpSpPr>
+      <p:grpSpPr>
+        <a:xfrm>
+          <a:off x="0" y="0"/>
+          <a:ext cx="0" cy="0"/>
+          <a:chOff x="0" y="0"/>
+          <a:chExt cx="0" cy="0"/>
+        </a:xfrm>
+      </p:grpSpPr>
+      <p:sp>
+        <p:nvSpPr>
+          <p:cNvPr id="36" name="PlaceHolder 1"/>
+          <p:cNvSpPr>
+            <a:spLocks noGrp="1"/>
+          </p:cNvSpPr>
+          <p:nvPr>
+            <p:ph type="title"/>
+          </p:nvPr>
+        </p:nvSpPr>
+        <p:spPr>
+          <a:xfrm>
+            <a:off x="504000" y="301320"/>
+            <a:ext cx="9072000" cy="1261800"/>
+          </a:xfrm>
+          <a:prstGeom prst="rect">
+            <a:avLst/>
+          </a:prstGeom>
+        </p:spPr>
+        <p:txBody>
+          <a:bodyPr lIns="0" rIns="0" tIns="0" bIns="0" anchor="ctr"/>
+          <a:p>
+            <a:pPr algn="ctr"/>
+            <a:r>
+              <a:rPr lang="en-US" sz="4400">
+                <a:latin typeface="Arial"/>
+              </a:rPr>
+              <a:t>Click to edit the title text format</a:t>
+            </a:r>
+            <a:endParaRPr/>
+          </a:p>
+        </p:txBody>
+      </p:sp>
+      <p:sp>
+        <p:nvSpPr>
+          <p:cNvPr id="37" name="PlaceHolder 2"/>
+          <p:cNvSpPr>
+            <a:spLocks noGrp="1"/>
+          </p:cNvSpPr>
+          <p:nvPr>
+            <p:ph type="body"/>
+          </p:nvPr>
+        </p:nvSpPr>
+        <p:spPr>
+          <a:xfrm>
+            <a:off x="504000" y="1768680"/>
+            <a:ext cx="9072000" cy="4384080"/>
+          </a:xfrm>
+          <a:prstGeom prst="rect">
+            <a:avLst/>
+          </a:prstGeom>
+        </p:spPr>
+        <p:txBody>
+          <a:bodyPr lIns="0" rIns="0" tIns="0" bIns="0"/>
+          <a:p>
+            <a:pPr>
+              <a:buSzPct val="45000"/>
+              <a:buFont typeface="StarSymbol"/>
+              <a:buChar char=""/>
+            </a:pPr>
+            <a:r>
+              <a:rPr lang="en-US" sz="3200">
+                <a:latin typeface="Arial"/>
+              </a:rPr>
+              <a:t>Click to edit the outline text format</a:t>
+            </a:r>
+            <a:endParaRPr/>
+          </a:p>
+          <a:p>
+            <a:pPr lvl="1">
+              <a:buSzPct val="75000"/>
+              <a:buFont typeface="StarSymbol"/>
+              <a:buChar char=""/>
+            </a:pPr>
+            <a:r>
+              <a:rPr lang="en-US" sz="2800">
+                <a:latin typeface="Arial"/>
+              </a:rPr>
+              <a:t>Second Outline Level</a:t>
+            </a:r>
+            <a:endParaRPr/>
+          </a:p>
+          <a:p>
+            <a:pPr lvl="2">
+              <a:buSzPct val="45000"/>
+              <a:buFont typeface="StarSymbol"/>
+              <a:buChar char=""/>
+            </a:pPr>
+            <a:r>
+              <a:rPr lang="en-US" sz="2400">
+                <a:latin typeface="Arial"/>
+              </a:rPr>
+              <a:t>Third Outline Level</a:t>
+            </a:r>
+            <a:endParaRPr/>
+          </a:p>
+          <a:p>
+            <a:pPr lvl="3">
+              <a:buSzPct val="75000"/>
+              <a:buFont typeface="StarSymbol"/>
+              <a:buChar char=""/>
+            </a:pPr>
+            <a:r>
+              <a:rPr lang="en-US" sz="2000">
+                <a:latin typeface="Arial"/>
+              </a:rPr>
+              <a:t>Fourth Outline Level</a:t>
+            </a:r>
+            <a:endParaRPr/>
+          </a:p>
+          <a:p>
+            <a:pPr lvl="4">
+              <a:buSzPct val="45000"/>
+              <a:buFont typeface="StarSymbol"/>
+              <a:buChar char=""/>
+            </a:pPr>
+            <a:r>
+              <a:rPr lang="en-US" sz="2000">
+                <a:latin typeface="Arial"/>
+              </a:rPr>
+              <a:t>Fifth Outline Level</a:t>
+            </a:r>
+            <a:endParaRPr/>
+          </a:p>
+          <a:p>
+            <a:pPr lvl="5">
+              <a:buSzPct val="45000"/>
+              <a:buFont typeface="StarSymbol"/>
+              <a:buChar char=""/>
+            </a:pPr>
+            <a:r>
+              <a:rPr lang="en-US" sz="2000">
+                <a:latin typeface="Arial"/>
+              </a:rPr>
+              <a:t>Sixth Outline Level</a:t>
+            </a:r>
+            <a:endParaRPr/>
+          </a:p>
+          <a:p>
+            <a:pPr lvl="6">
+              <a:buSzPct val="45000"/>
+              <a:buFont typeface="StarSymbol"/>
+              <a:buChar char=""/>
+            </a:pPr>
+            <a:r>
+              <a:rPr lang="en-US" sz="2000">
+                <a:latin typeface="Arial"/>
+              </a:rPr>
+              <a:t>Seventh Outline Level</a:t>
+            </a:r>
+            <a:endParaRPr/>
+          </a:p>
+        </p:txBody>
+      </p:sp>
+    </p:spTree>
+  </p:cSld>
+  <p:clrMap bg1="lt1" bg2="lt2" tx1="dk1" tx2="dk2" accent1="accent1" accent2="accent2" accent3="accent3" accent4="accent4" accent5="accent5" accent6="accent6" hlink="hlink" folHlink="folHlink"/>
+  <p:sldLayoutIdLst>
+    <p:sldLayoutId id="2147483662" r:id="rId2"/>
+    <p:sldLayoutId id="2147483663" r:id="rId3"/>
+    <p:sldLayoutId id="2147483664" r:id="rId4"/>
+    <p:sldLayoutId id="2147483665" r:id="rId5"/>
+    <p:sldLayoutId id="2147483666" r:id="rId6"/>
+    <p:sldLayoutId id="2147483667" r:id="rId7"/>
+    <p:sldLayoutId id="2147483668" r:id="rId8"/>
+    <p:sldLayoutId id="2147483669" r:id="rId9"/>
+    <p:sldLayoutId id="2147483670" r:id="rId10"/>
+    <p:sldLayoutId id="2147483671" r:id="rId11"/>
+    <p:sldLayoutId id="2147483672" r:id="rId12"/>
+    <p:sldLayoutId id="2147483673" r:id="rId13"/>
   </p:sldLayoutIdLst>
 </p:sldMaster>
 </file>
@@ -1481,14 +2723,14 @@
       </p:grpSpPr>
       <p:sp>
         <p:nvSpPr>
-          <p:cNvPr id="39" name="TextShape 1"/>
-          <p:cNvSpPr txBox="1"/>
+          <p:cNvPr id="72" name="CustomShape 1"/>
+          <p:cNvSpPr/>
           <p:nvPr/>
         </p:nvSpPr>
         <p:spPr>
           <a:xfrm>
             <a:off x="504000" y="229320"/>
-            <a:ext cx="9071640" cy="1262160"/>
+            <a:ext cx="9070920" cy="1261440"/>
           </a:xfrm>
           <a:prstGeom prst="rect">
             <a:avLst/>
@@ -1498,16 +2740,27 @@
             <a:noFill/>
           </a:ln>
         </p:spPr>
+        <p:style>
+          <a:lnRef idx="0"/>
+          <a:fillRef idx="0"/>
+          <a:effectRef idx="0"/>
+          <a:fontRef idx="minor"/>
+        </p:style>
         <p:txBody>
           <a:bodyPr lIns="0" rIns="0" tIns="0" bIns="0" anchor="ctr"/>
           <a:p>
-            <a:pPr algn="ctr"/>
-            <a:r>
-              <a:rPr lang="en-US" sz="4400">
+            <a:pPr algn="ctr">
+              <a:lnSpc>
+                <a:spcPct val="100000"/>
+              </a:lnSpc>
+            </a:pPr>
+            <a:r>
+              <a:rPr lang="en-US" sz="4400" strike="noStrike">
                 <a:solidFill>
                   <a:srgbClr val="009933"/>
                 </a:solidFill>
                 <a:latin typeface="Arial"/>
+                <a:ea typeface="DejaVu Sans"/>
               </a:rPr>
               <a:t>QuickMPay</a:t>
             </a:r>
@@ -1517,14 +2770,14 @@
       </p:sp>
       <p:sp>
         <p:nvSpPr>
-          <p:cNvPr id="40" name="TextShape 2"/>
-          <p:cNvSpPr txBox="1"/>
+          <p:cNvPr id="73" name="CustomShape 2"/>
+          <p:cNvSpPr/>
           <p:nvPr/>
         </p:nvSpPr>
         <p:spPr>
           <a:xfrm>
             <a:off x="504000" y="1563480"/>
-            <a:ext cx="9071640" cy="4590000"/>
+            <a:ext cx="9070920" cy="4589280"/>
           </a:xfrm>
           <a:prstGeom prst="rect">
             <a:avLst/>
@@ -1534,29 +2787,45 @@
             <a:noFill/>
           </a:ln>
         </p:spPr>
+        <p:style>
+          <a:lnRef idx="0"/>
+          <a:fillRef idx="0"/>
+          <a:effectRef idx="0"/>
+          <a:fontRef idx="minor"/>
+        </p:style>
         <p:txBody>
           <a:bodyPr lIns="0" rIns="0" tIns="0" bIns="0" anchor="ctr"/>
           <a:p>
-            <a:pPr algn="ctr"/>
-            <a:r>
-              <a:rPr lang="en-US" sz="4400">
+            <a:pPr algn="ctr">
+              <a:lnSpc>
+                <a:spcPct val="100000"/>
+              </a:lnSpc>
+            </a:pPr>
+            <a:r>
+              <a:rPr lang="en-US" sz="4400" strike="noStrike">
                 <a:solidFill>
                   <a:srgbClr val="00cc00"/>
                 </a:solidFill>
                 <a:latin typeface="Arial"/>
+                <a:ea typeface="DejaVu Sans"/>
               </a:rPr>
               <a:t>Secure Mobile Payments</a:t>
             </a:r>
             <a:endParaRPr/>
           </a:p>
           <a:p>
-            <a:pPr algn="ctr"/>
-            <a:r>
-              <a:rPr lang="en-US" sz="3200">
+            <a:pPr algn="ctr">
+              <a:lnSpc>
+                <a:spcPct val="100000"/>
+              </a:lnSpc>
+            </a:pPr>
+            <a:r>
+              <a:rPr lang="en-US" sz="3200" strike="noStrike">
                 <a:solidFill>
                   <a:srgbClr val="0066ff"/>
                 </a:solidFill>
                 <a:latin typeface="Arial"/>
+                <a:ea typeface="DejaVu Sans"/>
               </a:rPr>
               <a:t>Forget credit cards</a:t>
             </a:r>
@@ -1615,14 +2884,14 @@
       </p:grpSpPr>
       <p:sp>
         <p:nvSpPr>
-          <p:cNvPr id="41" name="TextShape 1"/>
-          <p:cNvSpPr txBox="1"/>
+          <p:cNvPr id="74" name="CustomShape 1"/>
+          <p:cNvSpPr/>
           <p:nvPr/>
         </p:nvSpPr>
         <p:spPr>
           <a:xfrm>
             <a:off x="504000" y="301320"/>
-            <a:ext cx="9071640" cy="887400"/>
+            <a:ext cx="9070920" cy="886680"/>
           </a:xfrm>
           <a:prstGeom prst="rect">
             <a:avLst/>
@@ -1632,13 +2901,27 @@
             <a:noFill/>
           </a:ln>
         </p:spPr>
+        <p:style>
+          <a:lnRef idx="0"/>
+          <a:fillRef idx="0"/>
+          <a:effectRef idx="0"/>
+          <a:fontRef idx="minor"/>
+        </p:style>
         <p:txBody>
           <a:bodyPr lIns="0" rIns="0" tIns="0" bIns="0" anchor="ctr"/>
           <a:p>
-            <a:pPr algn="ctr"/>
-            <a:r>
-              <a:rPr lang="en-US" sz="4400">
-                <a:latin typeface="Arial"/>
+            <a:pPr algn="ctr">
+              <a:lnSpc>
+                <a:spcPct val="100000"/>
+              </a:lnSpc>
+            </a:pPr>
+            <a:r>
+              <a:rPr lang="en-US" sz="4400" strike="noStrike">
+                <a:solidFill>
+                  <a:srgbClr val="000000"/>
+                </a:solidFill>
+                <a:latin typeface="Arial"/>
+                <a:ea typeface="DejaVu Sans"/>
               </a:rPr>
               <a:t>Agenda</a:t>
             </a:r>
@@ -1648,14 +2931,14 @@
       </p:sp>
       <p:sp>
         <p:nvSpPr>
-          <p:cNvPr id="42" name="TextShape 2"/>
-          <p:cNvSpPr txBox="1"/>
+          <p:cNvPr id="75" name="CustomShape 2"/>
+          <p:cNvSpPr/>
           <p:nvPr/>
         </p:nvSpPr>
         <p:spPr>
           <a:xfrm>
             <a:off x="504000" y="1563480"/>
-            <a:ext cx="9071640" cy="5294520"/>
+            <a:ext cx="9070920" cy="5293800"/>
           </a:xfrm>
           <a:prstGeom prst="rect">
             <a:avLst/>
@@ -1665,17 +2948,30 @@
             <a:noFill/>
           </a:ln>
         </p:spPr>
+        <p:style>
+          <a:lnRef idx="0"/>
+          <a:fillRef idx="0"/>
+          <a:effectRef idx="0"/>
+          <a:fontRef idx="minor"/>
+        </p:style>
         <p:txBody>
           <a:bodyPr lIns="0" rIns="0" tIns="0" bIns="0"/>
           <a:p>
             <a:pPr>
+              <a:lnSpc>
+                <a:spcPct val="100000"/>
+              </a:lnSpc>
               <a:buSzPct val="45000"/>
               <a:buFont typeface="StarSymbol"/>
-              <a:buChar char=""/>
-            </a:pPr>
-            <a:r>
-              <a:rPr lang="en-US" sz="3200">
-                <a:latin typeface="Arial"/>
+              <a:buChar char="l"/>
+            </a:pPr>
+            <a:r>
+              <a:rPr lang="en-US" sz="3200" strike="noStrike">
+                <a:solidFill>
+                  <a:srgbClr val="000000"/>
+                </a:solidFill>
+                <a:latin typeface="Arial"/>
+                <a:ea typeface="DejaVu Sans"/>
               </a:rPr>
               <a:t>QuickMPay Overview</a:t>
             </a:r>
@@ -1683,13 +2979,20 @@
           </a:p>
           <a:p>
             <a:pPr lvl="1">
+              <a:lnSpc>
+                <a:spcPct val="100000"/>
+              </a:lnSpc>
               <a:buSzPct val="75000"/>
               <a:buFont typeface="StarSymbol"/>
-              <a:buChar char=""/>
-            </a:pPr>
-            <a:r>
-              <a:rPr lang="en-US" sz="2800">
-                <a:latin typeface="Arial"/>
+              <a:buChar char="l"/>
+            </a:pPr>
+            <a:r>
+              <a:rPr lang="en-US" sz="2800" strike="noStrike">
+                <a:solidFill>
+                  <a:srgbClr val="000000"/>
+                </a:solidFill>
+                <a:latin typeface="Arial"/>
+                <a:ea typeface="DejaVu Sans"/>
               </a:rPr>
               <a:t>Without sending customer's card details to vendor's mobile</a:t>
             </a:r>
@@ -1697,13 +3000,20 @@
           </a:p>
           <a:p>
             <a:pPr lvl="1">
+              <a:lnSpc>
+                <a:spcPct val="100000"/>
+              </a:lnSpc>
               <a:buSzPct val="75000"/>
               <a:buFont typeface="StarSymbol"/>
-              <a:buChar char=""/>
-            </a:pPr>
-            <a:r>
-              <a:rPr lang="en-US" sz="2800">
-                <a:latin typeface="Arial"/>
+              <a:buChar char="l"/>
+            </a:pPr>
+            <a:r>
+              <a:rPr lang="en-US" sz="2800" strike="noStrike">
+                <a:solidFill>
+                  <a:srgbClr val="000000"/>
+                </a:solidFill>
+                <a:latin typeface="Arial"/>
+                <a:ea typeface="DejaVu Sans"/>
               </a:rPr>
               <a:t>With customer's card details sent to vendor's mobile</a:t>
             </a:r>
@@ -1711,13 +3021,20 @@
           </a:p>
           <a:p>
             <a:pPr>
+              <a:lnSpc>
+                <a:spcPct val="100000"/>
+              </a:lnSpc>
               <a:buSzPct val="45000"/>
               <a:buFont typeface="StarSymbol"/>
-              <a:buChar char=""/>
-            </a:pPr>
-            <a:r>
-              <a:rPr lang="en-US" sz="3200">
-                <a:latin typeface="Arial"/>
+              <a:buChar char="l"/>
+            </a:pPr>
+            <a:r>
+              <a:rPr lang="en-US" sz="3200" strike="noStrike">
+                <a:solidFill>
+                  <a:srgbClr val="000000"/>
+                </a:solidFill>
+                <a:latin typeface="Arial"/>
+                <a:ea typeface="DejaVu Sans"/>
               </a:rPr>
               <a:t>Solution Details</a:t>
             </a:r>
@@ -1725,13 +3042,20 @@
           </a:p>
           <a:p>
             <a:pPr>
+              <a:lnSpc>
+                <a:spcPct val="100000"/>
+              </a:lnSpc>
               <a:buSzPct val="45000"/>
               <a:buFont typeface="StarSymbol"/>
-              <a:buChar char=""/>
-            </a:pPr>
-            <a:r>
-              <a:rPr lang="en-US" sz="3200">
-                <a:latin typeface="Arial"/>
+              <a:buChar char="l"/>
+            </a:pPr>
+            <a:r>
+              <a:rPr lang="en-US" sz="3200" strike="noStrike">
+                <a:solidFill>
+                  <a:srgbClr val="000000"/>
+                </a:solidFill>
+                <a:latin typeface="Arial"/>
+                <a:ea typeface="DejaVu Sans"/>
               </a:rPr>
               <a:t>Comparison with today's technologies</a:t>
             </a:r>
@@ -1739,13 +3063,20 @@
           </a:p>
           <a:p>
             <a:pPr>
+              <a:lnSpc>
+                <a:spcPct val="100000"/>
+              </a:lnSpc>
               <a:buSzPct val="45000"/>
               <a:buFont typeface="StarSymbol"/>
-              <a:buChar char=""/>
-            </a:pPr>
-            <a:r>
-              <a:rPr lang="en-US" sz="3200">
-                <a:latin typeface="Arial"/>
+              <a:buChar char="l"/>
+            </a:pPr>
+            <a:r>
+              <a:rPr lang="en-US" sz="3200" strike="noStrike">
+                <a:solidFill>
+                  <a:srgbClr val="000000"/>
+                </a:solidFill>
+                <a:latin typeface="Arial"/>
+                <a:ea typeface="DejaVu Sans"/>
               </a:rPr>
               <a:t>Use Cases</a:t>
             </a:r>
@@ -1753,13 +3084,20 @@
           </a:p>
           <a:p>
             <a:pPr>
+              <a:lnSpc>
+                <a:spcPct val="100000"/>
+              </a:lnSpc>
               <a:buSzPct val="45000"/>
               <a:buFont typeface="StarSymbol"/>
-              <a:buChar char=""/>
-            </a:pPr>
-            <a:r>
-              <a:rPr lang="en-US" sz="3200">
-                <a:latin typeface="Arial"/>
+              <a:buChar char="l"/>
+            </a:pPr>
+            <a:r>
+              <a:rPr lang="en-US" sz="3200" strike="noStrike">
+                <a:solidFill>
+                  <a:srgbClr val="000000"/>
+                </a:solidFill>
+                <a:latin typeface="Arial"/>
+                <a:ea typeface="DejaVu Sans"/>
               </a:rPr>
               <a:t>Monetization Models</a:t>
             </a:r>
@@ -1767,13 +3105,20 @@
           </a:p>
           <a:p>
             <a:pPr>
+              <a:lnSpc>
+                <a:spcPct val="100000"/>
+              </a:lnSpc>
               <a:buSzPct val="45000"/>
               <a:buFont typeface="StarSymbol"/>
-              <a:buChar char=""/>
-            </a:pPr>
-            <a:r>
-              <a:rPr lang="en-US" sz="3200">
-                <a:latin typeface="Arial"/>
+              <a:buChar char="l"/>
+            </a:pPr>
+            <a:r>
+              <a:rPr lang="en-US" sz="3200" strike="noStrike">
+                <a:solidFill>
+                  <a:srgbClr val="000000"/>
+                </a:solidFill>
+                <a:latin typeface="Arial"/>
+                <a:ea typeface="DejaVu Sans"/>
               </a:rPr>
               <a:t>Questions</a:t>
             </a:r>
@@ -1832,14 +3177,14 @@
       </p:grpSpPr>
       <p:sp>
         <p:nvSpPr>
-          <p:cNvPr id="43" name="TextShape 1"/>
-          <p:cNvSpPr txBox="1"/>
+          <p:cNvPr id="76" name="CustomShape 1"/>
+          <p:cNvSpPr/>
           <p:nvPr/>
         </p:nvSpPr>
         <p:spPr>
           <a:xfrm>
             <a:off x="504000" y="301320"/>
-            <a:ext cx="9071640" cy="887400"/>
+            <a:ext cx="9070920" cy="886680"/>
           </a:xfrm>
           <a:prstGeom prst="rect">
             <a:avLst/>
@@ -1849,13 +3194,27 @@
             <a:noFill/>
           </a:ln>
         </p:spPr>
+        <p:style>
+          <a:lnRef idx="0"/>
+          <a:fillRef idx="0"/>
+          <a:effectRef idx="0"/>
+          <a:fontRef idx="minor"/>
+        </p:style>
         <p:txBody>
           <a:bodyPr lIns="0" rIns="0" tIns="0" bIns="0" anchor="ctr"/>
           <a:p>
-            <a:pPr algn="ctr"/>
-            <a:r>
-              <a:rPr lang="en-US" sz="4400">
-                <a:latin typeface="Arial"/>
+            <a:pPr algn="ctr">
+              <a:lnSpc>
+                <a:spcPct val="100000"/>
+              </a:lnSpc>
+            </a:pPr>
+            <a:r>
+              <a:rPr lang="en-US" sz="4400" strike="noStrike">
+                <a:solidFill>
+                  <a:srgbClr val="000000"/>
+                </a:solidFill>
+                <a:latin typeface="Arial"/>
+                <a:ea typeface="DejaVu Sans"/>
               </a:rPr>
               <a:t>Overview</a:t>
             </a:r>
@@ -1865,14 +3224,14 @@
       </p:sp>
       <p:sp>
         <p:nvSpPr>
-          <p:cNvPr id="44" name="TextShape 2"/>
-          <p:cNvSpPr txBox="1"/>
+          <p:cNvPr id="77" name="CustomShape 2"/>
+          <p:cNvSpPr/>
           <p:nvPr/>
         </p:nvSpPr>
         <p:spPr>
           <a:xfrm>
             <a:off x="504000" y="1371600"/>
-            <a:ext cx="9071640" cy="5577840"/>
+            <a:ext cx="9070920" cy="5577120"/>
           </a:xfrm>
           <a:prstGeom prst="rect">
             <a:avLst/>
@@ -1882,27 +3241,80 @@
             <a:noFill/>
           </a:ln>
         </p:spPr>
+        <p:style>
+          <a:lnRef idx="0"/>
+          <a:fillRef idx="0"/>
+          <a:effectRef idx="0"/>
+          <a:fontRef idx="minor"/>
+        </p:style>
         <p:txBody>
           <a:bodyPr lIns="0" rIns="0" tIns="0" bIns="0"/>
           <a:p>
             <a:pPr>
+              <a:lnSpc>
+                <a:spcPct val="100000"/>
+              </a:lnSpc>
               <a:buSzPct val="45000"/>
               <a:buFont typeface="StarSymbol"/>
-              <a:buChar char=""/>
-            </a:pPr>
-            <a:r>
-              <a:rPr lang="en-US" sz="3200">
-                <a:latin typeface="Arial"/>
-              </a:rPr>
-              <a:t>Secure Option: Customer's Card Details not sent to Vendor's Mobile </a:t>
+              <a:buChar char="l"/>
+            </a:pPr>
+            <a:r>
+              <a:rPr lang="en-US" sz="3200" strike="noStrike">
+                <a:solidFill>
+                  <a:srgbClr val="000000"/>
+                </a:solidFill>
+                <a:latin typeface="Arial"/>
+                <a:ea typeface="DejaVu Sans"/>
+              </a:rPr>
+              <a:t>Secure Option: Customer's Card Details not sent to Vendor's Mobile (Demo at </a:t>
+            </a:r>
+            <a:r>
+              <a:rPr lang="en-US" sz="3200" strike="noStrike">
+                <a:solidFill>
+                  <a:srgbClr val="000000"/>
+                </a:solidFill>
+                <a:latin typeface="Arial"/>
+                <a:ea typeface="DejaVu Sans"/>
+              </a:rPr>
+              <a:t>http://klonikar.github.io/quickmpay.html</a:t>
+            </a:r>
+            <a:r>
+              <a:rPr lang="en-US" sz="3200" strike="noStrike">
+                <a:solidFill>
+                  <a:srgbClr val="000000"/>
+                </a:solidFill>
+                <a:latin typeface="Arial"/>
+                <a:ea typeface="DejaVu Sans"/>
+              </a:rPr>
+              <a:t> and </a:t>
+            </a:r>
+            <a:r>
+              <a:rPr lang="en-US" sz="3200" strike="noStrike">
+                <a:solidFill>
+                  <a:srgbClr val="000000"/>
+                </a:solidFill>
+                <a:latin typeface="Arial"/>
+                <a:ea typeface="DejaVu Sans"/>
+              </a:rPr>
+              <a:t>http://klonikar.github.io/quickmpay-pos.html</a:t>
+            </a:r>
+            <a:r>
+              <a:rPr lang="en-US" sz="3200" strike="noStrike">
+                <a:solidFill>
+                  <a:srgbClr val="000000"/>
+                </a:solidFill>
+                <a:latin typeface="Arial"/>
+                <a:ea typeface="DejaVu Sans"/>
+              </a:rPr>
+              <a:t>)</a:t>
             </a:r>
             <a:endParaRPr/>
           </a:p>
           <a:p>
             <a:pPr>
-              <a:buSzPct val="45000"/>
-              <a:buFont typeface="StarSymbol"/>
-              <a:buChar char=""/>
+              <a:lnSpc>
+                <a:spcPct val="100000"/>
+              </a:lnSpc>
             </a:pPr>
             <a:endParaRPr/>
           </a:p>
@@ -1959,14 +3371,14 @@
       </p:grpSpPr>
       <p:sp>
         <p:nvSpPr>
-          <p:cNvPr id="45" name="TextShape 1"/>
-          <p:cNvSpPr txBox="1"/>
+          <p:cNvPr id="78" name="CustomShape 1"/>
+          <p:cNvSpPr/>
           <p:nvPr/>
         </p:nvSpPr>
         <p:spPr>
           <a:xfrm>
             <a:off x="504000" y="301320"/>
-            <a:ext cx="9071640" cy="887400"/>
+            <a:ext cx="9070920" cy="886680"/>
           </a:xfrm>
           <a:prstGeom prst="rect">
             <a:avLst/>
@@ -1976,13 +3388,27 @@
             <a:noFill/>
           </a:ln>
         </p:spPr>
+        <p:style>
+          <a:lnRef idx="0"/>
+          <a:fillRef idx="0"/>
+          <a:effectRef idx="0"/>
+          <a:fontRef idx="minor"/>
+        </p:style>
         <p:txBody>
           <a:bodyPr lIns="0" rIns="0" tIns="0" bIns="0" anchor="ctr"/>
           <a:p>
-            <a:pPr algn="ctr"/>
-            <a:r>
-              <a:rPr lang="en-US" sz="4400">
-                <a:latin typeface="Arial"/>
+            <a:pPr algn="ctr">
+              <a:lnSpc>
+                <a:spcPct val="100000"/>
+              </a:lnSpc>
+            </a:pPr>
+            <a:r>
+              <a:rPr lang="en-US" sz="4400" strike="noStrike">
+                <a:solidFill>
+                  <a:srgbClr val="000000"/>
+                </a:solidFill>
+                <a:latin typeface="Arial"/>
+                <a:ea typeface="DejaVu Sans"/>
               </a:rPr>
               <a:t>Overview</a:t>
             </a:r>
@@ -1992,14 +3418,14 @@
       </p:sp>
       <p:sp>
         <p:nvSpPr>
-          <p:cNvPr id="46" name="TextShape 2"/>
-          <p:cNvSpPr txBox="1"/>
+          <p:cNvPr id="79" name="CustomShape 2"/>
+          <p:cNvSpPr/>
           <p:nvPr/>
         </p:nvSpPr>
         <p:spPr>
           <a:xfrm>
             <a:off x="504000" y="1371600"/>
-            <a:ext cx="9071640" cy="5577840"/>
+            <a:ext cx="9070920" cy="5577120"/>
           </a:xfrm>
           <a:prstGeom prst="rect">
             <a:avLst/>
@@ -2009,17 +3435,30 @@
             <a:noFill/>
           </a:ln>
         </p:spPr>
+        <p:style>
+          <a:lnRef idx="0"/>
+          <a:fillRef idx="0"/>
+          <a:effectRef idx="0"/>
+          <a:fontRef idx="minor"/>
+        </p:style>
         <p:txBody>
           <a:bodyPr lIns="0" rIns="0" tIns="0" bIns="0"/>
           <a:p>
             <a:pPr>
+              <a:lnSpc>
+                <a:spcPct val="100000"/>
+              </a:lnSpc>
               <a:buSzPct val="45000"/>
               <a:buFont typeface="StarSymbol"/>
-              <a:buChar char=""/>
-            </a:pPr>
-            <a:r>
-              <a:rPr lang="en-US" sz="3200">
-                <a:latin typeface="Arial"/>
+              <a:buChar char="l"/>
+            </a:pPr>
+            <a:r>
+              <a:rPr lang="en-US" sz="3200" strike="noStrike">
+                <a:solidFill>
+                  <a:srgbClr val="000000"/>
+                </a:solidFill>
+                <a:latin typeface="Arial"/>
+                <a:ea typeface="DejaVu Sans"/>
               </a:rPr>
               <a:t>Regular Option: Customer's Card Details sent to Vendor's Mobile: Today's Swiping machine</a:t>
             </a:r>
@@ -2027,9 +3466,9 @@
           </a:p>
           <a:p>
             <a:pPr>
-              <a:buSzPct val="45000"/>
-              <a:buFont typeface="StarSymbol"/>
-              <a:buChar char=""/>
+              <a:lnSpc>
+                <a:spcPct val="100000"/>
+              </a:lnSpc>
             </a:pPr>
             <a:endParaRPr/>
           </a:p>
@@ -2086,14 +3525,14 @@
       </p:grpSpPr>
       <p:sp>
         <p:nvSpPr>
-          <p:cNvPr id="47" name="TextShape 1"/>
-          <p:cNvSpPr txBox="1"/>
+          <p:cNvPr id="80" name="CustomShape 1"/>
+          <p:cNvSpPr/>
           <p:nvPr/>
         </p:nvSpPr>
         <p:spPr>
           <a:xfrm>
             <a:off x="504000" y="301320"/>
-            <a:ext cx="9071640" cy="887400"/>
+            <a:ext cx="9070920" cy="886680"/>
           </a:xfrm>
           <a:prstGeom prst="rect">
             <a:avLst/>
@@ -2103,13 +3542,27 @@
             <a:noFill/>
           </a:ln>
         </p:spPr>
+        <p:style>
+          <a:lnRef idx="0"/>
+          <a:fillRef idx="0"/>
+          <a:effectRef idx="0"/>
+          <a:fontRef idx="minor"/>
+        </p:style>
         <p:txBody>
           <a:bodyPr lIns="0" rIns="0" tIns="0" bIns="0" anchor="ctr"/>
           <a:p>
-            <a:pPr algn="ctr"/>
-            <a:r>
-              <a:rPr lang="en-US" sz="4400">
-                <a:latin typeface="Arial"/>
+            <a:pPr algn="ctr">
+              <a:lnSpc>
+                <a:spcPct val="100000"/>
+              </a:lnSpc>
+            </a:pPr>
+            <a:r>
+              <a:rPr lang="en-US" sz="4400" strike="noStrike">
+                <a:solidFill>
+                  <a:srgbClr val="000000"/>
+                </a:solidFill>
+                <a:latin typeface="Arial"/>
+                <a:ea typeface="DejaVu Sans"/>
               </a:rPr>
               <a:t>Solution Details</a:t>
             </a:r>
@@ -2119,14 +3572,14 @@
       </p:sp>
       <p:sp>
         <p:nvSpPr>
-          <p:cNvPr id="48" name="TextShape 2"/>
-          <p:cNvSpPr txBox="1"/>
+          <p:cNvPr id="81" name="CustomShape 2"/>
+          <p:cNvSpPr/>
           <p:nvPr/>
         </p:nvSpPr>
         <p:spPr>
           <a:xfrm>
             <a:off x="504000" y="1371600"/>
-            <a:ext cx="9071640" cy="5577840"/>
+            <a:ext cx="9070920" cy="5577120"/>
           </a:xfrm>
           <a:prstGeom prst="rect">
             <a:avLst/>
@@ -2136,17 +3589,30 @@
             <a:noFill/>
           </a:ln>
         </p:spPr>
+        <p:style>
+          <a:lnRef idx="0"/>
+          <a:fillRef idx="0"/>
+          <a:effectRef idx="0"/>
+          <a:fontRef idx="minor"/>
+        </p:style>
         <p:txBody>
           <a:bodyPr lIns="0" rIns="0" tIns="0" bIns="0"/>
           <a:p>
             <a:pPr>
+              <a:lnSpc>
+                <a:spcPct val="100000"/>
+              </a:lnSpc>
               <a:buSzPct val="45000"/>
               <a:buFont typeface="StarSymbol"/>
-              <a:buChar char=""/>
-            </a:pPr>
-            <a:r>
-              <a:rPr lang="en-US" sz="3200">
-                <a:latin typeface="Arial"/>
+              <a:buChar char="l"/>
+            </a:pPr>
+            <a:r>
+              <a:rPr lang="en-US" sz="3200" strike="noStrike">
+                <a:solidFill>
+                  <a:srgbClr val="000000"/>
+                </a:solidFill>
+                <a:latin typeface="Arial"/>
+                <a:ea typeface="DejaVu Sans"/>
               </a:rPr>
               <a:t>Credit cards info stored in encrypted form: Even the app does not know your card details </a:t>
             </a:r>
@@ -2154,13 +3620,20 @@
           </a:p>
           <a:p>
             <a:pPr>
+              <a:lnSpc>
+                <a:spcPct val="100000"/>
+              </a:lnSpc>
               <a:buSzPct val="45000"/>
               <a:buFont typeface="StarSymbol"/>
-              <a:buChar char=""/>
-            </a:pPr>
-            <a:r>
-              <a:rPr lang="en-US" sz="3200">
-                <a:latin typeface="Arial"/>
+              <a:buChar char="l"/>
+            </a:pPr>
+            <a:r>
+              <a:rPr lang="en-US" sz="3200" strike="noStrike">
+                <a:solidFill>
+                  <a:srgbClr val="000000"/>
+                </a:solidFill>
+                <a:latin typeface="Arial"/>
+                <a:ea typeface="DejaVu Sans"/>
               </a:rPr>
               <a:t>Decrypted only at the time of transaction using user's password</a:t>
             </a:r>
@@ -2168,13 +3641,20 @@
           </a:p>
           <a:p>
             <a:pPr>
+              <a:lnSpc>
+                <a:spcPct val="100000"/>
+              </a:lnSpc>
               <a:buSzPct val="45000"/>
               <a:buFont typeface="StarSymbol"/>
-              <a:buChar char=""/>
-            </a:pPr>
-            <a:r>
-              <a:rPr lang="en-US" sz="3200">
-                <a:latin typeface="Arial"/>
+              <a:buChar char="l"/>
+            </a:pPr>
+            <a:r>
+              <a:rPr lang="en-US" sz="3200" strike="noStrike">
+                <a:solidFill>
+                  <a:srgbClr val="000000"/>
+                </a:solidFill>
+                <a:latin typeface="Arial"/>
+                <a:ea typeface="DejaVu Sans"/>
               </a:rPr>
               <a:t>App secure's card, payment details using password</a:t>
             </a:r>
@@ -2182,13 +3662,20 @@
           </a:p>
           <a:p>
             <a:pPr>
+              <a:lnSpc>
+                <a:spcPct val="100000"/>
+              </a:lnSpc>
               <a:buSzPct val="45000"/>
               <a:buFont typeface="StarSymbol"/>
-              <a:buChar char=""/>
-            </a:pPr>
-            <a:r>
-              <a:rPr lang="en-US" sz="3200">
-                <a:latin typeface="Arial"/>
+              <a:buChar char="l"/>
+            </a:pPr>
+            <a:r>
+              <a:rPr lang="en-US" sz="3200" strike="noStrike">
+                <a:solidFill>
+                  <a:srgbClr val="000000"/>
+                </a:solidFill>
+                <a:latin typeface="Arial"/>
+                <a:ea typeface="DejaVu Sans"/>
               </a:rPr>
               <a:t>Rich payment analytics for consumer and vendor: No need to look into SMS, emails</a:t>
             </a:r>
@@ -2196,13 +3683,20 @@
           </a:p>
           <a:p>
             <a:pPr>
+              <a:lnSpc>
+                <a:spcPct val="100000"/>
+              </a:lnSpc>
               <a:buSzPct val="45000"/>
               <a:buFont typeface="StarSymbol"/>
-              <a:buChar char=""/>
-            </a:pPr>
-            <a:r>
-              <a:rPr lang="en-US" sz="3200">
-                <a:latin typeface="Arial"/>
+              <a:buChar char="l"/>
+            </a:pPr>
+            <a:r>
+              <a:rPr lang="en-US" sz="3200" strike="noStrike">
+                <a:solidFill>
+                  <a:srgbClr val="000000"/>
+                </a:solidFill>
+                <a:latin typeface="Arial"/>
+                <a:ea typeface="DejaVu Sans"/>
               </a:rPr>
               <a:t>Works with vendor's payment gateway</a:t>
             </a:r>
@@ -2261,14 +3755,14 @@
       </p:grpSpPr>
       <p:sp>
         <p:nvSpPr>
-          <p:cNvPr id="49" name="TextShape 1"/>
-          <p:cNvSpPr txBox="1"/>
+          <p:cNvPr id="82" name="CustomShape 1"/>
+          <p:cNvSpPr/>
           <p:nvPr/>
         </p:nvSpPr>
         <p:spPr>
           <a:xfrm>
             <a:off x="504000" y="301320"/>
-            <a:ext cx="9071640" cy="887400"/>
+            <a:ext cx="9070920" cy="886680"/>
           </a:xfrm>
           <a:prstGeom prst="rect">
             <a:avLst/>
@@ -2278,13 +3772,27 @@
             <a:noFill/>
           </a:ln>
         </p:spPr>
+        <p:style>
+          <a:lnRef idx="0"/>
+          <a:fillRef idx="0"/>
+          <a:effectRef idx="0"/>
+          <a:fontRef idx="minor"/>
+        </p:style>
         <p:txBody>
           <a:bodyPr lIns="0" rIns="0" tIns="0" bIns="0" anchor="ctr"/>
           <a:p>
-            <a:pPr algn="ctr"/>
-            <a:r>
-              <a:rPr lang="en-US" sz="4400">
-                <a:latin typeface="Arial"/>
+            <a:pPr algn="ctr">
+              <a:lnSpc>
+                <a:spcPct val="100000"/>
+              </a:lnSpc>
+            </a:pPr>
+            <a:r>
+              <a:rPr lang="en-US" sz="4400" strike="noStrike">
+                <a:solidFill>
+                  <a:srgbClr val="000000"/>
+                </a:solidFill>
+                <a:latin typeface="Arial"/>
+                <a:ea typeface="DejaVu Sans"/>
               </a:rPr>
               <a:t>Today's technonogies</a:t>
             </a:r>
@@ -2294,14 +3802,14 @@
       </p:sp>
       <p:sp>
         <p:nvSpPr>
-          <p:cNvPr id="50" name="TextShape 2"/>
-          <p:cNvSpPr txBox="1"/>
+          <p:cNvPr id="83" name="CustomShape 2"/>
+          <p:cNvSpPr/>
           <p:nvPr/>
         </p:nvSpPr>
         <p:spPr>
           <a:xfrm>
             <a:off x="504000" y="1371600"/>
-            <a:ext cx="9071640" cy="5577840"/>
+            <a:ext cx="9070920" cy="5577120"/>
           </a:xfrm>
           <a:prstGeom prst="rect">
             <a:avLst/>
@@ -2311,17 +3819,30 @@
             <a:noFill/>
           </a:ln>
         </p:spPr>
+        <p:style>
+          <a:lnRef idx="0"/>
+          <a:fillRef idx="0"/>
+          <a:effectRef idx="0"/>
+          <a:fontRef idx="minor"/>
+        </p:style>
         <p:txBody>
           <a:bodyPr lIns="0" rIns="0" tIns="0" bIns="0"/>
           <a:p>
             <a:pPr>
+              <a:lnSpc>
+                <a:spcPct val="100000"/>
+              </a:lnSpc>
               <a:buSzPct val="45000"/>
               <a:buFont typeface="StarSymbol"/>
-              <a:buChar char=""/>
-            </a:pPr>
-            <a:r>
-              <a:rPr lang="en-US" sz="3200">
-                <a:latin typeface="Arial"/>
+              <a:buChar char="l"/>
+            </a:pPr>
+            <a:r>
+              <a:rPr lang="en-US" sz="3200" strike="noStrike">
+                <a:solidFill>
+                  <a:srgbClr val="000000"/>
+                </a:solidFill>
+                <a:latin typeface="Arial"/>
+                <a:ea typeface="DejaVu Sans"/>
               </a:rPr>
               <a:t>Square:</a:t>
             </a:r>
@@ -2329,13 +3850,20 @@
           </a:p>
           <a:p>
             <a:pPr>
+              <a:lnSpc>
+                <a:spcPct val="100000"/>
+              </a:lnSpc>
               <a:buSzPct val="45000"/>
               <a:buFont typeface="StarSymbol"/>
-              <a:buChar char=""/>
-            </a:pPr>
-            <a:r>
-              <a:rPr lang="en-US" sz="3200">
-                <a:latin typeface="Arial"/>
+              <a:buChar char="l"/>
+            </a:pPr>
+            <a:r>
+              <a:rPr lang="en-US" sz="3200" strike="noStrike">
+                <a:solidFill>
+                  <a:srgbClr val="000000"/>
+                </a:solidFill>
+                <a:latin typeface="Arial"/>
+                <a:ea typeface="DejaVu Sans"/>
               </a:rPr>
               <a:t>NFC:</a:t>
             </a:r>
@@ -2343,13 +3871,20 @@
           </a:p>
           <a:p>
             <a:pPr>
+              <a:lnSpc>
+                <a:spcPct val="100000"/>
+              </a:lnSpc>
               <a:buSzPct val="45000"/>
               <a:buFont typeface="StarSymbol"/>
-              <a:buChar char=""/>
-            </a:pPr>
-            <a:r>
-              <a:rPr lang="en-US" sz="3200">
-                <a:latin typeface="Arial"/>
+              <a:buChar char="l"/>
+            </a:pPr>
+            <a:r>
+              <a:rPr lang="en-US" sz="3200" strike="noStrike">
+                <a:solidFill>
+                  <a:srgbClr val="000000"/>
+                </a:solidFill>
+                <a:latin typeface="Arial"/>
+                <a:ea typeface="DejaVu Sans"/>
               </a:rPr>
               <a:t>ApplePay</a:t>
             </a:r>
@@ -2408,14 +3943,14 @@
       </p:grpSpPr>
       <p:sp>
         <p:nvSpPr>
-          <p:cNvPr id="51" name="TextShape 1"/>
-          <p:cNvSpPr txBox="1"/>
+          <p:cNvPr id="84" name="CustomShape 1"/>
+          <p:cNvSpPr/>
           <p:nvPr/>
         </p:nvSpPr>
         <p:spPr>
           <a:xfrm>
             <a:off x="504000" y="301320"/>
-            <a:ext cx="9071640" cy="887400"/>
+            <a:ext cx="9070920" cy="886680"/>
           </a:xfrm>
           <a:prstGeom prst="rect">
             <a:avLst/>
@@ -2425,13 +3960,27 @@
             <a:noFill/>
           </a:ln>
         </p:spPr>
+        <p:style>
+          <a:lnRef idx="0"/>
+          <a:fillRef idx="0"/>
+          <a:effectRef idx="0"/>
+          <a:fontRef idx="minor"/>
+        </p:style>
         <p:txBody>
           <a:bodyPr lIns="0" rIns="0" tIns="0" bIns="0" anchor="ctr"/>
           <a:p>
-            <a:pPr algn="ctr"/>
-            <a:r>
-              <a:rPr lang="en-US" sz="4400">
-                <a:latin typeface="Arial"/>
+            <a:pPr algn="ctr">
+              <a:lnSpc>
+                <a:spcPct val="100000"/>
+              </a:lnSpc>
+            </a:pPr>
+            <a:r>
+              <a:rPr lang="en-US" sz="4400" strike="noStrike">
+                <a:solidFill>
+                  <a:srgbClr val="000000"/>
+                </a:solidFill>
+                <a:latin typeface="Arial"/>
+                <a:ea typeface="DejaVu Sans"/>
               </a:rPr>
               <a:t>Use Cases</a:t>
             </a:r>
@@ -2441,14 +3990,14 @@
       </p:sp>
       <p:sp>
         <p:nvSpPr>
-          <p:cNvPr id="52" name="TextShape 2"/>
-          <p:cNvSpPr txBox="1"/>
+          <p:cNvPr id="85" name="CustomShape 2"/>
+          <p:cNvSpPr/>
           <p:nvPr/>
         </p:nvSpPr>
         <p:spPr>
           <a:xfrm>
             <a:off x="504000" y="1371600"/>
-            <a:ext cx="9071640" cy="5577840"/>
+            <a:ext cx="9070920" cy="5577120"/>
           </a:xfrm>
           <a:prstGeom prst="rect">
             <a:avLst/>
@@ -2458,17 +4007,30 @@
             <a:noFill/>
           </a:ln>
         </p:spPr>
+        <p:style>
+          <a:lnRef idx="0"/>
+          <a:fillRef idx="0"/>
+          <a:effectRef idx="0"/>
+          <a:fontRef idx="minor"/>
+        </p:style>
         <p:txBody>
           <a:bodyPr lIns="0" rIns="0" tIns="0" bIns="0"/>
           <a:p>
             <a:pPr>
+              <a:lnSpc>
+                <a:spcPct val="100000"/>
+              </a:lnSpc>
               <a:buSzPct val="45000"/>
               <a:buFont typeface="StarSymbol"/>
-              <a:buChar char=""/>
-            </a:pPr>
-            <a:r>
-              <a:rPr lang="en-US" sz="3200">
-                <a:latin typeface="Arial"/>
+              <a:buChar char="l"/>
+            </a:pPr>
+            <a:r>
+              <a:rPr lang="en-US" sz="3200" strike="noStrike">
+                <a:solidFill>
+                  <a:srgbClr val="000000"/>
+                </a:solidFill>
+                <a:latin typeface="Arial"/>
+                <a:ea typeface="DejaVu Sans"/>
               </a:rPr>
               <a:t>Home Delivery: Flipkart, Snapdeal, Vegetables, Grocery, Pizza, …</a:t>
             </a:r>
@@ -2476,13 +4038,20 @@
           </a:p>
           <a:p>
             <a:pPr>
+              <a:lnSpc>
+                <a:spcPct val="100000"/>
+              </a:lnSpc>
               <a:buSzPct val="45000"/>
               <a:buFont typeface="StarSymbol"/>
-              <a:buChar char=""/>
-            </a:pPr>
-            <a:r>
-              <a:rPr lang="en-US" sz="3200">
-                <a:latin typeface="Arial"/>
+              <a:buChar char="l"/>
+            </a:pPr>
+            <a:r>
+              <a:rPr lang="en-US" sz="3200" strike="noStrike">
+                <a:solidFill>
+                  <a:srgbClr val="000000"/>
+                </a:solidFill>
+                <a:latin typeface="Arial"/>
+                <a:ea typeface="DejaVu Sans"/>
               </a:rPr>
               <a:t>Taxi: Ola, Taxi For Sure, …</a:t>
             </a:r>
@@ -2490,13 +4059,20 @@
           </a:p>
           <a:p>
             <a:pPr>
+              <a:lnSpc>
+                <a:spcPct val="100000"/>
+              </a:lnSpc>
               <a:buSzPct val="45000"/>
               <a:buFont typeface="StarSymbol"/>
-              <a:buChar char=""/>
-            </a:pPr>
-            <a:r>
-              <a:rPr lang="en-US" sz="3200">
-                <a:latin typeface="Arial"/>
+              <a:buChar char="l"/>
+            </a:pPr>
+            <a:r>
+              <a:rPr lang="en-US" sz="3200" strike="noStrike">
+                <a:solidFill>
+                  <a:srgbClr val="000000"/>
+                </a:solidFill>
+                <a:latin typeface="Arial"/>
+                <a:ea typeface="DejaVu Sans"/>
               </a:rPr>
               <a:t>Shops: Compromised Swiping Machines (EFT POS)</a:t>
             </a:r>
@@ -2504,15 +4080,22 @@
           </a:p>
           <a:p>
             <a:pPr>
+              <a:lnSpc>
+                <a:spcPct val="100000"/>
+              </a:lnSpc>
               <a:buSzPct val="45000"/>
               <a:buFont typeface="StarSymbol"/>
-              <a:buChar char=""/>
-            </a:pPr>
-            <a:r>
-              <a:rPr lang="en-US" sz="3200">
-                <a:latin typeface="Arial"/>
-              </a:rPr>
-              <a:t>Restaurants: They can just print the QR code containing bill details and the QuickMPay app can scan it and make payment.</a:t>
+              <a:buChar char="l"/>
+            </a:pPr>
+            <a:r>
+              <a:rPr lang="en-US" sz="3200" strike="noStrike">
+                <a:solidFill>
+                  <a:srgbClr val="000000"/>
+                </a:solidFill>
+                <a:latin typeface="Arial"/>
+                <a:ea typeface="DejaVu Sans"/>
+              </a:rPr>
+              <a:t>Restaurants: They can just print the QR code containing bill details and the customer's QuickMPay app can scan it and make payment. No need to hand over credit card to staff.</a:t>
             </a:r>
             <a:endParaRPr/>
           </a:p>
@@ -2569,14 +4152,14 @@
       </p:grpSpPr>
       <p:sp>
         <p:nvSpPr>
-          <p:cNvPr id="53" name="TextShape 1"/>
-          <p:cNvSpPr txBox="1"/>
+          <p:cNvPr id="86" name="CustomShape 1"/>
+          <p:cNvSpPr/>
           <p:nvPr/>
         </p:nvSpPr>
         <p:spPr>
           <a:xfrm>
             <a:off x="504000" y="301320"/>
-            <a:ext cx="9071640" cy="887400"/>
+            <a:ext cx="9070920" cy="886680"/>
           </a:xfrm>
           <a:prstGeom prst="rect">
             <a:avLst/>
@@ -2586,13 +4169,27 @@
             <a:noFill/>
           </a:ln>
         </p:spPr>
+        <p:style>
+          <a:lnRef idx="0"/>
+          <a:fillRef idx="0"/>
+          <a:effectRef idx="0"/>
+          <a:fontRef idx="minor"/>
+        </p:style>
         <p:txBody>
           <a:bodyPr lIns="0" rIns="0" tIns="0" bIns="0" anchor="ctr"/>
           <a:p>
-            <a:pPr algn="ctr"/>
-            <a:r>
-              <a:rPr lang="en-US" sz="4400">
-                <a:latin typeface="Arial"/>
+            <a:pPr algn="ctr">
+              <a:lnSpc>
+                <a:spcPct val="100000"/>
+              </a:lnSpc>
+            </a:pPr>
+            <a:r>
+              <a:rPr lang="en-US" sz="4400" strike="noStrike">
+                <a:solidFill>
+                  <a:srgbClr val="000000"/>
+                </a:solidFill>
+                <a:latin typeface="Arial"/>
+                <a:ea typeface="DejaVu Sans"/>
               </a:rPr>
               <a:t>Monetization Models</a:t>
             </a:r>
@@ -2602,14 +4199,14 @@
       </p:sp>
       <p:sp>
         <p:nvSpPr>
-          <p:cNvPr id="54" name="TextShape 2"/>
-          <p:cNvSpPr txBox="1"/>
+          <p:cNvPr id="87" name="CustomShape 2"/>
+          <p:cNvSpPr/>
           <p:nvPr/>
         </p:nvSpPr>
         <p:spPr>
           <a:xfrm>
             <a:off x="504000" y="1371600"/>
-            <a:ext cx="9071640" cy="5577840"/>
+            <a:ext cx="9070920" cy="5577120"/>
           </a:xfrm>
           <a:prstGeom prst="rect">
             <a:avLst/>
@@ -2619,17 +4216,30 @@
             <a:noFill/>
           </a:ln>
         </p:spPr>
+        <p:style>
+          <a:lnRef idx="0"/>
+          <a:fillRef idx="0"/>
+          <a:effectRef idx="0"/>
+          <a:fontRef idx="minor"/>
+        </p:style>
         <p:txBody>
           <a:bodyPr lIns="0" rIns="0" tIns="0" bIns="0"/>
           <a:p>
             <a:pPr>
+              <a:lnSpc>
+                <a:spcPct val="100000"/>
+              </a:lnSpc>
               <a:buSzPct val="45000"/>
               <a:buFont typeface="StarSymbol"/>
-              <a:buChar char=""/>
-            </a:pPr>
-            <a:r>
-              <a:rPr lang="en-US" sz="3200">
-                <a:latin typeface="Arial"/>
+              <a:buChar char="l"/>
+            </a:pPr>
+            <a:r>
+              <a:rPr lang="en-US" sz="3200" strike="noStrike">
+                <a:solidFill>
+                  <a:srgbClr val="000000"/>
+                </a:solidFill>
+                <a:latin typeface="Arial"/>
+                <a:ea typeface="DejaVu Sans"/>
               </a:rPr>
               <a:t>Paid App for Vendors</a:t>
             </a:r>
@@ -2637,13 +4247,20 @@
           </a:p>
           <a:p>
             <a:pPr>
+              <a:lnSpc>
+                <a:spcPct val="100000"/>
+              </a:lnSpc>
               <a:buSzPct val="45000"/>
               <a:buFont typeface="StarSymbol"/>
-              <a:buChar char=""/>
-            </a:pPr>
-            <a:r>
-              <a:rPr lang="en-US" sz="3200">
-                <a:latin typeface="Arial"/>
+              <a:buChar char="l"/>
+            </a:pPr>
+            <a:r>
+              <a:rPr lang="en-US" sz="3200" strike="noStrike">
+                <a:solidFill>
+                  <a:srgbClr val="000000"/>
+                </a:solidFill>
+                <a:latin typeface="Arial"/>
+                <a:ea typeface="DejaVu Sans"/>
               </a:rPr>
               <a:t>Charging a percentage per transaction</a:t>
             </a:r>
@@ -2651,13 +4268,20 @@
           </a:p>
           <a:p>
             <a:pPr>
+              <a:lnSpc>
+                <a:spcPct val="100000"/>
+              </a:lnSpc>
               <a:buSzPct val="45000"/>
               <a:buFont typeface="StarSymbol"/>
-              <a:buChar char=""/>
-            </a:pPr>
-            <a:r>
-              <a:rPr lang="en-US" sz="3200">
-                <a:latin typeface="Arial"/>
+              <a:buChar char="l"/>
+            </a:pPr>
+            <a:r>
+              <a:rPr lang="en-US" sz="3200" strike="noStrike">
+                <a:solidFill>
+                  <a:srgbClr val="000000"/>
+                </a:solidFill>
+                <a:latin typeface="Arial"/>
+                <a:ea typeface="DejaVu Sans"/>
               </a:rPr>
               <a:t>Working with major vendors to integrate with their apps</a:t>
             </a:r>
@@ -2665,13 +4289,20 @@
           </a:p>
           <a:p>
             <a:pPr lvl="1">
+              <a:lnSpc>
+                <a:spcPct val="100000"/>
+              </a:lnSpc>
               <a:buSzPct val="75000"/>
               <a:buFont typeface="StarSymbol"/>
-              <a:buChar char=""/>
-            </a:pPr>
-            <a:r>
-              <a:rPr lang="en-US" sz="2800">
-                <a:latin typeface="Arial"/>
+              <a:buChar char="l"/>
+            </a:pPr>
+            <a:r>
+              <a:rPr lang="en-US" sz="2800" strike="noStrike">
+                <a:solidFill>
+                  <a:srgbClr val="000000"/>
+                </a:solidFill>
+                <a:latin typeface="Arial"/>
+                <a:ea typeface="DejaVu Sans"/>
               </a:rPr>
               <a:t>Flipkart, Snapdeal, Ola, Taxi for sure: Rich mobile apps.</a:t>
             </a:r>
@@ -2679,23 +4310,30 @@
           </a:p>
           <a:p>
             <a:pPr lvl="1">
+              <a:lnSpc>
+                <a:spcPct val="100000"/>
+              </a:lnSpc>
               <a:buSzPct val="75000"/>
               <a:buFont typeface="StarSymbol"/>
-              <a:buChar char=""/>
-            </a:pPr>
-            <a:r>
-              <a:rPr lang="en-US" sz="2800">
-                <a:latin typeface="Arial"/>
+              <a:buChar char="l"/>
+            </a:pPr>
+            <a:r>
+              <a:rPr lang="en-US" sz="2800" strike="noStrike">
+                <a:solidFill>
+                  <a:srgbClr val="000000"/>
+                </a:solidFill>
+                <a:latin typeface="Arial"/>
+                <a:ea typeface="DejaVu Sans"/>
               </a:rPr>
               <a:t>Vendor apps to work with QuickMPay customer app</a:t>
             </a:r>
             <a:endParaRPr/>
           </a:p>
           <a:p>
-            <a:pPr lvl="1">
-              <a:buSzPct val="75000"/>
-              <a:buFont typeface="StarSymbol"/>
-              <a:buChar char=""/>
+            <a:pPr>
+              <a:lnSpc>
+                <a:spcPct val="100000"/>
+              </a:lnSpc>
             </a:pPr>
             <a:endParaRPr/>
           </a:p>
@@ -2954,4 +4592,227 @@
     </a:fmtScheme>
   </a:themeElements>
 </a:theme>
+</file>
+
+<file path=ppt/theme/theme2.xml><?xml version="1.0" encoding="utf-8"?>
+<a:theme xmlns:a="http://schemas.openxmlformats.org/drawingml/2006/main" name="Office Theme">
+  <a:themeElements>
+    <a:clrScheme name="Office">
+      <a:dk1>
+        <a:sysClr val="windowText" lastClr="000000"/>
+      </a:dk1>
+      <a:lt1>
+        <a:sysClr val="window" lastClr="FFFFFF"/>
+      </a:lt1>
+      <a:dk2>
+        <a:srgbClr val="1F497D"/>
+      </a:dk2>
+      <a:lt2>
+        <a:srgbClr val="EEECE1"/>
+      </a:lt2>
+      <a:accent1>
+        <a:srgbClr val="4F81BD"/>
+      </a:accent1>
+      <a:accent2>
+        <a:srgbClr val="C0504D"/>
+      </a:accent2>
+      <a:accent3>
+        <a:srgbClr val="9BBB59"/>
+      </a:accent3>
+      <a:accent4>
+        <a:srgbClr val="8064A2"/>
+      </a:accent4>
+      <a:accent5>
+        <a:srgbClr val="4BACC6"/>
+      </a:accent5>
+      <a:accent6>
+        <a:srgbClr val="F79646"/>
+      </a:accent6>
+      <a:hlink>
+        <a:srgbClr val="0000FF"/>
+      </a:hlink>
+      <a:folHlink>
+        <a:srgbClr val="800080"/>
+      </a:folHlink>
+    </a:clrScheme>
+    <a:fontScheme name="Office">
+      <a:majorFont>
+        <a:latin typeface="Arial"/>
+        <a:ea typeface="DejaVu Sans"/>
+        <a:cs typeface="DejaVu Sans"/>
+      </a:majorFont>
+      <a:minorFont>
+        <a:latin typeface="Arial"/>
+        <a:ea typeface="DejaVu Sans"/>
+        <a:cs typeface="DejaVu Sans"/>
+      </a:minorFont>
+    </a:fontScheme>
+    <a:fmtScheme name="Office">
+      <a:fillStyleLst>
+        <a:solidFill>
+          <a:schemeClr val="phClr"/>
+        </a:solidFill>
+        <a:gradFill rotWithShape="1">
+          <a:gsLst>
+            <a:gs pos="0">
+              <a:schemeClr val="phClr">
+                <a:tint val="50000"/>
+                <a:satMod val="300000"/>
+              </a:schemeClr>
+            </a:gs>
+            <a:gs pos="35000">
+              <a:schemeClr val="phClr">
+                <a:tint val="37000"/>
+                <a:satMod val="300000"/>
+              </a:schemeClr>
+            </a:gs>
+            <a:gs pos="100000">
+              <a:schemeClr val="phClr">
+                <a:tint val="15000"/>
+                <a:satMod val="350000"/>
+              </a:schemeClr>
+            </a:gs>
+          </a:gsLst>
+          <a:lin ang="16200000" scaled="1"/>
+        </a:gradFill>
+        <a:gradFill rotWithShape="1">
+          <a:gsLst>
+            <a:gs pos="0">
+              <a:schemeClr val="phClr">
+                <a:shade val="51000"/>
+                <a:satMod val="130000"/>
+              </a:schemeClr>
+            </a:gs>
+            <a:gs pos="80000">
+              <a:schemeClr val="phClr">
+                <a:shade val="93000"/>
+                <a:satMod val="130000"/>
+              </a:schemeClr>
+            </a:gs>
+            <a:gs pos="100000">
+              <a:schemeClr val="phClr">
+                <a:shade val="94000"/>
+                <a:satMod val="135000"/>
+              </a:schemeClr>
+            </a:gs>
+          </a:gsLst>
+          <a:lin ang="16200000" scaled="0"/>
+        </a:gradFill>
+      </a:fillStyleLst>
+      <a:lnStyleLst>
+        <a:ln w="9525" cap="flat" cmpd="sng" algn="ctr">
+          <a:solidFill>
+            <a:schemeClr val="phClr">
+              <a:shade val="95000"/>
+              <a:satMod val="105000"/>
+            </a:schemeClr>
+          </a:solidFill>
+          <a:prstDash val="solid"/>
+        </a:ln>
+        <a:ln w="25400" cap="flat" cmpd="sng" algn="ctr">
+          <a:solidFill>
+            <a:schemeClr val="phClr"/>
+          </a:solidFill>
+          <a:prstDash val="solid"/>
+        </a:ln>
+        <a:ln w="38100" cap="flat" cmpd="sng" algn="ctr">
+          <a:solidFill>
+            <a:schemeClr val="phClr"/>
+          </a:solidFill>
+          <a:prstDash val="solid"/>
+        </a:ln>
+      </a:lnStyleLst>
+      <a:effectStyleLst>
+        <a:effectStyle>
+          <a:effectLst>
+            <a:outerShdw blurRad="40000" dist="20000" dir="5400000" rotWithShape="0">
+              <a:srgbClr val="000000">
+                <a:alpha val="38000"/>
+              </a:srgbClr>
+            </a:outerShdw>
+          </a:effectLst>
+        </a:effectStyle>
+        <a:effectStyle>
+          <a:effectLst>
+            <a:outerShdw blurRad="40000" dist="23000" dir="5400000" rotWithShape="0">
+              <a:srgbClr val="000000">
+                <a:alpha val="35000"/>
+              </a:srgbClr>
+            </a:outerShdw>
+          </a:effectLst>
+        </a:effectStyle>
+        <a:effectStyle>
+          <a:effectLst>
+            <a:outerShdw blurRad="40000" dist="23000" dir="5400000" rotWithShape="0">
+              <a:srgbClr val="000000">
+                <a:alpha val="35000"/>
+              </a:srgbClr>
+            </a:outerShdw>
+          </a:effectLst>
+          <a:scene3d>
+            <a:camera prst="orthographicFront">
+              <a:rot lat="0" lon="0" rev="0"/>
+            </a:camera>
+            <a:lightRig rig="threePt" dir="t">
+              <a:rot lat="0" lon="0" rev="1200000"/>
+            </a:lightRig>
+          </a:scene3d>
+          <a:sp3d>
+            <a:bevelT w="63500" h="25400"/>
+          </a:sp3d>
+        </a:effectStyle>
+      </a:effectStyleLst>
+      <a:bgFillStyleLst>
+        <a:solidFill>
+          <a:schemeClr val="phClr"/>
+        </a:solidFill>
+        <a:gradFill rotWithShape="1">
+          <a:gsLst>
+            <a:gs pos="0">
+              <a:schemeClr val="phClr">
+                <a:tint val="40000"/>
+                <a:satMod val="350000"/>
+              </a:schemeClr>
+            </a:gs>
+            <a:gs pos="40000">
+              <a:schemeClr val="phClr">
+                <a:tint val="45000"/>
+                <a:shade val="99000"/>
+                <a:satMod val="350000"/>
+              </a:schemeClr>
+            </a:gs>
+            <a:gs pos="100000">
+              <a:schemeClr val="phClr">
+                <a:shade val="20000"/>
+                <a:satMod val="255000"/>
+              </a:schemeClr>
+            </a:gs>
+          </a:gsLst>
+          <a:path path="circle">
+            <a:fillToRect l="50000" t="-80000" r="50000" b="180000"/>
+          </a:path>
+        </a:gradFill>
+        <a:gradFill rotWithShape="1">
+          <a:gsLst>
+            <a:gs pos="0">
+              <a:schemeClr val="phClr">
+                <a:tint val="80000"/>
+                <a:satMod val="300000"/>
+              </a:schemeClr>
+            </a:gs>
+            <a:gs pos="100000">
+              <a:schemeClr val="phClr">
+                <a:shade val="30000"/>
+                <a:satMod val="200000"/>
+              </a:schemeClr>
+            </a:gs>
+          </a:gsLst>
+          <a:path path="circle">
+            <a:fillToRect l="50000" t="50000" r="50000" b="50000"/>
+          </a:path>
+        </a:gradFill>
+      </a:bgFillStyleLst>
+    </a:fmtScheme>
+  </a:themeElements>
+</a:theme>
 </file>
--- a/QuickMPay.pptx
+++ b/QuickMPay.pptx
@@ -2358,7 +2358,7 @@
         <p:spPr>
           <a:xfrm>
             <a:off x="504000" y="301320"/>
-            <a:ext cx="9070920" cy="1261440"/>
+            <a:ext cx="9072000" cy="1261800"/>
           </a:xfrm>
           <a:prstGeom prst="rect">
             <a:avLst/>
@@ -2368,6 +2368,12 @@
           <a:bodyPr lIns="0" rIns="0" tIns="0" bIns="0" anchor="ctr"/>
           <a:p>
             <a:pPr algn="ctr"/>
+            <a:r>
+              <a:rPr lang="en-US" sz="4400">
+                <a:latin typeface="Arial"/>
+              </a:rPr>
+              <a:t>Click to edit the title text format</a:t>
+            </a:r>
             <a:endParaRPr/>
           </a:p>
         </p:txBody>
@@ -2384,8 +2390,8 @@
         </p:nvSpPr>
         <p:spPr>
           <a:xfrm>
-            <a:off x="504000" y="1769040"/>
-            <a:ext cx="9070920" cy="4383720"/>
+            <a:off x="504000" y="1768680"/>
+            <a:ext cx="9072000" cy="4384080"/>
           </a:xfrm>
           <a:prstGeom prst="rect">
             <a:avLst/>
@@ -2400,7 +2406,7 @@
               <a:buChar char=""/>
             </a:pPr>
             <a:r>
-              <a:rPr lang="en-US">
+              <a:rPr lang="en-US" sz="3200">
                 <a:latin typeface="Arial"/>
               </a:rPr>
               <a:t>Click to edit the outline text format</a:t>
@@ -2414,7 +2420,7 @@
               <a:buChar char=""/>
             </a:pPr>
             <a:r>
-              <a:rPr lang="en-US">
+              <a:rPr lang="en-US" sz="2800">
                 <a:latin typeface="Arial"/>
               </a:rPr>
               <a:t>Second Outline Level</a:t>
@@ -2428,7 +2434,7 @@
               <a:buChar char=""/>
             </a:pPr>
             <a:r>
-              <a:rPr lang="en-US">
+              <a:rPr lang="en-US" sz="2400">
                 <a:latin typeface="Arial"/>
               </a:rPr>
               <a:t>Third Outline Level</a:t>
@@ -2442,7 +2448,7 @@
               <a:buChar char=""/>
             </a:pPr>
             <a:r>
-              <a:rPr lang="en-US">
+              <a:rPr lang="en-US" sz="2000">
                 <a:latin typeface="Arial"/>
               </a:rPr>
               <a:t>Fourth Outline Level</a:t>
@@ -2456,7 +2462,7 @@
               <a:buChar char=""/>
             </a:pPr>
             <a:r>
-              <a:rPr lang="en-US">
+              <a:rPr lang="en-US" sz="2000">
                 <a:latin typeface="Arial"/>
               </a:rPr>
               <a:t>Fifth Outline Level</a:t>
@@ -2470,7 +2476,7 @@
               <a:buChar char=""/>
             </a:pPr>
             <a:r>
-              <a:rPr lang="en-US">
+              <a:rPr lang="en-US" sz="2000">
                 <a:latin typeface="Arial"/>
               </a:rPr>
               <a:t>Sixth Outline Level</a:t>
@@ -2484,7 +2490,7 @@
               <a:buChar char=""/>
             </a:pPr>
             <a:r>
-              <a:rPr lang="en-US">
+              <a:rPr lang="en-US" sz="2000">
                 <a:latin typeface="Arial"/>
               </a:rPr>
               <a:t>Seventh Outline Level</a:t>
@@ -2730,7 +2736,7 @@
         <p:spPr>
           <a:xfrm>
             <a:off x="504000" y="229320"/>
-            <a:ext cx="9070920" cy="1261440"/>
+            <a:ext cx="9070560" cy="1261080"/>
           </a:xfrm>
           <a:prstGeom prst="rect">
             <a:avLst/>
@@ -2777,7 +2783,7 @@
         <p:spPr>
           <a:xfrm>
             <a:off x="504000" y="1563480"/>
-            <a:ext cx="9070920" cy="4589280"/>
+            <a:ext cx="9070560" cy="4588920"/>
           </a:xfrm>
           <a:prstGeom prst="rect">
             <a:avLst/>
@@ -2891,7 +2897,7 @@
         <p:spPr>
           <a:xfrm>
             <a:off x="504000" y="301320"/>
-            <a:ext cx="9070920" cy="886680"/>
+            <a:ext cx="9070560" cy="886320"/>
           </a:xfrm>
           <a:prstGeom prst="rect">
             <a:avLst/>
@@ -2938,7 +2944,7 @@
         <p:spPr>
           <a:xfrm>
             <a:off x="504000" y="1563480"/>
-            <a:ext cx="9070920" cy="5293800"/>
+            <a:ext cx="9070560" cy="5293440"/>
           </a:xfrm>
           <a:prstGeom prst="rect">
             <a:avLst/>
@@ -2963,7 +2969,7 @@
               </a:lnSpc>
               <a:buSzPct val="45000"/>
               <a:buFont typeface="StarSymbol"/>
-              <a:buChar char="l"/>
+              <a:buChar char=""/>
             </a:pPr>
             <a:r>
               <a:rPr lang="en-US" sz="3200" strike="noStrike">
@@ -2982,9 +2988,9 @@
               <a:lnSpc>
                 <a:spcPct val="100000"/>
               </a:lnSpc>
-              <a:buSzPct val="75000"/>
+              <a:buSzPct val="45000"/>
               <a:buFont typeface="StarSymbol"/>
-              <a:buChar char="l"/>
+              <a:buChar char=""/>
             </a:pPr>
             <a:r>
               <a:rPr lang="en-US" sz="2800" strike="noStrike">
@@ -3003,9 +3009,9 @@
               <a:lnSpc>
                 <a:spcPct val="100000"/>
               </a:lnSpc>
-              <a:buSzPct val="75000"/>
+              <a:buSzPct val="45000"/>
               <a:buFont typeface="StarSymbol"/>
-              <a:buChar char="l"/>
+              <a:buChar char=""/>
             </a:pPr>
             <a:r>
               <a:rPr lang="en-US" sz="2800" strike="noStrike">
@@ -3026,7 +3032,7 @@
               </a:lnSpc>
               <a:buSzPct val="45000"/>
               <a:buFont typeface="StarSymbol"/>
-              <a:buChar char="l"/>
+              <a:buChar char=""/>
             </a:pPr>
             <a:r>
               <a:rPr lang="en-US" sz="3200" strike="noStrike">
@@ -3047,7 +3053,7 @@
               </a:lnSpc>
               <a:buSzPct val="45000"/>
               <a:buFont typeface="StarSymbol"/>
-              <a:buChar char="l"/>
+              <a:buChar char=""/>
             </a:pPr>
             <a:r>
               <a:rPr lang="en-US" sz="3200" strike="noStrike">
@@ -3068,7 +3074,7 @@
               </a:lnSpc>
               <a:buSzPct val="45000"/>
               <a:buFont typeface="StarSymbol"/>
-              <a:buChar char="l"/>
+              <a:buChar char=""/>
             </a:pPr>
             <a:r>
               <a:rPr lang="en-US" sz="3200" strike="noStrike">
@@ -3089,7 +3095,7 @@
               </a:lnSpc>
               <a:buSzPct val="45000"/>
               <a:buFont typeface="StarSymbol"/>
-              <a:buChar char="l"/>
+              <a:buChar char=""/>
             </a:pPr>
             <a:r>
               <a:rPr lang="en-US" sz="3200" strike="noStrike">
@@ -3110,7 +3116,7 @@
               </a:lnSpc>
               <a:buSzPct val="45000"/>
               <a:buFont typeface="StarSymbol"/>
-              <a:buChar char="l"/>
+              <a:buChar char=""/>
             </a:pPr>
             <a:r>
               <a:rPr lang="en-US" sz="3200" strike="noStrike">
@@ -3184,7 +3190,7 @@
         <p:spPr>
           <a:xfrm>
             <a:off x="504000" y="301320"/>
-            <a:ext cx="9070920" cy="886680"/>
+            <a:ext cx="9070560" cy="886320"/>
           </a:xfrm>
           <a:prstGeom prst="rect">
             <a:avLst/>
@@ -3231,7 +3237,7 @@
         <p:spPr>
           <a:xfrm>
             <a:off x="504000" y="1371600"/>
-            <a:ext cx="9070920" cy="5577120"/>
+            <a:ext cx="9070560" cy="5576760"/>
           </a:xfrm>
           <a:prstGeom prst="rect">
             <a:avLst/>
@@ -3256,7 +3262,7 @@
               </a:lnSpc>
               <a:buSzPct val="45000"/>
               <a:buFont typeface="StarSymbol"/>
-              <a:buChar char="l"/>
+              <a:buChar char=""/>
             </a:pPr>
             <a:r>
               <a:rPr lang="en-US" sz="3200" strike="noStrike">
@@ -3269,6 +3275,16 @@
               <a:t>Secure Option: Customer's Card Details not sent to Vendor's Mobile (Demo at </a:t>
             </a:r>
             <a:r>
+              <a:rPr lang="en-US" sz="3200" strike="noStrike" u="sng">
+                <a:solidFill>
+                  <a:srgbClr val="3333ff"/>
+                </a:solidFill>
+                <a:latin typeface="Arial"/>
+                <a:ea typeface="DejaVu Sans"/>
+              </a:rPr>
+              <a:t>http://klonikar.github.io/quickmpay.html</a:t>
+            </a:r>
+            <a:r>
               <a:rPr lang="en-US" sz="3200" strike="noStrike">
                 <a:solidFill>
                   <a:srgbClr val="000000"/>
@@ -3276,22 +3292,12 @@
                 <a:latin typeface="Arial"/>
                 <a:ea typeface="DejaVu Sans"/>
               </a:rPr>
-              <a:t>http://klonikar.github.io/quickmpay.html</a:t>
-            </a:r>
-            <a:r>
-              <a:rPr lang="en-US" sz="3200" strike="noStrike">
+              <a:t> and </a:t>
+            </a:r>
+            <a:r>
+              <a:rPr lang="en-US" sz="3200" strike="noStrike" u="sng">
                 <a:solidFill>
-                  <a:srgbClr val="000000"/>
-                </a:solidFill>
-                <a:latin typeface="Arial"/>
-                <a:ea typeface="DejaVu Sans"/>
-              </a:rPr>
-              <a:t> and </a:t>
-            </a:r>
-            <a:r>
-              <a:rPr lang="en-US" sz="3200" strike="noStrike">
-                <a:solidFill>
-                  <a:srgbClr val="000000"/>
+                  <a:srgbClr val="3333ff"/>
                 </a:solidFill>
                 <a:latin typeface="Arial"/>
                 <a:ea typeface="DejaVu Sans"/>
@@ -3378,7 +3384,7 @@
         <p:spPr>
           <a:xfrm>
             <a:off x="504000" y="301320"/>
-            <a:ext cx="9070920" cy="886680"/>
+            <a:ext cx="9070560" cy="886320"/>
           </a:xfrm>
           <a:prstGeom prst="rect">
             <a:avLst/>
@@ -3425,7 +3431,7 @@
         <p:spPr>
           <a:xfrm>
             <a:off x="504000" y="1371600"/>
-            <a:ext cx="9070920" cy="5577120"/>
+            <a:ext cx="9070560" cy="5576760"/>
           </a:xfrm>
           <a:prstGeom prst="rect">
             <a:avLst/>
@@ -3450,7 +3456,7 @@
               </a:lnSpc>
               <a:buSzPct val="45000"/>
               <a:buFont typeface="StarSymbol"/>
-              <a:buChar char="l"/>
+              <a:buChar char=""/>
             </a:pPr>
             <a:r>
               <a:rPr lang="en-US" sz="3200" strike="noStrike">
@@ -3532,7 +3538,7 @@
         <p:spPr>
           <a:xfrm>
             <a:off x="504000" y="301320"/>
-            <a:ext cx="9070920" cy="886680"/>
+            <a:ext cx="9070560" cy="886320"/>
           </a:xfrm>
           <a:prstGeom prst="rect">
             <a:avLst/>
@@ -3579,7 +3585,7 @@
         <p:spPr>
           <a:xfrm>
             <a:off x="504000" y="1371600"/>
-            <a:ext cx="9070920" cy="5577120"/>
+            <a:ext cx="9070560" cy="5576760"/>
           </a:xfrm>
           <a:prstGeom prst="rect">
             <a:avLst/>
@@ -3604,7 +3610,7 @@
               </a:lnSpc>
               <a:buSzPct val="45000"/>
               <a:buFont typeface="StarSymbol"/>
-              <a:buChar char="l"/>
+              <a:buChar char=""/>
             </a:pPr>
             <a:r>
               <a:rPr lang="en-US" sz="3200" strike="noStrike">
@@ -3625,7 +3631,7 @@
               </a:lnSpc>
               <a:buSzPct val="45000"/>
               <a:buFont typeface="StarSymbol"/>
-              <a:buChar char="l"/>
+              <a:buChar char=""/>
             </a:pPr>
             <a:r>
               <a:rPr lang="en-US" sz="3200" strike="noStrike">
@@ -3646,7 +3652,7 @@
               </a:lnSpc>
               <a:buSzPct val="45000"/>
               <a:buFont typeface="StarSymbol"/>
-              <a:buChar char="l"/>
+              <a:buChar char=""/>
             </a:pPr>
             <a:r>
               <a:rPr lang="en-US" sz="3200" strike="noStrike">
@@ -3667,7 +3673,7 @@
               </a:lnSpc>
               <a:buSzPct val="45000"/>
               <a:buFont typeface="StarSymbol"/>
-              <a:buChar char="l"/>
+              <a:buChar char=""/>
             </a:pPr>
             <a:r>
               <a:rPr lang="en-US" sz="3200" strike="noStrike">
@@ -3688,7 +3694,7 @@
               </a:lnSpc>
               <a:buSzPct val="45000"/>
               <a:buFont typeface="StarSymbol"/>
-              <a:buChar char="l"/>
+              <a:buChar char=""/>
             </a:pPr>
             <a:r>
               <a:rPr lang="en-US" sz="3200" strike="noStrike">
@@ -3762,7 +3768,7 @@
         <p:spPr>
           <a:xfrm>
             <a:off x="504000" y="301320"/>
-            <a:ext cx="9070920" cy="886680"/>
+            <a:ext cx="9070560" cy="886320"/>
           </a:xfrm>
           <a:prstGeom prst="rect">
             <a:avLst/>
@@ -3809,7 +3815,7 @@
         <p:spPr>
           <a:xfrm>
             <a:off x="504000" y="1371600"/>
-            <a:ext cx="9070920" cy="5577120"/>
+            <a:ext cx="9070560" cy="5576760"/>
           </a:xfrm>
           <a:prstGeom prst="rect">
             <a:avLst/>
@@ -3834,7 +3840,7 @@
               </a:lnSpc>
               <a:buSzPct val="45000"/>
               <a:buFont typeface="StarSymbol"/>
-              <a:buChar char="l"/>
+              <a:buChar char=""/>
             </a:pPr>
             <a:r>
               <a:rPr lang="en-US" sz="3200" strike="noStrike">
@@ -3855,7 +3861,7 @@
               </a:lnSpc>
               <a:buSzPct val="45000"/>
               <a:buFont typeface="StarSymbol"/>
-              <a:buChar char="l"/>
+              <a:buChar char=""/>
             </a:pPr>
             <a:r>
               <a:rPr lang="en-US" sz="3200" strike="noStrike">
@@ -3876,7 +3882,7 @@
               </a:lnSpc>
               <a:buSzPct val="45000"/>
               <a:buFont typeface="StarSymbol"/>
-              <a:buChar char="l"/>
+              <a:buChar char=""/>
             </a:pPr>
             <a:r>
               <a:rPr lang="en-US" sz="3200" strike="noStrike">
@@ -3950,7 +3956,7 @@
         <p:spPr>
           <a:xfrm>
             <a:off x="504000" y="301320"/>
-            <a:ext cx="9070920" cy="886680"/>
+            <a:ext cx="9070560" cy="886320"/>
           </a:xfrm>
           <a:prstGeom prst="rect">
             <a:avLst/>
@@ -3997,7 +4003,7 @@
         <p:spPr>
           <a:xfrm>
             <a:off x="504000" y="1371600"/>
-            <a:ext cx="9070920" cy="5577120"/>
+            <a:ext cx="9070560" cy="5576760"/>
           </a:xfrm>
           <a:prstGeom prst="rect">
             <a:avLst/>
@@ -4022,7 +4028,7 @@
               </a:lnSpc>
               <a:buSzPct val="45000"/>
               <a:buFont typeface="StarSymbol"/>
-              <a:buChar char="l"/>
+              <a:buChar char=""/>
             </a:pPr>
             <a:r>
               <a:rPr lang="en-US" sz="3200" strike="noStrike">
@@ -4043,7 +4049,7 @@
               </a:lnSpc>
               <a:buSzPct val="45000"/>
               <a:buFont typeface="StarSymbol"/>
-              <a:buChar char="l"/>
+              <a:buChar char=""/>
             </a:pPr>
             <a:r>
               <a:rPr lang="en-US" sz="3200" strike="noStrike">
@@ -4064,7 +4070,7 @@
               </a:lnSpc>
               <a:buSzPct val="45000"/>
               <a:buFont typeface="StarSymbol"/>
-              <a:buChar char="l"/>
+              <a:buChar char=""/>
             </a:pPr>
             <a:r>
               <a:rPr lang="en-US" sz="3200" strike="noStrike">
@@ -4085,7 +4091,7 @@
               </a:lnSpc>
               <a:buSzPct val="45000"/>
               <a:buFont typeface="StarSymbol"/>
-              <a:buChar char="l"/>
+              <a:buChar char=""/>
             </a:pPr>
             <a:r>
               <a:rPr lang="en-US" sz="3200" strike="noStrike">
@@ -4159,7 +4165,7 @@
         <p:spPr>
           <a:xfrm>
             <a:off x="504000" y="301320"/>
-            <a:ext cx="9070920" cy="886680"/>
+            <a:ext cx="9070560" cy="886320"/>
           </a:xfrm>
           <a:prstGeom prst="rect">
             <a:avLst/>
@@ -4206,7 +4212,7 @@
         <p:spPr>
           <a:xfrm>
             <a:off x="504000" y="1371600"/>
-            <a:ext cx="9070920" cy="5577120"/>
+            <a:ext cx="9070560" cy="5576760"/>
           </a:xfrm>
           <a:prstGeom prst="rect">
             <a:avLst/>
@@ -4231,7 +4237,7 @@
               </a:lnSpc>
               <a:buSzPct val="45000"/>
               <a:buFont typeface="StarSymbol"/>
-              <a:buChar char="l"/>
+              <a:buChar char=""/>
             </a:pPr>
             <a:r>
               <a:rPr lang="en-US" sz="3200" strike="noStrike">
@@ -4252,7 +4258,7 @@
               </a:lnSpc>
               <a:buSzPct val="45000"/>
               <a:buFont typeface="StarSymbol"/>
-              <a:buChar char="l"/>
+              <a:buChar char=""/>
             </a:pPr>
             <a:r>
               <a:rPr lang="en-US" sz="3200" strike="noStrike">
@@ -4273,7 +4279,7 @@
               </a:lnSpc>
               <a:buSzPct val="45000"/>
               <a:buFont typeface="StarSymbol"/>
-              <a:buChar char="l"/>
+              <a:buChar char=""/>
             </a:pPr>
             <a:r>
               <a:rPr lang="en-US" sz="3200" strike="noStrike">
@@ -4294,10 +4300,10 @@
               </a:lnSpc>
               <a:buSzPct val="75000"/>
               <a:buFont typeface="StarSymbol"/>
-              <a:buChar char="l"/>
-            </a:pPr>
-            <a:r>
-              <a:rPr lang="en-US" sz="2800" strike="noStrike">
+              <a:buChar char=""/>
+            </a:pPr>
+            <a:r>
+              <a:rPr lang="en-US" sz="2200" strike="noStrike">
                 <a:solidFill>
                   <a:srgbClr val="000000"/>
                 </a:solidFill>
@@ -4315,10 +4321,10 @@
               </a:lnSpc>
               <a:buSzPct val="75000"/>
               <a:buFont typeface="StarSymbol"/>
-              <a:buChar char="l"/>
-            </a:pPr>
-            <a:r>
-              <a:rPr lang="en-US" sz="2800" strike="noStrike">
+              <a:buChar char=""/>
+            </a:pPr>
+            <a:r>
+              <a:rPr lang="en-US" sz="2200" strike="noStrike">
                 <a:solidFill>
                   <a:srgbClr val="000000"/>
                 </a:solidFill>

--- a/QuickMPay.pptx
+++ b/QuickMPay.pptx
@@ -2736,7 +2736,7 @@
         <p:spPr>
           <a:xfrm>
             <a:off x="504000" y="229320"/>
-            <a:ext cx="9070560" cy="1261080"/>
+            <a:ext cx="9069840" cy="1260360"/>
           </a:xfrm>
           <a:prstGeom prst="rect">
             <a:avLst/>
@@ -2765,7 +2765,7 @@
                 <a:solidFill>
                   <a:srgbClr val="009933"/>
                 </a:solidFill>
-                <a:latin typeface="Arial"/>
+                <a:latin typeface="Times New Roman"/>
                 <a:ea typeface="DejaVu Sans"/>
               </a:rPr>
               <a:t>QuickMPay</a:t>
@@ -2783,7 +2783,7 @@
         <p:spPr>
           <a:xfrm>
             <a:off x="504000" y="1563480"/>
-            <a:ext cx="9070560" cy="4588920"/>
+            <a:ext cx="9069840" cy="4588200"/>
           </a:xfrm>
           <a:prstGeom prst="rect">
             <a:avLst/>
@@ -2812,7 +2812,7 @@
                 <a:solidFill>
                   <a:srgbClr val="00cc00"/>
                 </a:solidFill>
-                <a:latin typeface="Arial"/>
+                <a:latin typeface="Times New Roman"/>
                 <a:ea typeface="DejaVu Sans"/>
               </a:rPr>
               <a:t>Secure Mobile Payments</a:t>
@@ -2830,7 +2830,7 @@
                 <a:solidFill>
                   <a:srgbClr val="0066ff"/>
                 </a:solidFill>
-                <a:latin typeface="Arial"/>
+                <a:latin typeface="Times New Roman"/>
                 <a:ea typeface="DejaVu Sans"/>
               </a:rPr>
               <a:t>Forget credit cards</a:t>
@@ -2897,7 +2897,7 @@
         <p:spPr>
           <a:xfrm>
             <a:off x="504000" y="301320"/>
-            <a:ext cx="9070560" cy="886320"/>
+            <a:ext cx="9069840" cy="885600"/>
           </a:xfrm>
           <a:prstGeom prst="rect">
             <a:avLst/>
@@ -2926,7 +2926,7 @@
                 <a:solidFill>
                   <a:srgbClr val="000000"/>
                 </a:solidFill>
-                <a:latin typeface="Arial"/>
+                <a:latin typeface="Times New Roman"/>
                 <a:ea typeface="DejaVu Sans"/>
               </a:rPr>
               <a:t>Agenda</a:t>
@@ -2944,7 +2944,7 @@
         <p:spPr>
           <a:xfrm>
             <a:off x="504000" y="1563480"/>
-            <a:ext cx="9070560" cy="5293440"/>
+            <a:ext cx="9069840" cy="5292720"/>
           </a:xfrm>
           <a:prstGeom prst="rect">
             <a:avLst/>
@@ -2972,11 +2972,11 @@
               <a:buChar char=""/>
             </a:pPr>
             <a:r>
-              <a:rPr lang="en-US" sz="3200" strike="noStrike">
+              <a:rPr lang="en-US" sz="3600" strike="noStrike">
                 <a:solidFill>
                   <a:srgbClr val="000000"/>
                 </a:solidFill>
-                <a:latin typeface="Arial"/>
+                <a:latin typeface="Times New Roman"/>
                 <a:ea typeface="DejaVu Sans"/>
               </a:rPr>
               <a:t>QuickMPay Overview</a:t>
@@ -2990,14 +2990,14 @@
               </a:lnSpc>
               <a:buSzPct val="45000"/>
               <a:buFont typeface="StarSymbol"/>
-              <a:buChar char=""/>
-            </a:pPr>
-            <a:r>
-              <a:rPr lang="en-US" sz="2800" strike="noStrike">
+              <a:buChar char=""/>
+            </a:pPr>
+            <a:r>
+              <a:rPr lang="en-US" sz="2400" strike="noStrike">
                 <a:solidFill>
                   <a:srgbClr val="000000"/>
                 </a:solidFill>
-                <a:latin typeface="Arial"/>
+                <a:latin typeface="Times New Roman"/>
                 <a:ea typeface="DejaVu Sans"/>
               </a:rPr>
               <a:t>Without sending customer's card details to vendor's mobile</a:t>
@@ -3011,14 +3011,14 @@
               </a:lnSpc>
               <a:buSzPct val="45000"/>
               <a:buFont typeface="StarSymbol"/>
-              <a:buChar char=""/>
-            </a:pPr>
-            <a:r>
-              <a:rPr lang="en-US" sz="2800" strike="noStrike">
+              <a:buChar char=""/>
+            </a:pPr>
+            <a:r>
+              <a:rPr lang="en-US" sz="2400" strike="noStrike">
                 <a:solidFill>
                   <a:srgbClr val="000000"/>
                 </a:solidFill>
-                <a:latin typeface="Arial"/>
+                <a:latin typeface="Times New Roman"/>
                 <a:ea typeface="DejaVu Sans"/>
               </a:rPr>
               <a:t>With customer's card details sent to vendor's mobile</a:t>
@@ -3035,11 +3035,11 @@
               <a:buChar char=""/>
             </a:pPr>
             <a:r>
-              <a:rPr lang="en-US" sz="3200" strike="noStrike">
+              <a:rPr lang="en-US" sz="3600" strike="noStrike">
                 <a:solidFill>
                   <a:srgbClr val="000000"/>
                 </a:solidFill>
-                <a:latin typeface="Arial"/>
+                <a:latin typeface="Times New Roman"/>
                 <a:ea typeface="DejaVu Sans"/>
               </a:rPr>
               <a:t>Solution Details</a:t>
@@ -3056,11 +3056,11 @@
               <a:buChar char=""/>
             </a:pPr>
             <a:r>
-              <a:rPr lang="en-US" sz="3200" strike="noStrike">
+              <a:rPr lang="en-US" sz="3600" strike="noStrike">
                 <a:solidFill>
                   <a:srgbClr val="000000"/>
                 </a:solidFill>
-                <a:latin typeface="Arial"/>
+                <a:latin typeface="Times New Roman"/>
                 <a:ea typeface="DejaVu Sans"/>
               </a:rPr>
               <a:t>Comparison with today's technologies</a:t>
@@ -3077,11 +3077,11 @@
               <a:buChar char=""/>
             </a:pPr>
             <a:r>
-              <a:rPr lang="en-US" sz="3200" strike="noStrike">
+              <a:rPr lang="en-US" sz="3600" strike="noStrike">
                 <a:solidFill>
                   <a:srgbClr val="000000"/>
                 </a:solidFill>
-                <a:latin typeface="Arial"/>
+                <a:latin typeface="Times New Roman"/>
                 <a:ea typeface="DejaVu Sans"/>
               </a:rPr>
               <a:t>Use Cases</a:t>
@@ -3098,11 +3098,11 @@
               <a:buChar char=""/>
             </a:pPr>
             <a:r>
-              <a:rPr lang="en-US" sz="3200" strike="noStrike">
+              <a:rPr lang="en-US" sz="3600" strike="noStrike">
                 <a:solidFill>
                   <a:srgbClr val="000000"/>
                 </a:solidFill>
-                <a:latin typeface="Arial"/>
+                <a:latin typeface="Times New Roman"/>
                 <a:ea typeface="DejaVu Sans"/>
               </a:rPr>
               <a:t>Monetization Models</a:t>
@@ -3119,11 +3119,11 @@
               <a:buChar char=""/>
             </a:pPr>
             <a:r>
-              <a:rPr lang="en-US" sz="3200" strike="noStrike">
+              <a:rPr lang="en-US" sz="3600" strike="noStrike">
                 <a:solidFill>
                   <a:srgbClr val="000000"/>
                 </a:solidFill>
-                <a:latin typeface="Arial"/>
+                <a:latin typeface="Times New Roman"/>
                 <a:ea typeface="DejaVu Sans"/>
               </a:rPr>
               <a:t>Questions</a:t>
@@ -3189,15 +3189,19 @@
         </p:nvSpPr>
         <p:spPr>
           <a:xfrm>
-            <a:off x="504000" y="301320"/>
-            <a:ext cx="9070560" cy="886320"/>
-          </a:xfrm>
-          <a:prstGeom prst="rect">
-            <a:avLst/>
-          </a:prstGeom>
-          <a:noFill/>
+            <a:off x="822960" y="3383280"/>
+            <a:ext cx="4023000" cy="3382920"/>
+          </a:xfrm>
+          <a:prstGeom prst="rect">
+            <a:avLst/>
+          </a:prstGeom>
+          <a:solidFill>
+            <a:srgbClr val="dddddd"/>
+          </a:solidFill>
           <a:ln>
-            <a:noFill/>
+            <a:solidFill>
+              <a:srgbClr val="9900ff"/>
+            </a:solidFill>
           </a:ln>
         </p:spPr>
         <p:style>
@@ -3206,27 +3210,6 @@
           <a:effectRef idx="0"/>
           <a:fontRef idx="minor"/>
         </p:style>
-        <p:txBody>
-          <a:bodyPr lIns="0" rIns="0" tIns="0" bIns="0" anchor="ctr"/>
-          <a:p>
-            <a:pPr algn="ctr">
-              <a:lnSpc>
-                <a:spcPct val="100000"/>
-              </a:lnSpc>
-            </a:pPr>
-            <a:r>
-              <a:rPr lang="en-US" sz="4400" strike="noStrike">
-                <a:solidFill>
-                  <a:srgbClr val="000000"/>
-                </a:solidFill>
-                <a:latin typeface="Arial"/>
-                <a:ea typeface="DejaVu Sans"/>
-              </a:rPr>
-              <a:t>Overview</a:t>
-            </a:r>
-            <a:endParaRPr/>
-          </a:p>
-        </p:txBody>
       </p:sp>
       <p:sp>
         <p:nvSpPr>
@@ -3236,8 +3219,8 @@
         </p:nvSpPr>
         <p:spPr>
           <a:xfrm>
-            <a:off x="504000" y="1371600"/>
-            <a:ext cx="9070560" cy="5576760"/>
+            <a:off x="504000" y="301320"/>
+            <a:ext cx="9069840" cy="885600"/>
           </a:xfrm>
           <a:prstGeom prst="rect">
             <a:avLst/>
@@ -3254,42 +3237,96 @@
           <a:fontRef idx="minor"/>
         </p:style>
         <p:txBody>
+          <a:bodyPr lIns="0" rIns="0" tIns="0" bIns="0" anchor="ctr"/>
+          <a:p>
+            <a:pPr algn="ctr">
+              <a:lnSpc>
+                <a:spcPct val="100000"/>
+              </a:lnSpc>
+            </a:pPr>
+            <a:r>
+              <a:rPr lang="en-US" sz="4400" strike="noStrike">
+                <a:solidFill>
+                  <a:srgbClr val="000000"/>
+                </a:solidFill>
+                <a:latin typeface="Times New Roman"/>
+                <a:ea typeface="DejaVu Sans"/>
+              </a:rPr>
+              <a:t>Overview</a:t>
+            </a:r>
+            <a:endParaRPr/>
+          </a:p>
+        </p:txBody>
+      </p:sp>
+      <p:sp>
+        <p:nvSpPr>
+          <p:cNvPr id="78" name="CustomShape 3"/>
+          <p:cNvSpPr/>
+          <p:nvPr/>
+        </p:nvSpPr>
+        <p:spPr>
+          <a:xfrm>
+            <a:off x="504000" y="1371600"/>
+            <a:ext cx="9069840" cy="5576040"/>
+          </a:xfrm>
+          <a:prstGeom prst="rect">
+            <a:avLst/>
+          </a:prstGeom>
+          <a:noFill/>
+          <a:ln>
+            <a:noFill/>
+          </a:ln>
+        </p:spPr>
+        <p:style>
+          <a:lnRef idx="0"/>
+          <a:fillRef idx="0"/>
+          <a:effectRef idx="0"/>
+          <a:fontRef idx="minor"/>
+        </p:style>
+        <p:txBody>
           <a:bodyPr lIns="0" rIns="0" tIns="0" bIns="0"/>
           <a:p>
             <a:pPr>
               <a:lnSpc>
                 <a:spcPct val="100000"/>
               </a:lnSpc>
-              <a:buSzPct val="45000"/>
-              <a:buFont typeface="StarSymbol"/>
-              <a:buChar char=""/>
-            </a:pPr>
+            </a:pPr>
+            <a:r>
+              <a:rPr b="1" lang="en-US" sz="3200" strike="noStrike">
+                <a:solidFill>
+                  <a:srgbClr val="000000"/>
+                </a:solidFill>
+                <a:latin typeface="Times New Roman"/>
+                <a:ea typeface="DejaVu Sans"/>
+              </a:rPr>
+              <a:t>Secure Option</a:t>
+            </a:r>
             <a:r>
               <a:rPr lang="en-US" sz="3200" strike="noStrike">
                 <a:solidFill>
                   <a:srgbClr val="000000"/>
                 </a:solidFill>
-                <a:latin typeface="Arial"/>
-                <a:ea typeface="DejaVu Sans"/>
-              </a:rPr>
-              <a:t>Secure Option: Customer's Card Details not sent to Vendor's Mobile (Demo at </a:t>
+                <a:latin typeface="Times New Roman"/>
+                <a:ea typeface="DejaVu Sans"/>
+              </a:rPr>
+              <a:t>: Customer's Card Details not sent to Vendor's Mobile (Demo at </a:t>
             </a:r>
             <a:r>
               <a:rPr lang="en-US" sz="3200" strike="noStrike" u="sng">
                 <a:solidFill>
                   <a:srgbClr val="3333ff"/>
                 </a:solidFill>
-                <a:latin typeface="Arial"/>
-                <a:ea typeface="DejaVu Sans"/>
-              </a:rPr>
-              <a:t>http://klonikar.github.io/quickmpay.html</a:t>
+                <a:latin typeface="Times New Roman"/>
+                <a:ea typeface="DejaVu Sans"/>
+              </a:rPr>
+              <a:t>QuickMPay</a:t>
             </a:r>
             <a:r>
               <a:rPr lang="en-US" sz="3200" strike="noStrike">
                 <a:solidFill>
                   <a:srgbClr val="000000"/>
                 </a:solidFill>
-                <a:latin typeface="Arial"/>
+                <a:latin typeface="Times New Roman"/>
                 <a:ea typeface="DejaVu Sans"/>
               </a:rPr>
               <a:t> and </a:t>
@@ -3299,17 +3336,17 @@
                 <a:solidFill>
                   <a:srgbClr val="3333ff"/>
                 </a:solidFill>
-                <a:latin typeface="Arial"/>
-                <a:ea typeface="DejaVu Sans"/>
-              </a:rPr>
-              <a:t>http://klonikar.github.io/quickmpay-pos.html</a:t>
+                <a:latin typeface="Times New Roman"/>
+                <a:ea typeface="DejaVu Sans"/>
+              </a:rPr>
+              <a:t>QuickMPay-POS</a:t>
             </a:r>
             <a:r>
               <a:rPr lang="en-US" sz="3200" strike="noStrike">
                 <a:solidFill>
                   <a:srgbClr val="000000"/>
                 </a:solidFill>
-                <a:latin typeface="Arial"/>
+                <a:latin typeface="Times New Roman"/>
                 <a:ea typeface="DejaVu Sans"/>
               </a:rPr>
               <a:t>)</a:t>
@@ -3322,6 +3359,413 @@
                 <a:spcPct val="100000"/>
               </a:lnSpc>
             </a:pPr>
+            <a:endParaRPr/>
+          </a:p>
+          <a:p>
+            <a:pPr>
+              <a:lnSpc>
+                <a:spcPct val="100000"/>
+              </a:lnSpc>
+            </a:pPr>
+            <a:endParaRPr/>
+          </a:p>
+        </p:txBody>
+      </p:sp>
+      <p:sp>
+        <p:nvSpPr>
+          <p:cNvPr id="79" name="Line 4"/>
+          <p:cNvSpPr/>
+          <p:nvPr/>
+        </p:nvSpPr>
+        <p:spPr>
+          <a:xfrm>
+            <a:off x="2468880" y="4297680"/>
+            <a:ext cx="640080" cy="0"/>
+          </a:xfrm>
+          <a:prstGeom prst="line">
+            <a:avLst/>
+          </a:prstGeom>
+          <a:ln>
+            <a:solidFill>
+              <a:srgbClr val="000000"/>
+            </a:solidFill>
+            <a:tailEnd len="med" type="triangle" w="med"/>
+          </a:ln>
+        </p:spPr>
+      </p:sp>
+      <p:sp>
+        <p:nvSpPr>
+          <p:cNvPr id="80" name="CustomShape 5"/>
+          <p:cNvSpPr/>
+          <p:nvPr/>
+        </p:nvSpPr>
+        <p:spPr>
+          <a:xfrm>
+            <a:off x="1005840" y="3931920"/>
+            <a:ext cx="1462680" cy="731160"/>
+          </a:xfrm>
+          <a:prstGeom prst="rect">
+            <a:avLst/>
+          </a:prstGeom>
+          <a:solidFill>
+            <a:srgbClr val="dddddd"/>
+          </a:solidFill>
+          <a:ln>
+            <a:solidFill>
+              <a:srgbClr val="9900ff"/>
+            </a:solidFill>
+          </a:ln>
+        </p:spPr>
+        <p:style>
+          <a:lnRef idx="0"/>
+          <a:fillRef idx="0"/>
+          <a:effectRef idx="0"/>
+          <a:fontRef idx="minor"/>
+        </p:style>
+        <p:txBody>
+          <a:bodyPr wrap="none" lIns="90000" rIns="90000" tIns="45000" bIns="45000" anchor="ctr"/>
+          <a:p>
+            <a:r>
+              <a:rPr lang="en-US" strike="noStrike">
+                <a:solidFill>
+                  <a:srgbClr val="000000"/>
+                </a:solidFill>
+                <a:latin typeface="Apple Chancery"/>
+                <a:ea typeface="DejaVu Sans"/>
+              </a:rPr>
+              <a:t>Bill Amount</a:t>
+            </a:r>
+            <a:endParaRPr/>
+          </a:p>
+          <a:p>
+            <a:r>
+              <a:rPr lang="en-US" strike="noStrike">
+                <a:solidFill>
+                  <a:srgbClr val="000000"/>
+                </a:solidFill>
+                <a:latin typeface="Apple Chancery"/>
+                <a:ea typeface="DejaVu Sans"/>
+              </a:rPr>
+              <a:t>Order Id</a:t>
+            </a:r>
+            <a:endParaRPr/>
+          </a:p>
+        </p:txBody>
+      </p:sp>
+      <p:sp>
+        <p:nvSpPr>
+          <p:cNvPr id="81" name="CustomShape 6"/>
+          <p:cNvSpPr/>
+          <p:nvPr/>
+        </p:nvSpPr>
+        <p:spPr>
+          <a:xfrm>
+            <a:off x="1920240" y="5943600"/>
+            <a:ext cx="1554120" cy="731160"/>
+          </a:xfrm>
+          <a:prstGeom prst="rect">
+            <a:avLst/>
+          </a:prstGeom>
+          <a:solidFill>
+            <a:srgbClr val="dddddd"/>
+          </a:solidFill>
+          <a:ln>
+            <a:solidFill>
+              <a:srgbClr val="9900ff"/>
+            </a:solidFill>
+          </a:ln>
+        </p:spPr>
+        <p:style>
+          <a:lnRef idx="0"/>
+          <a:fillRef idx="0"/>
+          <a:effectRef idx="0"/>
+          <a:fontRef idx="minor"/>
+        </p:style>
+        <p:txBody>
+          <a:bodyPr wrap="none" lIns="90000" rIns="90000" tIns="45000" bIns="45000" anchor="ctr"/>
+          <a:p>
+            <a:pPr algn="ctr">
+              <a:lnSpc>
+                <a:spcPct val="100000"/>
+              </a:lnSpc>
+            </a:pPr>
+            <a:r>
+              <a:rPr lang="en-US" strike="noStrike">
+                <a:solidFill>
+                  <a:srgbClr val="0000ff"/>
+                </a:solidFill>
+                <a:latin typeface="Arial"/>
+                <a:ea typeface="DejaVu Sans"/>
+              </a:rPr>
+              <a:t>Vendor-POS</a:t>
+            </a:r>
+            <a:endParaRPr/>
+          </a:p>
+        </p:txBody>
+      </p:sp>
+      <p:pic>
+        <p:nvPicPr>
+          <p:cNvPr id="82" name="" descr=""/>
+          <p:cNvPicPr/>
+          <p:nvPr/>
+        </p:nvPicPr>
+        <p:blipFill>
+          <a:blip r:embed="rId1"/>
+          <a:stretch/>
+        </p:blipFill>
+        <p:spPr>
+          <a:xfrm>
+            <a:off x="3142440" y="3782520"/>
+            <a:ext cx="1337760" cy="1337760"/>
+          </a:xfrm>
+          <a:prstGeom prst="rect">
+            <a:avLst/>
+          </a:prstGeom>
+          <a:ln>
+            <a:noFill/>
+          </a:ln>
+        </p:spPr>
+      </p:pic>
+      <p:sp>
+        <p:nvSpPr>
+          <p:cNvPr id="83" name="CustomShape 7"/>
+          <p:cNvSpPr/>
+          <p:nvPr/>
+        </p:nvSpPr>
+        <p:spPr>
+          <a:xfrm>
+            <a:off x="5486400" y="3383280"/>
+            <a:ext cx="4297320" cy="3382920"/>
+          </a:xfrm>
+          <a:prstGeom prst="rect">
+            <a:avLst/>
+          </a:prstGeom>
+          <a:solidFill>
+            <a:srgbClr val="dddddd"/>
+          </a:solidFill>
+          <a:ln>
+            <a:solidFill>
+              <a:srgbClr val="9900ff"/>
+            </a:solidFill>
+          </a:ln>
+        </p:spPr>
+        <p:style>
+          <a:lnRef idx="0"/>
+          <a:fillRef idx="0"/>
+          <a:effectRef idx="0"/>
+          <a:fontRef idx="minor"/>
+        </p:style>
+      </p:sp>
+      <p:sp>
+        <p:nvSpPr>
+          <p:cNvPr id="84" name="CustomShape 8"/>
+          <p:cNvSpPr/>
+          <p:nvPr/>
+        </p:nvSpPr>
+        <p:spPr>
+          <a:xfrm>
+            <a:off x="6583680" y="5943600"/>
+            <a:ext cx="1554120" cy="731160"/>
+          </a:xfrm>
+          <a:prstGeom prst="rect">
+            <a:avLst/>
+          </a:prstGeom>
+          <a:solidFill>
+            <a:srgbClr val="dddddd"/>
+          </a:solidFill>
+          <a:ln>
+            <a:solidFill>
+              <a:srgbClr val="9900ff"/>
+            </a:solidFill>
+          </a:ln>
+        </p:spPr>
+        <p:style>
+          <a:lnRef idx="0"/>
+          <a:fillRef idx="0"/>
+          <a:effectRef idx="0"/>
+          <a:fontRef idx="minor"/>
+        </p:style>
+        <p:txBody>
+          <a:bodyPr wrap="none" lIns="90000" rIns="90000" tIns="45000" bIns="45000" anchor="ctr"/>
+          <a:p>
+            <a:pPr algn="ctr">
+              <a:lnSpc>
+                <a:spcPct val="100000"/>
+              </a:lnSpc>
+            </a:pPr>
+            <a:r>
+              <a:rPr lang="en-US" strike="noStrike">
+                <a:solidFill>
+                  <a:srgbClr val="0000ff"/>
+                </a:solidFill>
+                <a:latin typeface="Arial"/>
+                <a:ea typeface="DejaVu Sans"/>
+              </a:rPr>
+              <a:t>Customer</a:t>
+            </a:r>
+            <a:endParaRPr/>
+          </a:p>
+        </p:txBody>
+      </p:sp>
+      <p:sp>
+        <p:nvSpPr>
+          <p:cNvPr id="85" name="CustomShape 9"/>
+          <p:cNvSpPr/>
+          <p:nvPr/>
+        </p:nvSpPr>
+        <p:spPr>
+          <a:xfrm>
+            <a:off x="4849200" y="5026320"/>
+            <a:ext cx="636840" cy="91080"/>
+          </a:xfrm>
+          <a:prstGeom prst="rightArrow">
+            <a:avLst>
+              <a:gd name="adj1" fmla="val 16200"/>
+              <a:gd name="adj2" fmla="val 5400"/>
+            </a:avLst>
+          </a:prstGeom>
+          <a:solidFill>
+            <a:srgbClr val="dddddd"/>
+          </a:solidFill>
+          <a:ln>
+            <a:solidFill>
+              <a:srgbClr val="9900ff"/>
+            </a:solidFill>
+          </a:ln>
+        </p:spPr>
+        <p:style>
+          <a:lnRef idx="0"/>
+          <a:fillRef idx="0"/>
+          <a:effectRef idx="0"/>
+          <a:fontRef idx="minor"/>
+        </p:style>
+      </p:sp>
+      <p:pic>
+        <p:nvPicPr>
+          <p:cNvPr id="86" name="" descr=""/>
+          <p:cNvPicPr/>
+          <p:nvPr/>
+        </p:nvPicPr>
+        <p:blipFill>
+          <a:blip r:embed="rId2"/>
+          <a:stretch/>
+        </p:blipFill>
+        <p:spPr>
+          <a:xfrm>
+            <a:off x="5577840" y="3566160"/>
+            <a:ext cx="1371240" cy="1371240"/>
+          </a:xfrm>
+          <a:prstGeom prst="rect">
+            <a:avLst/>
+          </a:prstGeom>
+          <a:ln>
+            <a:noFill/>
+          </a:ln>
+        </p:spPr>
+      </p:pic>
+      <p:sp>
+        <p:nvSpPr>
+          <p:cNvPr id="87" name="Line 10"/>
+          <p:cNvSpPr/>
+          <p:nvPr/>
+        </p:nvSpPr>
+        <p:spPr>
+          <a:xfrm>
+            <a:off x="6949440" y="4206240"/>
+            <a:ext cx="613080" cy="0"/>
+          </a:xfrm>
+          <a:prstGeom prst="line">
+            <a:avLst/>
+          </a:prstGeom>
+          <a:ln>
+            <a:solidFill>
+              <a:srgbClr val="000000"/>
+            </a:solidFill>
+            <a:tailEnd len="med" type="triangle" w="med"/>
+          </a:ln>
+        </p:spPr>
+      </p:sp>
+      <p:sp>
+        <p:nvSpPr>
+          <p:cNvPr id="88" name="CustomShape 11"/>
+          <p:cNvSpPr/>
+          <p:nvPr/>
+        </p:nvSpPr>
+        <p:spPr>
+          <a:xfrm>
+            <a:off x="7562520" y="3566160"/>
+            <a:ext cx="2011320" cy="1645560"/>
+          </a:xfrm>
+          <a:prstGeom prst="rect">
+            <a:avLst/>
+          </a:prstGeom>
+          <a:solidFill>
+            <a:srgbClr val="dddddd"/>
+          </a:solidFill>
+          <a:ln>
+            <a:solidFill>
+              <a:srgbClr val="9900ff"/>
+            </a:solidFill>
+          </a:ln>
+        </p:spPr>
+        <p:style>
+          <a:lnRef idx="0"/>
+          <a:fillRef idx="0"/>
+          <a:effectRef idx="0"/>
+          <a:fontRef idx="minor"/>
+        </p:style>
+        <p:txBody>
+          <a:bodyPr wrap="none" lIns="90000" rIns="90000" tIns="45000" bIns="45000" anchor="ctr"/>
+          <a:p>
+            <a:r>
+              <a:rPr i="1" lang="en-US" strike="noStrike">
+                <a:solidFill>
+                  <a:srgbClr val="9999ff"/>
+                </a:solidFill>
+                <a:latin typeface="Apple Chancery"/>
+                <a:ea typeface="DejaVu Sans"/>
+              </a:rPr>
+              <a:t>Bill Amount</a:t>
+            </a:r>
+            <a:endParaRPr/>
+          </a:p>
+          <a:p>
+            <a:r>
+              <a:rPr i="1" lang="en-US" strike="noStrike">
+                <a:solidFill>
+                  <a:srgbClr val="9999ff"/>
+                </a:solidFill>
+                <a:latin typeface="Apple Chancery"/>
+                <a:ea typeface="DejaVu Sans"/>
+              </a:rPr>
+              <a:t>Order Id</a:t>
+            </a:r>
+            <a:endParaRPr/>
+          </a:p>
+          <a:p>
+            <a:r>
+              <a:rPr lang="en-US" strike="noStrike">
+                <a:solidFill>
+                  <a:srgbClr val="000000"/>
+                </a:solidFill>
+                <a:latin typeface="Nanum Brush Script"/>
+                <a:ea typeface="DejaVu Sans"/>
+              </a:rPr>
+              <a:t>Select Credit Card</a:t>
+            </a:r>
+            <a:endParaRPr/>
+          </a:p>
+          <a:p>
+            <a:r>
+              <a:rPr lang="en-US" strike="noStrike">
+                <a:solidFill>
+                  <a:srgbClr val="ff3333"/>
+                </a:solidFill>
+                <a:latin typeface="Arial"/>
+                <a:ea typeface="DejaVu Sans"/>
+              </a:rPr>
+              <a:t>Pay Bill</a:t>
+            </a:r>
             <a:endParaRPr/>
           </a:p>
         </p:txBody>
@@ -3377,14 +3821,14 @@
       </p:grpSpPr>
       <p:sp>
         <p:nvSpPr>
-          <p:cNvPr id="78" name="CustomShape 1"/>
+          <p:cNvPr id="89" name="CustomShape 1"/>
           <p:cNvSpPr/>
           <p:nvPr/>
         </p:nvSpPr>
         <p:spPr>
           <a:xfrm>
             <a:off x="504000" y="301320"/>
-            <a:ext cx="9070560" cy="886320"/>
+            <a:ext cx="9069840" cy="885600"/>
           </a:xfrm>
           <a:prstGeom prst="rect">
             <a:avLst/>
@@ -3413,7 +3857,7 @@
                 <a:solidFill>
                   <a:srgbClr val="000000"/>
                 </a:solidFill>
-                <a:latin typeface="Arial"/>
+                <a:latin typeface="Times New Roman"/>
                 <a:ea typeface="DejaVu Sans"/>
               </a:rPr>
               <a:t>Overview</a:t>
@@ -3424,14 +3868,14 @@
       </p:sp>
       <p:sp>
         <p:nvSpPr>
-          <p:cNvPr id="79" name="CustomShape 2"/>
+          <p:cNvPr id="90" name="CustomShape 2"/>
           <p:cNvSpPr/>
           <p:nvPr/>
         </p:nvSpPr>
         <p:spPr>
           <a:xfrm>
             <a:off x="504000" y="1371600"/>
-            <a:ext cx="9070560" cy="5576760"/>
+            <a:ext cx="9069840" cy="5576040"/>
           </a:xfrm>
           <a:prstGeom prst="rect">
             <a:avLst/>
@@ -3454,19 +3898,26 @@
               <a:lnSpc>
                 <a:spcPct val="100000"/>
               </a:lnSpc>
-              <a:buSzPct val="45000"/>
-              <a:buFont typeface="StarSymbol"/>
-              <a:buChar char=""/>
-            </a:pPr>
+            </a:pPr>
+            <a:r>
+              <a:rPr b="1" lang="en-US" sz="3200" strike="noStrike">
+                <a:solidFill>
+                  <a:srgbClr val="000000"/>
+                </a:solidFill>
+                <a:latin typeface="Times New Roman"/>
+                <a:ea typeface="DejaVu Sans"/>
+              </a:rPr>
+              <a:t>Regular Option</a:t>
+            </a:r>
             <a:r>
               <a:rPr lang="en-US" sz="3200" strike="noStrike">
                 <a:solidFill>
                   <a:srgbClr val="000000"/>
                 </a:solidFill>
-                <a:latin typeface="Arial"/>
-                <a:ea typeface="DejaVu Sans"/>
-              </a:rPr>
-              <a:t>Regular Option: Customer's Card Details sent to Vendor's Mobile: Today's Swiping machine</a:t>
+                <a:latin typeface="Times New Roman"/>
+                <a:ea typeface="DejaVu Sans"/>
+              </a:rPr>
+              <a:t>: Customer's Card Details sent to Vendor's Mobile: Today's Swiping machine</a:t>
             </a:r>
             <a:endParaRPr/>
           </a:p>
@@ -3479,6 +3930,435 @@
             <a:endParaRPr/>
           </a:p>
         </p:txBody>
+      </p:sp>
+      <p:sp>
+        <p:nvSpPr>
+          <p:cNvPr id="91" name="CustomShape 3"/>
+          <p:cNvSpPr/>
+          <p:nvPr/>
+        </p:nvSpPr>
+        <p:spPr>
+          <a:xfrm>
+            <a:off x="822960" y="2915280"/>
+            <a:ext cx="4023000" cy="3382920"/>
+          </a:xfrm>
+          <a:prstGeom prst="rect">
+            <a:avLst/>
+          </a:prstGeom>
+          <a:solidFill>
+            <a:srgbClr val="dddddd"/>
+          </a:solidFill>
+          <a:ln>
+            <a:solidFill>
+              <a:srgbClr val="9900ff"/>
+            </a:solidFill>
+          </a:ln>
+        </p:spPr>
+        <p:style>
+          <a:lnRef idx="0"/>
+          <a:fillRef idx="0"/>
+          <a:effectRef idx="0"/>
+          <a:fontRef idx="minor"/>
+        </p:style>
+      </p:sp>
+      <p:sp>
+        <p:nvSpPr>
+          <p:cNvPr id="92" name="Line 4"/>
+          <p:cNvSpPr/>
+          <p:nvPr/>
+        </p:nvSpPr>
+        <p:spPr>
+          <a:xfrm>
+            <a:off x="2468880" y="3862440"/>
+            <a:ext cx="640080" cy="0"/>
+          </a:xfrm>
+          <a:prstGeom prst="line">
+            <a:avLst/>
+          </a:prstGeom>
+          <a:ln>
+            <a:solidFill>
+              <a:srgbClr val="000000"/>
+            </a:solidFill>
+            <a:tailEnd len="med" type="triangle" w="med"/>
+          </a:ln>
+        </p:spPr>
+      </p:sp>
+      <p:sp>
+        <p:nvSpPr>
+          <p:cNvPr id="93" name="CustomShape 5"/>
+          <p:cNvSpPr/>
+          <p:nvPr/>
+        </p:nvSpPr>
+        <p:spPr>
+          <a:xfrm>
+            <a:off x="1005840" y="3496680"/>
+            <a:ext cx="1462680" cy="731160"/>
+          </a:xfrm>
+          <a:prstGeom prst="rect">
+            <a:avLst/>
+          </a:prstGeom>
+          <a:solidFill>
+            <a:srgbClr val="dddddd"/>
+          </a:solidFill>
+          <a:ln>
+            <a:solidFill>
+              <a:srgbClr val="9900ff"/>
+            </a:solidFill>
+          </a:ln>
+        </p:spPr>
+        <p:style>
+          <a:lnRef idx="0"/>
+          <a:fillRef idx="0"/>
+          <a:effectRef idx="0"/>
+          <a:fontRef idx="minor"/>
+        </p:style>
+        <p:txBody>
+          <a:bodyPr wrap="none" lIns="90000" rIns="90000" tIns="45000" bIns="45000" anchor="ctr"/>
+          <a:p>
+            <a:r>
+              <a:rPr lang="en-US" strike="noStrike">
+                <a:solidFill>
+                  <a:srgbClr val="000000"/>
+                </a:solidFill>
+                <a:latin typeface="Apple Chancery"/>
+                <a:ea typeface="DejaVu Sans"/>
+              </a:rPr>
+              <a:t>Credit Card</a:t>
+            </a:r>
+            <a:endParaRPr/>
+          </a:p>
+          <a:p>
+            <a:r>
+              <a:rPr lang="en-US" strike="noStrike">
+                <a:solidFill>
+                  <a:srgbClr val="000000"/>
+                </a:solidFill>
+                <a:latin typeface="Apple Chancery"/>
+                <a:ea typeface="DejaVu Sans"/>
+              </a:rPr>
+              <a:t>Expiry Date</a:t>
+            </a:r>
+            <a:endParaRPr/>
+          </a:p>
+        </p:txBody>
+      </p:sp>
+      <p:sp>
+        <p:nvSpPr>
+          <p:cNvPr id="94" name="CustomShape 6"/>
+          <p:cNvSpPr/>
+          <p:nvPr/>
+        </p:nvSpPr>
+        <p:spPr>
+          <a:xfrm>
+            <a:off x="1920240" y="5508360"/>
+            <a:ext cx="1554120" cy="731160"/>
+          </a:xfrm>
+          <a:prstGeom prst="rect">
+            <a:avLst/>
+          </a:prstGeom>
+          <a:solidFill>
+            <a:srgbClr val="dddddd"/>
+          </a:solidFill>
+          <a:ln>
+            <a:solidFill>
+              <a:srgbClr val="9900ff"/>
+            </a:solidFill>
+          </a:ln>
+        </p:spPr>
+        <p:style>
+          <a:lnRef idx="0"/>
+          <a:fillRef idx="0"/>
+          <a:effectRef idx="0"/>
+          <a:fontRef idx="minor"/>
+        </p:style>
+        <p:txBody>
+          <a:bodyPr wrap="none" lIns="90000" rIns="90000" tIns="45000" bIns="45000" anchor="ctr"/>
+          <a:p>
+            <a:pPr algn="ctr">
+              <a:lnSpc>
+                <a:spcPct val="100000"/>
+              </a:lnSpc>
+            </a:pPr>
+            <a:r>
+              <a:rPr lang="en-US" strike="noStrike">
+                <a:solidFill>
+                  <a:srgbClr val="0000ff"/>
+                </a:solidFill>
+                <a:latin typeface="Arial"/>
+                <a:ea typeface="DejaVu Sans"/>
+              </a:rPr>
+              <a:t>Customer</a:t>
+            </a:r>
+            <a:endParaRPr/>
+          </a:p>
+        </p:txBody>
+      </p:sp>
+      <p:pic>
+        <p:nvPicPr>
+          <p:cNvPr id="95" name="" descr=""/>
+          <p:cNvPicPr/>
+          <p:nvPr/>
+        </p:nvPicPr>
+        <p:blipFill>
+          <a:blip r:embed="rId1"/>
+          <a:stretch/>
+        </p:blipFill>
+        <p:spPr>
+          <a:xfrm>
+            <a:off x="3142440" y="3347280"/>
+            <a:ext cx="1337760" cy="1337760"/>
+          </a:xfrm>
+          <a:prstGeom prst="rect">
+            <a:avLst/>
+          </a:prstGeom>
+          <a:ln>
+            <a:noFill/>
+          </a:ln>
+        </p:spPr>
+      </p:pic>
+      <p:sp>
+        <p:nvSpPr>
+          <p:cNvPr id="96" name="CustomShape 7"/>
+          <p:cNvSpPr/>
+          <p:nvPr/>
+        </p:nvSpPr>
+        <p:spPr>
+          <a:xfrm>
+            <a:off x="5486400" y="2915280"/>
+            <a:ext cx="4297320" cy="3382920"/>
+          </a:xfrm>
+          <a:prstGeom prst="rect">
+            <a:avLst/>
+          </a:prstGeom>
+          <a:solidFill>
+            <a:srgbClr val="dddddd"/>
+          </a:solidFill>
+          <a:ln>
+            <a:solidFill>
+              <a:srgbClr val="9900ff"/>
+            </a:solidFill>
+          </a:ln>
+        </p:spPr>
+        <p:style>
+          <a:lnRef idx="0"/>
+          <a:fillRef idx="0"/>
+          <a:effectRef idx="0"/>
+          <a:fontRef idx="minor"/>
+        </p:style>
+      </p:sp>
+      <p:sp>
+        <p:nvSpPr>
+          <p:cNvPr id="97" name="CustomShape 8"/>
+          <p:cNvSpPr/>
+          <p:nvPr/>
+        </p:nvSpPr>
+        <p:spPr>
+          <a:xfrm>
+            <a:off x="6583680" y="5511600"/>
+            <a:ext cx="1554120" cy="731160"/>
+          </a:xfrm>
+          <a:prstGeom prst="rect">
+            <a:avLst/>
+          </a:prstGeom>
+          <a:solidFill>
+            <a:srgbClr val="dddddd"/>
+          </a:solidFill>
+          <a:ln>
+            <a:solidFill>
+              <a:srgbClr val="9900ff"/>
+            </a:solidFill>
+          </a:ln>
+        </p:spPr>
+        <p:style>
+          <a:lnRef idx="0"/>
+          <a:fillRef idx="0"/>
+          <a:effectRef idx="0"/>
+          <a:fontRef idx="minor"/>
+        </p:style>
+        <p:txBody>
+          <a:bodyPr wrap="none" lIns="90000" rIns="90000" tIns="45000" bIns="45000" anchor="ctr"/>
+          <a:p>
+            <a:pPr algn="ctr">
+              <a:lnSpc>
+                <a:spcPct val="100000"/>
+              </a:lnSpc>
+            </a:pPr>
+            <a:r>
+              <a:rPr lang="en-US" strike="noStrike">
+                <a:solidFill>
+                  <a:srgbClr val="0000ff"/>
+                </a:solidFill>
+                <a:latin typeface="Arial"/>
+                <a:ea typeface="DejaVu Sans"/>
+              </a:rPr>
+              <a:t>Vendor-POS</a:t>
+            </a:r>
+            <a:endParaRPr/>
+          </a:p>
+        </p:txBody>
+      </p:sp>
+      <p:pic>
+        <p:nvPicPr>
+          <p:cNvPr id="98" name="" descr=""/>
+          <p:cNvPicPr/>
+          <p:nvPr/>
+        </p:nvPicPr>
+        <p:blipFill>
+          <a:blip r:embed="rId2"/>
+          <a:stretch/>
+        </p:blipFill>
+        <p:spPr>
+          <a:xfrm>
+            <a:off x="5577840" y="3098160"/>
+            <a:ext cx="1371240" cy="1371240"/>
+          </a:xfrm>
+          <a:prstGeom prst="rect">
+            <a:avLst/>
+          </a:prstGeom>
+          <a:ln>
+            <a:noFill/>
+          </a:ln>
+        </p:spPr>
+      </p:pic>
+      <p:sp>
+        <p:nvSpPr>
+          <p:cNvPr id="99" name="Line 9"/>
+          <p:cNvSpPr/>
+          <p:nvPr/>
+        </p:nvSpPr>
+        <p:spPr>
+          <a:xfrm>
+            <a:off x="6949440" y="3738240"/>
+            <a:ext cx="613080" cy="0"/>
+          </a:xfrm>
+          <a:prstGeom prst="line">
+            <a:avLst/>
+          </a:prstGeom>
+          <a:ln>
+            <a:solidFill>
+              <a:srgbClr val="000000"/>
+            </a:solidFill>
+            <a:tailEnd len="med" type="triangle" w="med"/>
+          </a:ln>
+        </p:spPr>
+      </p:sp>
+      <p:sp>
+        <p:nvSpPr>
+          <p:cNvPr id="100" name="CustomShape 10"/>
+          <p:cNvSpPr/>
+          <p:nvPr/>
+        </p:nvSpPr>
+        <p:spPr>
+          <a:xfrm>
+            <a:off x="7562520" y="3098160"/>
+            <a:ext cx="2011320" cy="1645560"/>
+          </a:xfrm>
+          <a:prstGeom prst="rect">
+            <a:avLst/>
+          </a:prstGeom>
+          <a:solidFill>
+            <a:srgbClr val="dddddd"/>
+          </a:solidFill>
+          <a:ln>
+            <a:solidFill>
+              <a:srgbClr val="9900ff"/>
+            </a:solidFill>
+          </a:ln>
+        </p:spPr>
+        <p:style>
+          <a:lnRef idx="0"/>
+          <a:fillRef idx="0"/>
+          <a:effectRef idx="0"/>
+          <a:fontRef idx="minor"/>
+        </p:style>
+        <p:txBody>
+          <a:bodyPr wrap="none" lIns="90000" rIns="90000" tIns="45000" bIns="45000" anchor="ctr"/>
+          <a:p>
+            <a:r>
+              <a:rPr i="1" lang="en-US" strike="noStrike">
+                <a:solidFill>
+                  <a:srgbClr val="9999ff"/>
+                </a:solidFill>
+                <a:latin typeface="Apple Chancery"/>
+                <a:ea typeface="DejaVu Sans"/>
+              </a:rPr>
+              <a:t>Credit Card</a:t>
+            </a:r>
+            <a:endParaRPr/>
+          </a:p>
+          <a:p>
+            <a:r>
+              <a:rPr i="1" lang="en-US" strike="noStrike">
+                <a:solidFill>
+                  <a:srgbClr val="9999ff"/>
+                </a:solidFill>
+                <a:latin typeface="Apple Chancery"/>
+                <a:ea typeface="DejaVu Sans"/>
+              </a:rPr>
+              <a:t>Expiry Date</a:t>
+            </a:r>
+            <a:endParaRPr/>
+          </a:p>
+          <a:p>
+            <a:r>
+              <a:rPr lang="en-US" strike="noStrike">
+                <a:solidFill>
+                  <a:srgbClr val="000000"/>
+                </a:solidFill>
+                <a:latin typeface="Nanum Pen Script"/>
+                <a:ea typeface="DejaVu Sans"/>
+              </a:rPr>
+              <a:t>Bill Amount</a:t>
+            </a:r>
+            <a:endParaRPr/>
+          </a:p>
+          <a:p>
+            <a:r>
+              <a:rPr lang="en-US" strike="noStrike">
+                <a:solidFill>
+                  <a:srgbClr val="ff3333"/>
+                </a:solidFill>
+                <a:latin typeface="Arial"/>
+                <a:ea typeface="DejaVu Sans"/>
+              </a:rPr>
+              <a:t>Customer PIN</a:t>
+            </a:r>
+            <a:endParaRPr/>
+          </a:p>
+        </p:txBody>
+      </p:sp>
+      <p:sp>
+        <p:nvSpPr>
+          <p:cNvPr id="101" name="CustomShape 11"/>
+          <p:cNvSpPr/>
+          <p:nvPr/>
+        </p:nvSpPr>
+        <p:spPr>
+          <a:xfrm>
+            <a:off x="4849560" y="4558680"/>
+            <a:ext cx="636840" cy="91080"/>
+          </a:xfrm>
+          <a:prstGeom prst="rightArrow">
+            <a:avLst>
+              <a:gd name="adj1" fmla="val 16200"/>
+              <a:gd name="adj2" fmla="val 5400"/>
+            </a:avLst>
+          </a:prstGeom>
+          <a:solidFill>
+            <a:srgbClr val="dddddd"/>
+          </a:solidFill>
+          <a:ln>
+            <a:solidFill>
+              <a:srgbClr val="9900ff"/>
+            </a:solidFill>
+          </a:ln>
+        </p:spPr>
+        <p:style>
+          <a:lnRef idx="0"/>
+          <a:fillRef idx="0"/>
+          <a:effectRef idx="0"/>
+          <a:fontRef idx="minor"/>
+        </p:style>
       </p:sp>
     </p:spTree>
   </p:cSld>
@@ -3531,14 +4411,14 @@
       </p:grpSpPr>
       <p:sp>
         <p:nvSpPr>
-          <p:cNvPr id="80" name="CustomShape 1"/>
+          <p:cNvPr id="102" name="CustomShape 1"/>
           <p:cNvSpPr/>
           <p:nvPr/>
         </p:nvSpPr>
         <p:spPr>
           <a:xfrm>
-            <a:off x="504000" y="301320"/>
-            <a:ext cx="9070560" cy="886320"/>
+            <a:off x="723600" y="85320"/>
+            <a:ext cx="8202240" cy="573840"/>
           </a:xfrm>
           <a:prstGeom prst="rect">
             <a:avLst/>
@@ -3567,7 +4447,7 @@
                 <a:solidFill>
                   <a:srgbClr val="000000"/>
                 </a:solidFill>
-                <a:latin typeface="Arial"/>
+                <a:latin typeface="Times New Roman"/>
                 <a:ea typeface="DejaVu Sans"/>
               </a:rPr>
               <a:t>Solution Details</a:t>
@@ -3578,14 +4458,14 @@
       </p:sp>
       <p:sp>
         <p:nvSpPr>
-          <p:cNvPr id="81" name="CustomShape 2"/>
+          <p:cNvPr id="103" name="CustomShape 2"/>
           <p:cNvSpPr/>
           <p:nvPr/>
         </p:nvSpPr>
         <p:spPr>
           <a:xfrm>
-            <a:off x="504000" y="1371600"/>
-            <a:ext cx="9070560" cy="5576760"/>
+            <a:off x="504000" y="687600"/>
+            <a:ext cx="9279720" cy="5943240"/>
           </a:xfrm>
           <a:prstGeom prst="rect">
             <a:avLst/>
@@ -3613,11 +4493,11 @@
               <a:buChar char=""/>
             </a:pPr>
             <a:r>
-              <a:rPr lang="en-US" sz="3200" strike="noStrike">
+              <a:rPr lang="en-US" sz="3600" strike="noStrike">
                 <a:solidFill>
                   <a:srgbClr val="000000"/>
                 </a:solidFill>
-                <a:latin typeface="Arial"/>
+                <a:latin typeface="Times New Roman"/>
                 <a:ea typeface="DejaVu Sans"/>
               </a:rPr>
               <a:t>Credit cards info stored in encrypted form: Even the app does not know your card details </a:t>
@@ -3634,11 +4514,11 @@
               <a:buChar char=""/>
             </a:pPr>
             <a:r>
-              <a:rPr lang="en-US" sz="3200" strike="noStrike">
+              <a:rPr lang="en-US" sz="3600" strike="noStrike">
                 <a:solidFill>
                   <a:srgbClr val="000000"/>
                 </a:solidFill>
-                <a:latin typeface="Arial"/>
+                <a:latin typeface="Times New Roman"/>
                 <a:ea typeface="DejaVu Sans"/>
               </a:rPr>
               <a:t>Decrypted only at the time of transaction using user's password</a:t>
@@ -3655,11 +4535,11 @@
               <a:buChar char=""/>
             </a:pPr>
             <a:r>
-              <a:rPr lang="en-US" sz="3200" strike="noStrike">
+              <a:rPr lang="en-US" sz="3600" strike="noStrike">
                 <a:solidFill>
                   <a:srgbClr val="000000"/>
                 </a:solidFill>
-                <a:latin typeface="Arial"/>
+                <a:latin typeface="Times New Roman"/>
                 <a:ea typeface="DejaVu Sans"/>
               </a:rPr>
               <a:t>App secure's card, payment details using password</a:t>
@@ -3676,14 +4556,56 @@
               <a:buChar char=""/>
             </a:pPr>
             <a:r>
-              <a:rPr lang="en-US" sz="3200" strike="noStrike">
+              <a:rPr lang="en-US" sz="3600" strike="noStrike">
                 <a:solidFill>
                   <a:srgbClr val="000000"/>
                 </a:solidFill>
-                <a:latin typeface="Arial"/>
-                <a:ea typeface="DejaVu Sans"/>
-              </a:rPr>
-              <a:t>Rich payment analytics for consumer and vendor: No need to look into SMS, emails</a:t>
+                <a:latin typeface="Times New Roman"/>
+                <a:ea typeface="DejaVu Sans"/>
+              </a:rPr>
+              <a:t>Rich payment analytics for consumer and vendor: </a:t>
+            </a:r>
+            <a:endParaRPr/>
+          </a:p>
+          <a:p>
+            <a:pPr lvl="1">
+              <a:lnSpc>
+                <a:spcPct val="100000"/>
+              </a:lnSpc>
+              <a:buSzPct val="45000"/>
+              <a:buFont typeface="StarSymbol"/>
+              <a:buChar char=""/>
+            </a:pPr>
+            <a:r>
+              <a:rPr lang="en-US" sz="2400" strike="noStrike">
+                <a:solidFill>
+                  <a:srgbClr val="000000"/>
+                </a:solidFill>
+                <a:latin typeface="Times New Roman"/>
+                <a:ea typeface="DejaVu Sans"/>
+              </a:rPr>
+              <a:t>Keeps track of payment locations using GPS</a:t>
+            </a:r>
+            <a:endParaRPr/>
+          </a:p>
+          <a:p>
+            <a:pPr lvl="1">
+              <a:lnSpc>
+                <a:spcPct val="100000"/>
+              </a:lnSpc>
+              <a:buSzPct val="45000"/>
+              <a:buFont typeface="StarSymbol"/>
+              <a:buChar char=""/>
+            </a:pPr>
+            <a:r>
+              <a:rPr lang="en-US" sz="2400" strike="noStrike">
+                <a:solidFill>
+                  <a:srgbClr val="000000"/>
+                </a:solidFill>
+                <a:latin typeface="Times New Roman"/>
+                <a:ea typeface="DejaVu Sans"/>
+              </a:rPr>
+              <a:t>No need to look into SMS, emails</a:t>
             </a:r>
             <a:endParaRPr/>
           </a:p>
@@ -3697,14 +4619,35 @@
               <a:buChar char=""/>
             </a:pPr>
             <a:r>
-              <a:rPr lang="en-US" sz="3200" strike="noStrike">
+              <a:rPr lang="en-US" sz="3600" strike="noStrike">
                 <a:solidFill>
                   <a:srgbClr val="000000"/>
                 </a:solidFill>
-                <a:latin typeface="Arial"/>
+                <a:latin typeface="Times New Roman"/>
                 <a:ea typeface="DejaVu Sans"/>
               </a:rPr>
               <a:t>Works with vendor's payment gateway</a:t>
+            </a:r>
+            <a:endParaRPr/>
+          </a:p>
+          <a:p>
+            <a:pPr>
+              <a:lnSpc>
+                <a:spcPct val="100000"/>
+              </a:lnSpc>
+              <a:buSzPct val="45000"/>
+              <a:buFont typeface="StarSymbol"/>
+              <a:buChar char=""/>
+            </a:pPr>
+            <a:r>
+              <a:rPr lang="en-US" sz="3600" strike="noStrike">
+                <a:solidFill>
+                  <a:srgbClr val="000000"/>
+                </a:solidFill>
+                <a:latin typeface="Times New Roman"/>
+                <a:ea typeface="DejaVu Sans"/>
+              </a:rPr>
+              <a:t>Device Loss: Customer's can invalidate app installation from website</a:t>
             </a:r>
             <a:endParaRPr/>
           </a:p>
@@ -3761,14 +4704,14 @@
       </p:grpSpPr>
       <p:sp>
         <p:nvSpPr>
-          <p:cNvPr id="82" name="CustomShape 1"/>
+          <p:cNvPr id="104" name="CustomShape 1"/>
           <p:cNvSpPr/>
           <p:nvPr/>
         </p:nvSpPr>
         <p:spPr>
           <a:xfrm>
             <a:off x="504000" y="301320"/>
-            <a:ext cx="9070560" cy="886320"/>
+            <a:ext cx="9069840" cy="885600"/>
           </a:xfrm>
           <a:prstGeom prst="rect">
             <a:avLst/>
@@ -3797,7 +4740,7 @@
                 <a:solidFill>
                   <a:srgbClr val="000000"/>
                 </a:solidFill>
-                <a:latin typeface="Arial"/>
+                <a:latin typeface="Times New Roman"/>
                 <a:ea typeface="DejaVu Sans"/>
               </a:rPr>
               <a:t>Today's technonogies</a:t>
@@ -3808,14 +4751,14 @@
       </p:sp>
       <p:sp>
         <p:nvSpPr>
-          <p:cNvPr id="83" name="CustomShape 2"/>
+          <p:cNvPr id="105" name="CustomShape 2"/>
           <p:cNvSpPr/>
           <p:nvPr/>
         </p:nvSpPr>
         <p:spPr>
           <a:xfrm>
             <a:off x="504000" y="1371600"/>
-            <a:ext cx="9070560" cy="5576760"/>
+            <a:ext cx="9069840" cy="5576040"/>
           </a:xfrm>
           <a:prstGeom prst="rect">
             <a:avLst/>
@@ -3847,10 +4790,10 @@
                 <a:solidFill>
                   <a:srgbClr val="000000"/>
                 </a:solidFill>
-                <a:latin typeface="Arial"/>
-                <a:ea typeface="DejaVu Sans"/>
-              </a:rPr>
-              <a:t>Square:</a:t>
+                <a:latin typeface="Times New Roman"/>
+                <a:ea typeface="DejaVu Sans"/>
+              </a:rPr>
+              <a:t>Square</a:t>
             </a:r>
             <a:endParaRPr/>
           </a:p>
@@ -3868,10 +4811,10 @@
                 <a:solidFill>
                   <a:srgbClr val="000000"/>
                 </a:solidFill>
-                <a:latin typeface="Arial"/>
-                <a:ea typeface="DejaVu Sans"/>
-              </a:rPr>
-              <a:t>NFC:</a:t>
+                <a:latin typeface="Times New Roman"/>
+                <a:ea typeface="DejaVu Sans"/>
+              </a:rPr>
+              <a:t>NFC</a:t>
             </a:r>
             <a:endParaRPr/>
           </a:p>
@@ -3889,7 +4832,7 @@
                 <a:solidFill>
                   <a:srgbClr val="000000"/>
                 </a:solidFill>
-                <a:latin typeface="Arial"/>
+                <a:latin typeface="Times New Roman"/>
                 <a:ea typeface="DejaVu Sans"/>
               </a:rPr>
               <a:t>ApplePay</a:t>
@@ -3949,14 +4892,14 @@
       </p:grpSpPr>
       <p:sp>
         <p:nvSpPr>
-          <p:cNvPr id="84" name="CustomShape 1"/>
+          <p:cNvPr id="106" name="CustomShape 1"/>
           <p:cNvSpPr/>
           <p:nvPr/>
         </p:nvSpPr>
         <p:spPr>
           <a:xfrm>
             <a:off x="504000" y="301320"/>
-            <a:ext cx="9070560" cy="886320"/>
+            <a:ext cx="9069840" cy="885600"/>
           </a:xfrm>
           <a:prstGeom prst="rect">
             <a:avLst/>
@@ -3985,7 +4928,7 @@
                 <a:solidFill>
                   <a:srgbClr val="000000"/>
                 </a:solidFill>
-                <a:latin typeface="Arial"/>
+                <a:latin typeface="Times New Roman"/>
                 <a:ea typeface="DejaVu Sans"/>
               </a:rPr>
               <a:t>Use Cases</a:t>
@@ -3996,14 +4939,14 @@
       </p:sp>
       <p:sp>
         <p:nvSpPr>
-          <p:cNvPr id="85" name="CustomShape 2"/>
+          <p:cNvPr id="107" name="CustomShape 2"/>
           <p:cNvSpPr/>
           <p:nvPr/>
         </p:nvSpPr>
         <p:spPr>
           <a:xfrm>
             <a:off x="504000" y="1371600"/>
-            <a:ext cx="9070560" cy="5576760"/>
+            <a:ext cx="9069840" cy="5576040"/>
           </a:xfrm>
           <a:prstGeom prst="rect">
             <a:avLst/>
@@ -4031,11 +4974,11 @@
               <a:buChar char=""/>
             </a:pPr>
             <a:r>
-              <a:rPr lang="en-US" sz="3200" strike="noStrike">
+              <a:rPr lang="en-US" sz="3600" strike="noStrike">
                 <a:solidFill>
                   <a:srgbClr val="000000"/>
                 </a:solidFill>
-                <a:latin typeface="Arial"/>
+                <a:latin typeface="Times New Roman"/>
                 <a:ea typeface="DejaVu Sans"/>
               </a:rPr>
               <a:t>Home Delivery: Flipkart, Snapdeal, Vegetables, Grocery, Pizza, …</a:t>
@@ -4052,11 +4995,11 @@
               <a:buChar char=""/>
             </a:pPr>
             <a:r>
-              <a:rPr lang="en-US" sz="3200" strike="noStrike">
+              <a:rPr lang="en-US" sz="3600" strike="noStrike">
                 <a:solidFill>
                   <a:srgbClr val="000000"/>
                 </a:solidFill>
-                <a:latin typeface="Arial"/>
+                <a:latin typeface="Times New Roman"/>
                 <a:ea typeface="DejaVu Sans"/>
               </a:rPr>
               <a:t>Taxi: Ola, Taxi For Sure, …</a:t>
@@ -4073,11 +5016,11 @@
               <a:buChar char=""/>
             </a:pPr>
             <a:r>
-              <a:rPr lang="en-US" sz="3200" strike="noStrike">
+              <a:rPr lang="en-US" sz="3600" strike="noStrike">
                 <a:solidFill>
                   <a:srgbClr val="000000"/>
                 </a:solidFill>
-                <a:latin typeface="Arial"/>
+                <a:latin typeface="Times New Roman"/>
                 <a:ea typeface="DejaVu Sans"/>
               </a:rPr>
               <a:t>Shops: Compromised Swiping Machines (EFT POS)</a:t>
@@ -4094,11 +5037,11 @@
               <a:buChar char=""/>
             </a:pPr>
             <a:r>
-              <a:rPr lang="en-US" sz="3200" strike="noStrike">
+              <a:rPr lang="en-US" sz="3600" strike="noStrike">
                 <a:solidFill>
                   <a:srgbClr val="000000"/>
                 </a:solidFill>
-                <a:latin typeface="Arial"/>
+                <a:latin typeface="Times New Roman"/>
                 <a:ea typeface="DejaVu Sans"/>
               </a:rPr>
               <a:t>Restaurants: They can just print the QR code containing bill details and the customer's QuickMPay app can scan it and make payment. No need to hand over credit card to staff.</a:t>
@@ -4158,14 +5101,14 @@
       </p:grpSpPr>
       <p:sp>
         <p:nvSpPr>
-          <p:cNvPr id="86" name="CustomShape 1"/>
+          <p:cNvPr id="108" name="CustomShape 1"/>
           <p:cNvSpPr/>
           <p:nvPr/>
         </p:nvSpPr>
         <p:spPr>
           <a:xfrm>
             <a:off x="504000" y="301320"/>
-            <a:ext cx="9070560" cy="886320"/>
+            <a:ext cx="9069840" cy="885600"/>
           </a:xfrm>
           <a:prstGeom prst="rect">
             <a:avLst/>
@@ -4194,7 +5137,7 @@
                 <a:solidFill>
                   <a:srgbClr val="000000"/>
                 </a:solidFill>
-                <a:latin typeface="Arial"/>
+                <a:latin typeface="Times New Roman"/>
                 <a:ea typeface="DejaVu Sans"/>
               </a:rPr>
               <a:t>Monetization Models</a:t>
@@ -4205,14 +5148,14 @@
       </p:sp>
       <p:sp>
         <p:nvSpPr>
-          <p:cNvPr id="87" name="CustomShape 2"/>
+          <p:cNvPr id="109" name="CustomShape 2"/>
           <p:cNvSpPr/>
           <p:nvPr/>
         </p:nvSpPr>
         <p:spPr>
           <a:xfrm>
             <a:off x="504000" y="1371600"/>
-            <a:ext cx="9070560" cy="5576760"/>
+            <a:ext cx="9069840" cy="5576040"/>
           </a:xfrm>
           <a:prstGeom prst="rect">
             <a:avLst/>
@@ -4240,11 +5183,11 @@
               <a:buChar char=""/>
             </a:pPr>
             <a:r>
-              <a:rPr lang="en-US" sz="3200" strike="noStrike">
+              <a:rPr lang="en-US" sz="3600" strike="noStrike">
                 <a:solidFill>
                   <a:srgbClr val="000000"/>
                 </a:solidFill>
-                <a:latin typeface="Arial"/>
+                <a:latin typeface="Times New Roman"/>
                 <a:ea typeface="DejaVu Sans"/>
               </a:rPr>
               <a:t>Paid App for Vendors</a:t>
@@ -4261,11 +5204,11 @@
               <a:buChar char=""/>
             </a:pPr>
             <a:r>
-              <a:rPr lang="en-US" sz="3200" strike="noStrike">
+              <a:rPr lang="en-US" sz="3600" strike="noStrike">
                 <a:solidFill>
                   <a:srgbClr val="000000"/>
                 </a:solidFill>
-                <a:latin typeface="Arial"/>
+                <a:latin typeface="Times New Roman"/>
                 <a:ea typeface="DejaVu Sans"/>
               </a:rPr>
               <a:t>Charging a percentage per transaction</a:t>
@@ -4282,11 +5225,32 @@
               <a:buChar char=""/>
             </a:pPr>
             <a:r>
-              <a:rPr lang="en-US" sz="3200" strike="noStrike">
+              <a:rPr lang="en-US" sz="3600" strike="noStrike">
                 <a:solidFill>
                   <a:srgbClr val="000000"/>
                 </a:solidFill>
-                <a:latin typeface="Arial"/>
+                <a:latin typeface="Times New Roman"/>
+                <a:ea typeface="DejaVu Sans"/>
+              </a:rPr>
+              <a:t>Discount coupons by coupon vendors after spending some amounts</a:t>
+            </a:r>
+            <a:endParaRPr/>
+          </a:p>
+          <a:p>
+            <a:pPr>
+              <a:lnSpc>
+                <a:spcPct val="100000"/>
+              </a:lnSpc>
+              <a:buSzPct val="45000"/>
+              <a:buFont typeface="StarSymbol"/>
+              <a:buChar char=""/>
+            </a:pPr>
+            <a:r>
+              <a:rPr lang="en-US" sz="3600" strike="noStrike">
+                <a:solidFill>
+                  <a:srgbClr val="000000"/>
+                </a:solidFill>
+                <a:latin typeface="Times New Roman"/>
                 <a:ea typeface="DejaVu Sans"/>
               </a:rPr>
               <a:t>Working with major vendors to integrate with their apps</a:t>
@@ -4298,16 +5262,16 @@
               <a:lnSpc>
                 <a:spcPct val="100000"/>
               </a:lnSpc>
-              <a:buSzPct val="75000"/>
+              <a:buSzPct val="45000"/>
               <a:buFont typeface="StarSymbol"/>
-              <a:buChar char=""/>
-            </a:pPr>
-            <a:r>
-              <a:rPr lang="en-US" sz="2200" strike="noStrike">
+              <a:buChar char=""/>
+            </a:pPr>
+            <a:r>
+              <a:rPr lang="en-US" sz="2400" strike="noStrike">
                 <a:solidFill>
                   <a:srgbClr val="000000"/>
                 </a:solidFill>
-                <a:latin typeface="Arial"/>
+                <a:latin typeface="Times New Roman"/>
                 <a:ea typeface="DejaVu Sans"/>
               </a:rPr>
               <a:t>Flipkart, Snapdeal, Ola, Taxi for sure: Rich mobile apps.</a:t>
@@ -4319,16 +5283,16 @@
               <a:lnSpc>
                 <a:spcPct val="100000"/>
               </a:lnSpc>
-              <a:buSzPct val="75000"/>
+              <a:buSzPct val="45000"/>
               <a:buFont typeface="StarSymbol"/>
-              <a:buChar char=""/>
-            </a:pPr>
-            <a:r>
-              <a:rPr lang="en-US" sz="2200" strike="noStrike">
+              <a:buChar char=""/>
+            </a:pPr>
+            <a:r>
+              <a:rPr lang="en-US" sz="2400" strike="noStrike">
                 <a:solidFill>
                   <a:srgbClr val="000000"/>
                 </a:solidFill>
-                <a:latin typeface="Arial"/>
+                <a:latin typeface="Times New Roman"/>
                 <a:ea typeface="DejaVu Sans"/>
               </a:rPr>
               <a:t>Vendor apps to work with QuickMPay customer app</a:t>
